--- a/docs/JStorm 介绍.pptx
+++ b/docs/JStorm 介绍.pptx
@@ -5,20 +5,46 @@
     <p:sldMasterId id="2147483648" r:id="rId1"/>
   </p:sldMasterIdLst>
   <p:notesMasterIdLst>
-    <p:notesMasterId r:id="rId13"/>
+    <p:notesMasterId r:id="rId39"/>
   </p:notesMasterIdLst>
   <p:sldIdLst>
     <p:sldId id="256" r:id="rId2"/>
     <p:sldId id="277" r:id="rId3"/>
-    <p:sldId id="259" r:id="rId4"/>
-    <p:sldId id="296" r:id="rId5"/>
-    <p:sldId id="288" r:id="rId6"/>
-    <p:sldId id="289" r:id="rId7"/>
-    <p:sldId id="290" r:id="rId8"/>
-    <p:sldId id="291" r:id="rId9"/>
-    <p:sldId id="292" r:id="rId10"/>
-    <p:sldId id="293" r:id="rId11"/>
-    <p:sldId id="276" r:id="rId12"/>
+    <p:sldId id="300" r:id="rId4"/>
+    <p:sldId id="301" r:id="rId5"/>
+    <p:sldId id="308" r:id="rId6"/>
+    <p:sldId id="307" r:id="rId7"/>
+    <p:sldId id="306" r:id="rId8"/>
+    <p:sldId id="305" r:id="rId9"/>
+    <p:sldId id="304" r:id="rId10"/>
+    <p:sldId id="259" r:id="rId11"/>
+    <p:sldId id="297" r:id="rId12"/>
+    <p:sldId id="298" r:id="rId13"/>
+    <p:sldId id="296" r:id="rId14"/>
+    <p:sldId id="309" r:id="rId15"/>
+    <p:sldId id="310" r:id="rId16"/>
+    <p:sldId id="311" r:id="rId17"/>
+    <p:sldId id="320" r:id="rId18"/>
+    <p:sldId id="312" r:id="rId19"/>
+    <p:sldId id="326" r:id="rId20"/>
+    <p:sldId id="313" r:id="rId21"/>
+    <p:sldId id="314" r:id="rId22"/>
+    <p:sldId id="315" r:id="rId23"/>
+    <p:sldId id="319" r:id="rId24"/>
+    <p:sldId id="318" r:id="rId25"/>
+    <p:sldId id="317" r:id="rId26"/>
+    <p:sldId id="316" r:id="rId27"/>
+    <p:sldId id="322" r:id="rId28"/>
+    <p:sldId id="321" r:id="rId29"/>
+    <p:sldId id="323" r:id="rId30"/>
+    <p:sldId id="324" r:id="rId31"/>
+    <p:sldId id="329" r:id="rId32"/>
+    <p:sldId id="330" r:id="rId33"/>
+    <p:sldId id="331" r:id="rId34"/>
+    <p:sldId id="325" r:id="rId35"/>
+    <p:sldId id="327" r:id="rId36"/>
+    <p:sldId id="328" r:id="rId37"/>
+    <p:sldId id="276" r:id="rId38"/>
   </p:sldIdLst>
   <p:sldSz cx="9144000" cy="6858000" type="screen4x3"/>
   <p:notesSz cx="6858000" cy="9144000"/>
@@ -232,7 +258,7 @@
           <a:p>
             <a:fld id="{D99C5424-9698-406E-89DA-A5FE07FD76CC}" type="datetimeFigureOut">
               <a:rPr lang="zh-CN" altLang="en-US" smtClean="0"/>
-              <a:t>2013/7/29</a:t>
+              <a:t>2013/12/27</a:t>
             </a:fld>
             <a:endParaRPr lang="zh-CN" altLang="en-US"/>
           </a:p>
@@ -979,7 +1005,7 @@
           <a:p>
             <a:r>
               <a:rPr lang="en-US" altLang="zh-CN" smtClean="0"/>
-              <a:t>Alipay</a:t>
+              <a:t>Alibaba</a:t>
             </a:r>
             <a:endParaRPr lang="en-US" altLang="zh-CN"/>
           </a:p>
@@ -1184,7 +1210,7 @@
           <a:p>
             <a:r>
               <a:rPr lang="en-US" altLang="zh-CN" smtClean="0"/>
-              <a:t>Alipay</a:t>
+              <a:t>Alibaba</a:t>
             </a:r>
             <a:endParaRPr lang="en-US" altLang="zh-CN"/>
           </a:p>
@@ -1375,7 +1401,7 @@
           <a:p>
             <a:r>
               <a:rPr lang="en-US" altLang="zh-CN" smtClean="0"/>
-              <a:t>Alipay</a:t>
+              <a:t>Alibaba</a:t>
             </a:r>
             <a:endParaRPr lang="en-US" altLang="zh-CN"/>
           </a:p>
@@ -1570,7 +1596,7 @@
           <a:p>
             <a:r>
               <a:rPr lang="en-US" altLang="zh-CN" smtClean="0"/>
-              <a:t>Alipay</a:t>
+              <a:t>Alibaba</a:t>
             </a:r>
             <a:endParaRPr lang="en-US" altLang="zh-CN"/>
           </a:p>
@@ -1787,7 +1813,7 @@
           <a:p>
             <a:r>
               <a:rPr lang="en-US" altLang="zh-CN" smtClean="0"/>
-              <a:t>Alipay</a:t>
+              <a:t>Alibaba</a:t>
             </a:r>
             <a:endParaRPr lang="en-US" altLang="zh-CN"/>
           </a:p>
@@ -2100,7 +2126,7 @@
           <a:p>
             <a:r>
               <a:rPr lang="en-US" altLang="zh-CN" smtClean="0"/>
-              <a:t>Alipay</a:t>
+              <a:t>Alibaba</a:t>
             </a:r>
             <a:endParaRPr lang="en-US" altLang="zh-CN"/>
           </a:p>
@@ -2552,7 +2578,7 @@
           <a:p>
             <a:r>
               <a:rPr lang="en-US" altLang="zh-CN" smtClean="0"/>
-              <a:t>Alipay</a:t>
+              <a:t>Alibaba</a:t>
             </a:r>
             <a:endParaRPr lang="en-US" altLang="zh-CN"/>
           </a:p>
@@ -2695,7 +2721,7 @@
           <a:p>
             <a:r>
               <a:rPr lang="en-US" altLang="zh-CN" smtClean="0"/>
-              <a:t>Alipay</a:t>
+              <a:t>Alibaba</a:t>
             </a:r>
             <a:endParaRPr lang="en-US" altLang="zh-CN"/>
           </a:p>
@@ -2815,7 +2841,7 @@
           <a:p>
             <a:r>
               <a:rPr lang="en-US" altLang="zh-CN" smtClean="0"/>
-              <a:t>Alipay</a:t>
+              <a:t>Alibaba</a:t>
             </a:r>
             <a:endParaRPr lang="en-US" altLang="zh-CN"/>
           </a:p>
@@ -3117,7 +3143,7 @@
           <a:p>
             <a:r>
               <a:rPr lang="en-US" altLang="zh-CN" smtClean="0"/>
-              <a:t>Alipay</a:t>
+              <a:t>Alibaba</a:t>
             </a:r>
             <a:endParaRPr lang="en-US" altLang="zh-CN"/>
           </a:p>
@@ -3399,7 +3425,7 @@
           <a:p>
             <a:r>
               <a:rPr lang="en-US" altLang="zh-CN" smtClean="0"/>
-              <a:t>Alipay</a:t>
+              <a:t>Alibaba</a:t>
             </a:r>
             <a:endParaRPr lang="en-US" altLang="zh-CN"/>
           </a:p>
@@ -3977,7 +4003,7 @@
           <a:p>
             <a:r>
               <a:rPr lang="en-US" altLang="zh-CN" smtClean="0"/>
-              <a:t>Alipay</a:t>
+              <a:t>Alibaba</a:t>
             </a:r>
             <a:endParaRPr lang="en-US" altLang="zh-CN"/>
           </a:p>
@@ -4567,55 +4593,6 @@
       </p:grpSpPr>
       <p:sp>
         <p:nvSpPr>
-          <p:cNvPr id="2" name="标题 1"/>
-          <p:cNvSpPr>
-            <a:spLocks noGrp="1"/>
-          </p:cNvSpPr>
-          <p:nvPr>
-            <p:ph type="title"/>
-          </p:nvPr>
-        </p:nvSpPr>
-        <p:spPr/>
-        <p:txBody>
-          <a:bodyPr/>
-          <a:lstStyle/>
-          <a:p>
-            <a:r>
-              <a:rPr lang="zh-CN" altLang="en-US" dirty="0" smtClean="0"/>
-              <a:t>其他修改</a:t>
-            </a:r>
-            <a:endParaRPr lang="zh-CN" altLang="en-US" dirty="0"/>
-          </a:p>
-        </p:txBody>
-      </p:sp>
-      <p:sp>
-        <p:nvSpPr>
-          <p:cNvPr id="3" name="内容占位符 2"/>
-          <p:cNvSpPr>
-            <a:spLocks noGrp="1"/>
-          </p:cNvSpPr>
-          <p:nvPr>
-            <p:ph idx="1"/>
-          </p:nvPr>
-        </p:nvSpPr>
-        <p:spPr/>
-        <p:txBody>
-          <a:bodyPr/>
-          <a:lstStyle/>
-          <a:p>
-            <a:r>
-              <a:rPr lang="zh-CN" altLang="en-US" dirty="0" smtClean="0"/>
-              <a:t>详情可以参考源码下</a:t>
-            </a:r>
-            <a:endParaRPr lang="en-US" altLang="zh-CN" dirty="0" smtClean="0"/>
-          </a:p>
-          <a:p>
-            <a:endParaRPr lang="zh-CN" altLang="en-US" dirty="0"/>
-          </a:p>
-        </p:txBody>
-      </p:sp>
-      <p:sp>
-        <p:nvSpPr>
           <p:cNvPr id="4" name="页脚占位符 3"/>
           <p:cNvSpPr>
             <a:spLocks noGrp="1"/>
@@ -4647,7 +4624,7 @@
       </p:sp>
       <p:sp>
         <p:nvSpPr>
-          <p:cNvPr id="5" name="日期占位符 4"/>
+          <p:cNvPr id="5" name="日期占位符 5"/>
           <p:cNvSpPr>
             <a:spLocks noGrp="1"/>
           </p:cNvSpPr>
@@ -4662,75 +4639,214 @@
           <a:p>
             <a:r>
               <a:rPr lang="en-US" altLang="zh-CN" smtClean="0"/>
-              <a:t>Alipay</a:t>
+              <a:t>Alibaba</a:t>
             </a:r>
             <a:endParaRPr lang="en-US" altLang="zh-CN"/>
           </a:p>
         </p:txBody>
       </p:sp>
-      <p:graphicFrame>
-        <p:nvGraphicFramePr>
-          <p:cNvPr id="6" name="对象 5"/>
-          <p:cNvGraphicFramePr>
-            <a:graphicFrameLocks noChangeAspect="1"/>
-          </p:cNvGraphicFramePr>
-          <p:nvPr>
-            <p:extLst>
-              <p:ext uri="{D42A27DB-BD31-4B8C-83A1-F6EECF244321}">
-                <p14:modId xmlns:p14="http://schemas.microsoft.com/office/powerpoint/2010/main" val="1336618732"/>
-              </p:ext>
-            </p:extLst>
-          </p:nvPr>
-        </p:nvGraphicFramePr>
-        <p:xfrm>
-          <a:off x="4788024" y="1196752"/>
-          <a:ext cx="1296988" cy="711200"/>
-        </p:xfrm>
-        <a:graphic>
-          <a:graphicData uri="http://schemas.openxmlformats.org/presentationml/2006/ole">
-            <mc:AlternateContent xmlns:mc="http://schemas.openxmlformats.org/markup-compatibility/2006">
-              <mc:Choice xmlns:v="urn:schemas-microsoft-com:vml" Requires="v">
-                <p:oleObj spid="_x0000_s1029" name="包装程序外壳对象" showAsIcon="1" r:id="rId3" imgW="1296720" imgH="710640" progId="Package">
-                  <p:embed/>
-                </p:oleObj>
-              </mc:Choice>
-              <mc:Fallback>
-                <p:oleObj name="包装程序外壳对象" showAsIcon="1" r:id="rId3" imgW="1296720" imgH="710640" progId="Package">
-                  <p:embed/>
-                  <p:pic>
-                    <p:nvPicPr>
-                      <p:cNvPr id="0" name=""/>
-                      <p:cNvPicPr/>
-                      <p:nvPr/>
-                    </p:nvPicPr>
-                    <p:blipFill>
-                      <a:blip r:embed="rId4"/>
-                      <a:stretch>
-                        <a:fillRect/>
-                      </a:stretch>
-                    </p:blipFill>
-                    <p:spPr>
-                      <a:xfrm>
-                        <a:off x="4788024" y="1196752"/>
-                        <a:ext cx="1296988" cy="711200"/>
-                      </a:xfrm>
-                      <a:prstGeom prst="rect">
-                        <a:avLst/>
-                      </a:prstGeom>
-                    </p:spPr>
-                  </p:pic>
-                </p:oleObj>
-              </mc:Fallback>
-            </mc:AlternateContent>
-          </a:graphicData>
-        </a:graphic>
-      </p:graphicFrame>
+      <p:sp>
+        <p:nvSpPr>
+          <p:cNvPr id="70658" name="Rectangle 2"/>
+          <p:cNvSpPr>
+            <a:spLocks noGrp="1" noChangeArrowheads="1"/>
+          </p:cNvSpPr>
+          <p:nvPr>
+            <p:ph type="title"/>
+          </p:nvPr>
+        </p:nvSpPr>
+        <p:spPr/>
+        <p:txBody>
+          <a:bodyPr/>
+          <a:lstStyle/>
+          <a:p>
+            <a:r>
+              <a:rPr lang="zh-CN" altLang="en-US" dirty="0" smtClean="0">
+                <a:ea typeface="宋体" charset="-122"/>
+              </a:rPr>
+              <a:t>为什么启动</a:t>
+            </a:r>
+            <a:r>
+              <a:rPr lang="en-US" altLang="zh-CN" dirty="0" err="1" smtClean="0">
+                <a:ea typeface="宋体" charset="-122"/>
+              </a:rPr>
+              <a:t>Jstorm</a:t>
+            </a:r>
+            <a:r>
+              <a:rPr lang="zh-CN" altLang="en-US" dirty="0" smtClean="0">
+                <a:ea typeface="宋体" charset="-122"/>
+              </a:rPr>
+              <a:t>项目</a:t>
+            </a:r>
+            <a:endParaRPr lang="en-US" altLang="zh-CN" dirty="0">
+              <a:ea typeface="宋体" charset="-122"/>
+            </a:endParaRPr>
+          </a:p>
+        </p:txBody>
+      </p:sp>
+      <p:sp>
+        <p:nvSpPr>
+          <p:cNvPr id="70659" name="Rectangle 3"/>
+          <p:cNvSpPr>
+            <a:spLocks noGrp="1" noChangeArrowheads="1"/>
+          </p:cNvSpPr>
+          <p:nvPr>
+            <p:ph type="body" idx="1"/>
+          </p:nvPr>
+        </p:nvSpPr>
+        <p:spPr>
+          <a:xfrm>
+            <a:off x="619125" y="1468438"/>
+            <a:ext cx="7824788" cy="4852987"/>
+          </a:xfrm>
+        </p:spPr>
+        <p:txBody>
+          <a:bodyPr/>
+          <a:lstStyle/>
+          <a:p>
+            <a:r>
+              <a:rPr lang="zh-CN" altLang="en-US" dirty="0"/>
+              <a:t>阿里自己的实时计算引擎</a:t>
+            </a:r>
+            <a:endParaRPr lang="en-US" altLang="zh-CN" dirty="0"/>
+          </a:p>
+          <a:p>
+            <a:pPr lvl="1"/>
+            <a:r>
+              <a:rPr lang="zh-CN" altLang="en-US" dirty="0"/>
+              <a:t>类似于</a:t>
+            </a:r>
+            <a:r>
+              <a:rPr lang="en-US" altLang="zh-CN" dirty="0" err="1"/>
+              <a:t>hadoop</a:t>
+            </a:r>
+            <a:r>
+              <a:rPr lang="en-US" altLang="zh-CN" dirty="0"/>
+              <a:t> </a:t>
+            </a:r>
+            <a:r>
+              <a:rPr lang="zh-CN" altLang="en-US" dirty="0"/>
+              <a:t>中的</a:t>
+            </a:r>
+            <a:r>
+              <a:rPr lang="en-US" altLang="zh-CN" dirty="0"/>
+              <a:t>MR</a:t>
+            </a:r>
+          </a:p>
+          <a:p>
+            <a:pPr lvl="1">
+              <a:lnSpc>
+                <a:spcPct val="80000"/>
+              </a:lnSpc>
+            </a:pPr>
+            <a:endParaRPr lang="en-US" altLang="zh-CN" sz="2500" dirty="0" smtClean="0">
+              <a:ea typeface="宋体" charset="-122"/>
+            </a:endParaRPr>
+          </a:p>
+          <a:p>
+            <a:pPr lvl="1">
+              <a:lnSpc>
+                <a:spcPct val="80000"/>
+              </a:lnSpc>
+            </a:pPr>
+            <a:endParaRPr lang="en-US" altLang="zh-CN" sz="2500" dirty="0">
+              <a:ea typeface="宋体" charset="-122"/>
+            </a:endParaRPr>
+          </a:p>
+          <a:p>
+            <a:pPr lvl="1">
+              <a:lnSpc>
+                <a:spcPct val="80000"/>
+              </a:lnSpc>
+            </a:pPr>
+            <a:r>
+              <a:rPr lang="zh-CN" altLang="en-US" sz="2500" dirty="0" smtClean="0">
+                <a:ea typeface="宋体" charset="-122"/>
+              </a:rPr>
+              <a:t>开源</a:t>
+            </a:r>
+            <a:r>
+              <a:rPr lang="en-US" altLang="zh-CN" sz="2500" dirty="0" smtClean="0">
+                <a:ea typeface="宋体" charset="-122"/>
+              </a:rPr>
+              <a:t>storm</a:t>
+            </a:r>
+            <a:r>
+              <a:rPr lang="zh-CN" altLang="en-US" sz="2500" dirty="0" smtClean="0">
+                <a:ea typeface="宋体" charset="-122"/>
+              </a:rPr>
+              <a:t>响应太慢</a:t>
+            </a:r>
+            <a:endParaRPr lang="en-US" altLang="zh-CN" sz="2500" dirty="0" smtClean="0">
+              <a:ea typeface="宋体" charset="-122"/>
+            </a:endParaRPr>
+          </a:p>
+          <a:p>
+            <a:pPr lvl="1">
+              <a:lnSpc>
+                <a:spcPct val="80000"/>
+              </a:lnSpc>
+            </a:pPr>
+            <a:r>
+              <a:rPr lang="zh-CN" altLang="en-US" sz="2500" dirty="0" smtClean="0">
+                <a:ea typeface="宋体" charset="-122"/>
+              </a:rPr>
+              <a:t>降低未来运维成本</a:t>
+            </a:r>
+            <a:endParaRPr lang="en-US" altLang="zh-CN" sz="2500" dirty="0" smtClean="0">
+              <a:ea typeface="宋体" charset="-122"/>
+            </a:endParaRPr>
+          </a:p>
+          <a:p>
+            <a:pPr lvl="1">
+              <a:lnSpc>
+                <a:spcPct val="80000"/>
+              </a:lnSpc>
+            </a:pPr>
+            <a:r>
+              <a:rPr lang="zh-CN" altLang="en-US" sz="2500" dirty="0" smtClean="0">
+                <a:ea typeface="宋体" charset="-122"/>
+              </a:rPr>
+              <a:t>提供更多技术支持，加快内部业务响应速度</a:t>
+            </a:r>
+            <a:endParaRPr lang="en-US" altLang="zh-CN" sz="2500" dirty="0" smtClean="0">
+              <a:ea typeface="宋体" charset="-122"/>
+            </a:endParaRPr>
+          </a:p>
+          <a:p>
+            <a:pPr>
+              <a:lnSpc>
+                <a:spcPct val="80000"/>
+              </a:lnSpc>
+            </a:pPr>
+            <a:r>
+              <a:rPr lang="en-US" altLang="zh-CN" sz="2500" dirty="0">
+                <a:ea typeface="宋体" charset="-122"/>
+              </a:rPr>
+              <a:t/>
+            </a:r>
+            <a:br>
+              <a:rPr lang="en-US" altLang="zh-CN" sz="2500" dirty="0">
+                <a:ea typeface="宋体" charset="-122"/>
+              </a:rPr>
+            </a:br>
+            <a:endParaRPr lang="en-US" altLang="zh-CN" sz="2500" dirty="0">
+              <a:ea typeface="宋体" charset="-122"/>
+            </a:endParaRPr>
+          </a:p>
+          <a:p>
+            <a:pPr lvl="1">
+              <a:lnSpc>
+                <a:spcPct val="80000"/>
+              </a:lnSpc>
+            </a:pPr>
+            <a:endParaRPr lang="en-US" altLang="zh-CN" sz="2900" dirty="0">
+              <a:ea typeface="宋体" charset="-122"/>
+            </a:endParaRPr>
+          </a:p>
+        </p:txBody>
+      </p:sp>
     </p:spTree>
-    <p:extLst>
-      <p:ext uri="{BB962C8B-B14F-4D97-AF65-F5344CB8AC3E}">
-        <p14:creationId xmlns:p14="http://schemas.microsoft.com/office/powerpoint/2010/main" val="2235547174"/>
-      </p:ext>
-    </p:extLst>
   </p:cSld>
   <p:clrMapOvr>
     <a:masterClrMapping/>
@@ -4764,206 +4880,651 @@
       </p:grpSpPr>
       <p:sp>
         <p:nvSpPr>
-          <p:cNvPr id="88068" name="Text Box 4"/>
-          <p:cNvSpPr txBox="1">
-            <a:spLocks noChangeArrowheads="1"/>
-          </p:cNvSpPr>
-          <p:nvPr/>
-        </p:nvSpPr>
-        <p:spPr bwMode="auto">
-          <a:xfrm>
-            <a:off x="2286000" y="5867400"/>
-            <a:ext cx="4724400" cy="304800"/>
-          </a:xfrm>
-          <a:prstGeom prst="rect">
-            <a:avLst/>
-          </a:prstGeom>
-          <a:noFill/>
-          <a:ln>
-            <a:noFill/>
-          </a:ln>
-          <a:effectLst/>
-          <a:extLst>
-            <a:ext uri="{909E8E84-426E-40DD-AFC4-6F175D3DCCD1}">
-              <a14:hiddenFill xmlns:a14="http://schemas.microsoft.com/office/drawing/2010/main">
-                <a:solidFill>
-                  <a:schemeClr val="accent1"/>
-                </a:solidFill>
-              </a14:hiddenFill>
-            </a:ext>
-            <a:ext uri="{91240B29-F687-4F45-9708-019B960494DF}">
-              <a14:hiddenLine xmlns:a14="http://schemas.microsoft.com/office/drawing/2010/main" w="9525">
-                <a:solidFill>
-                  <a:schemeClr val="tx1"/>
-                </a:solidFill>
-                <a:miter lim="800000"/>
-                <a:headEnd/>
-                <a:tailEnd/>
-              </a14:hiddenLine>
-            </a:ext>
-            <a:ext uri="{AF507438-7753-43E0-B8FC-AC1667EBCBE1}">
-              <a14:hiddenEffects xmlns:a14="http://schemas.microsoft.com/office/drawing/2010/main">
-                <a:effectLst>
-                  <a:outerShdw dist="35921" dir="2700000" algn="ctr" rotWithShape="0">
-                    <a:schemeClr val="bg2"/>
-                  </a:outerShdw>
-                </a:effectLst>
-              </a14:hiddenEffects>
-            </a:ext>
-          </a:extLst>
-        </p:spPr>
-        <p:txBody>
-          <a:bodyPr>
-            <a:spAutoFit/>
-          </a:bodyPr>
-          <a:lstStyle/>
-          <a:p>
-            <a:pPr algn="ctr"/>
-            <a:r>
-              <a:rPr lang="zh-CN" altLang="en-US" sz="1400" b="1" dirty="0" smtClean="0">
-                <a:solidFill>
-                  <a:schemeClr val="tx2"/>
-                </a:solidFill>
-                <a:latin typeface="Verdana" pitchFamily="34" charset="0"/>
+          <p:cNvPr id="2" name="标题 1"/>
+          <p:cNvSpPr>
+            <a:spLocks noGrp="1"/>
+          </p:cNvSpPr>
+          <p:nvPr>
+            <p:ph type="title"/>
+          </p:nvPr>
+        </p:nvSpPr>
+        <p:spPr/>
+        <p:txBody>
+          <a:bodyPr/>
+          <a:lstStyle/>
+          <a:p>
+            <a:r>
+              <a:rPr lang="zh-CN" altLang="en-US" dirty="0">
                 <a:ea typeface="宋体" charset="-122"/>
               </a:rPr>
-              <a:t>纪君祥（</a:t>
-            </a:r>
-            <a:r>
-              <a:rPr lang="en-US" altLang="zh-CN" sz="1400" b="1" dirty="0" smtClean="0">
-                <a:solidFill>
-                  <a:schemeClr val="tx2"/>
-                </a:solidFill>
-                <a:latin typeface="Verdana" pitchFamily="34" charset="0"/>
+              <a:t>为什么启动</a:t>
+            </a:r>
+            <a:r>
+              <a:rPr lang="en-US" altLang="zh-CN" dirty="0">
                 <a:ea typeface="宋体" charset="-122"/>
               </a:rPr>
-              <a:t>Longda </a:t>
-            </a:r>
-            <a:r>
-              <a:rPr lang="en-US" altLang="zh-CN" sz="1400" b="1" dirty="0" err="1" smtClean="0">
-                <a:solidFill>
-                  <a:schemeClr val="tx2"/>
-                </a:solidFill>
-                <a:latin typeface="Verdana" pitchFamily="34" charset="0"/>
+              <a:t>Jstorm</a:t>
+            </a:r>
+            <a:r>
+              <a:rPr lang="zh-CN" altLang="en-US" dirty="0">
                 <a:ea typeface="宋体" charset="-122"/>
               </a:rPr>
-              <a:t>Feng</a:t>
-            </a:r>
-            <a:r>
-              <a:rPr lang="zh-CN" altLang="en-US" sz="1400" b="1" dirty="0" smtClean="0">
-                <a:solidFill>
-                  <a:schemeClr val="tx2"/>
-                </a:solidFill>
-                <a:latin typeface="Verdana" pitchFamily="34" charset="0"/>
+              <a:t>项目</a:t>
+            </a:r>
+            <a:endParaRPr lang="zh-CN" altLang="en-US" dirty="0"/>
+          </a:p>
+        </p:txBody>
+      </p:sp>
+      <p:sp>
+        <p:nvSpPr>
+          <p:cNvPr id="3" name="内容占位符 2"/>
+          <p:cNvSpPr>
+            <a:spLocks noGrp="1"/>
+          </p:cNvSpPr>
+          <p:nvPr>
+            <p:ph idx="1"/>
+          </p:nvPr>
+        </p:nvSpPr>
+        <p:spPr/>
+        <p:txBody>
+          <a:bodyPr/>
+          <a:lstStyle/>
+          <a:p>
+            <a:pPr>
+              <a:lnSpc>
+                <a:spcPct val="80000"/>
+              </a:lnSpc>
+            </a:pPr>
+            <a:r>
+              <a:rPr lang="zh-CN" altLang="en-US" sz="2900" dirty="0">
                 <a:ea typeface="宋体" charset="-122"/>
               </a:rPr>
-              <a:t>）</a:t>
-            </a:r>
-            <a:endParaRPr lang="en-US" altLang="zh-CN" sz="1400" b="1" dirty="0">
-              <a:solidFill>
-                <a:schemeClr val="tx2"/>
-              </a:solidFill>
-              <a:latin typeface="Verdana" pitchFamily="34" charset="0"/>
+              <a:t>现有</a:t>
+            </a:r>
+            <a:r>
+              <a:rPr lang="en-US" altLang="zh-CN" sz="2900" dirty="0">
+                <a:ea typeface="宋体" charset="-122"/>
+              </a:rPr>
+              <a:t>Storm</a:t>
+            </a:r>
+            <a:r>
+              <a:rPr lang="zh-CN" altLang="en-US" sz="2900" dirty="0">
+                <a:ea typeface="宋体" charset="-122"/>
+              </a:rPr>
+              <a:t>无法满足一些需求</a:t>
+            </a:r>
+            <a:endParaRPr lang="en-US" altLang="zh-CN" sz="2900" dirty="0">
               <a:ea typeface="宋体" charset="-122"/>
             </a:endParaRPr>
           </a:p>
-        </p:txBody>
-      </p:sp>
-      <p:sp>
-        <p:nvSpPr>
-          <p:cNvPr id="88069" name="WordArt 5"/>
-          <p:cNvSpPr>
-            <a:spLocks noChangeArrowheads="1" noChangeShapeType="1" noTextEdit="1"/>
-          </p:cNvSpPr>
-          <p:nvPr/>
-        </p:nvSpPr>
-        <p:spPr bwMode="gray">
-          <a:xfrm>
-            <a:off x="1907704" y="3861048"/>
-            <a:ext cx="5759450" cy="863600"/>
-          </a:xfrm>
-          <a:prstGeom prst="rect">
-            <a:avLst/>
-          </a:prstGeom>
-        </p:spPr>
-        <p:txBody>
-          <a:bodyPr wrap="none" fromWordArt="1">
-            <a:prstTxWarp prst="textDeflate">
-              <a:avLst>
-                <a:gd name="adj" fmla="val 0"/>
-              </a:avLst>
-            </a:prstTxWarp>
-          </a:bodyPr>
-          <a:lstStyle/>
-          <a:p>
-            <a:pPr algn="ctr"/>
-            <a:r>
-              <a:rPr lang="en-US" altLang="zh-CN" sz="3600" b="1" kern="10" dirty="0" smtClean="0">
-                <a:ln w="19050">
-                  <a:solidFill>
-                    <a:schemeClr val="bg1"/>
-                  </a:solidFill>
-                  <a:round/>
-                  <a:headEnd/>
-                  <a:tailEnd/>
-                </a:ln>
-                <a:gradFill rotWithShape="1">
-                  <a:gsLst>
-                    <a:gs pos="0">
-                      <a:schemeClr val="tx1"/>
-                    </a:gs>
-                    <a:gs pos="100000">
-                      <a:schemeClr val="accent1"/>
-                    </a:gs>
-                  </a:gsLst>
-                  <a:lin ang="0" scaled="1"/>
-                </a:gradFill>
-                <a:effectLst>
-                  <a:outerShdw dist="63500" dir="2212194" algn="ctr" rotWithShape="0">
-                    <a:srgbClr val="868686">
-                      <a:alpha val="50000"/>
-                    </a:srgbClr>
-                  </a:outerShdw>
-                </a:effectLst>
-                <a:latin typeface="Arial"/>
-                <a:cs typeface="Arial"/>
+          <a:p>
+            <a:pPr lvl="1">
+              <a:lnSpc>
+                <a:spcPct val="80000"/>
+              </a:lnSpc>
+            </a:pPr>
+            <a:r>
+              <a:rPr lang="zh-CN" altLang="en-US" sz="2500" dirty="0">
+                <a:ea typeface="宋体" charset="-122"/>
               </a:rPr>
-              <a:t>Q &amp; A</a:t>
-            </a:r>
-            <a:endParaRPr lang="zh-CN" altLang="en-US" sz="3600" b="1" kern="10" dirty="0">
-              <a:ln w="19050">
-                <a:solidFill>
-                  <a:schemeClr val="bg1"/>
-                </a:solidFill>
-                <a:round/>
-                <a:headEnd/>
-                <a:tailEnd/>
-              </a:ln>
-              <a:gradFill rotWithShape="1">
-                <a:gsLst>
-                  <a:gs pos="0">
-                    <a:schemeClr val="tx1"/>
-                  </a:gs>
-                  <a:gs pos="100000">
-                    <a:schemeClr val="accent1"/>
-                  </a:gs>
-                </a:gsLst>
-                <a:lin ang="0" scaled="1"/>
-              </a:gradFill>
-              <a:effectLst>
-                <a:outerShdw dist="63500" dir="2212194" algn="ctr" rotWithShape="0">
-                  <a:srgbClr val="868686">
-                    <a:alpha val="50000"/>
-                  </a:srgbClr>
-                </a:outerShdw>
-              </a:effectLst>
-              <a:latin typeface="Arial"/>
-              <a:cs typeface="Arial"/>
+              <a:t>现有</a:t>
+            </a:r>
+            <a:r>
+              <a:rPr lang="en-US" altLang="zh-CN" sz="2500" dirty="0">
+                <a:ea typeface="宋体" charset="-122"/>
+              </a:rPr>
+              <a:t>storm</a:t>
+            </a:r>
+            <a:r>
+              <a:rPr lang="zh-CN" altLang="en-US" sz="2500" dirty="0">
+                <a:ea typeface="宋体" charset="-122"/>
+              </a:rPr>
+              <a:t>调度太简单粗暴，无法定制化</a:t>
+            </a:r>
+            <a:endParaRPr lang="en-US" altLang="zh-CN" sz="2500" dirty="0">
+              <a:ea typeface="宋体" charset="-122"/>
             </a:endParaRPr>
           </a:p>
+          <a:p>
+            <a:pPr lvl="1">
+              <a:lnSpc>
+                <a:spcPct val="80000"/>
+              </a:lnSpc>
+            </a:pPr>
+            <a:r>
+              <a:rPr lang="zh-CN" altLang="en-US" sz="2500" dirty="0">
+                <a:ea typeface="宋体" charset="-122"/>
+              </a:rPr>
+              <a:t>雪崩问题一直没有解决</a:t>
+            </a:r>
+            <a:endParaRPr lang="en-US" altLang="zh-CN" sz="2500" dirty="0">
+              <a:ea typeface="宋体" charset="-122"/>
+            </a:endParaRPr>
+          </a:p>
+          <a:p>
+            <a:pPr lvl="1">
+              <a:lnSpc>
+                <a:spcPct val="80000"/>
+              </a:lnSpc>
+            </a:pPr>
+            <a:r>
+              <a:rPr lang="zh-CN" altLang="en-US" sz="2500" dirty="0">
+                <a:ea typeface="宋体" charset="-122"/>
+              </a:rPr>
+              <a:t>监控太简单</a:t>
+            </a:r>
+            <a:endParaRPr lang="en-US" altLang="zh-CN" sz="2500" dirty="0">
+              <a:ea typeface="宋体" charset="-122"/>
+            </a:endParaRPr>
+          </a:p>
+          <a:p>
+            <a:pPr lvl="1">
+              <a:lnSpc>
+                <a:spcPct val="80000"/>
+              </a:lnSpc>
+            </a:pPr>
+            <a:r>
+              <a:rPr lang="zh-CN" altLang="en-US" sz="2500" dirty="0">
+                <a:ea typeface="宋体" charset="-122"/>
+              </a:rPr>
+              <a:t>对</a:t>
+            </a:r>
+            <a:r>
+              <a:rPr lang="en-US" altLang="zh-CN" sz="2500" dirty="0">
+                <a:ea typeface="宋体" charset="-122"/>
+              </a:rPr>
+              <a:t>ZK </a:t>
+            </a:r>
+            <a:r>
+              <a:rPr lang="zh-CN" altLang="en-US" sz="2500" dirty="0">
+                <a:ea typeface="宋体" charset="-122"/>
+              </a:rPr>
+              <a:t>访问频繁</a:t>
+            </a:r>
+            <a:endParaRPr lang="en-US" altLang="zh-CN" sz="2500" dirty="0">
+              <a:ea typeface="宋体" charset="-122"/>
+            </a:endParaRPr>
+          </a:p>
+          <a:p>
+            <a:pPr lvl="1">
+              <a:lnSpc>
+                <a:spcPct val="80000"/>
+              </a:lnSpc>
+            </a:pPr>
+            <a:r>
+              <a:rPr lang="zh-CN" altLang="en-US" sz="2500" dirty="0">
+                <a:ea typeface="宋体" charset="-122"/>
+              </a:rPr>
+              <a:t>。。。</a:t>
+            </a:r>
+            <a:endParaRPr lang="zh-CN" altLang="en-US" dirty="0"/>
+          </a:p>
+        </p:txBody>
+      </p:sp>
+      <p:sp>
+        <p:nvSpPr>
+          <p:cNvPr id="4" name="页脚占位符 3"/>
+          <p:cNvSpPr>
+            <a:spLocks noGrp="1"/>
+          </p:cNvSpPr>
+          <p:nvPr>
+            <p:ph type="ftr" sz="quarter" idx="10"/>
+          </p:nvPr>
+        </p:nvSpPr>
+        <p:spPr/>
+        <p:txBody>
+          <a:bodyPr/>
+          <a:lstStyle/>
+          <a:p>
+            <a:r>
+              <a:rPr lang="zh-CN" altLang="en-US" smtClean="0"/>
+              <a:t>封仲淹（</a:t>
+            </a:r>
+            <a:r>
+              <a:rPr lang="en-US" altLang="zh-CN" smtClean="0"/>
+              <a:t>Longda Feng</a:t>
+            </a:r>
+            <a:r>
+              <a:rPr lang="zh-CN" altLang="en-US" smtClean="0"/>
+              <a:t>）</a:t>
+            </a:r>
+            <a:endParaRPr lang="en-US" altLang="zh-CN"/>
+          </a:p>
+        </p:txBody>
+      </p:sp>
+      <p:sp>
+        <p:nvSpPr>
+          <p:cNvPr id="5" name="日期占位符 4"/>
+          <p:cNvSpPr>
+            <a:spLocks noGrp="1"/>
+          </p:cNvSpPr>
+          <p:nvPr>
+            <p:ph type="dt" sz="half" idx="12"/>
+          </p:nvPr>
+        </p:nvSpPr>
+        <p:spPr/>
+        <p:txBody>
+          <a:bodyPr/>
+          <a:lstStyle/>
+          <a:p>
+            <a:r>
+              <a:rPr lang="en-US" altLang="zh-CN" smtClean="0"/>
+              <a:t>Alibaba</a:t>
+            </a:r>
+            <a:endParaRPr lang="en-US" altLang="zh-CN"/>
+          </a:p>
         </p:txBody>
       </p:sp>
     </p:spTree>
+    <p:extLst>
+      <p:ext uri="{BB962C8B-B14F-4D97-AF65-F5344CB8AC3E}">
+        <p14:creationId xmlns:p14="http://schemas.microsoft.com/office/powerpoint/2010/main" val="1806400703"/>
+      </p:ext>
+    </p:extLst>
+  </p:cSld>
+  <p:clrMapOvr>
+    <a:masterClrMapping/>
+  </p:clrMapOvr>
+</p:sld>
+</file>
+
+<file path=ppt/slides/slide12.xml><?xml version="1.0" encoding="utf-8"?>
+<p:sld xmlns:a="http://schemas.openxmlformats.org/drawingml/2006/main" xmlns:r="http://schemas.openxmlformats.org/officeDocument/2006/relationships" xmlns:p="http://schemas.openxmlformats.org/presentationml/2006/main">
+  <p:cSld>
+    <p:spTree>
+      <p:nvGrpSpPr>
+        <p:cNvPr id="1" name=""/>
+        <p:cNvGrpSpPr/>
+        <p:nvPr/>
+      </p:nvGrpSpPr>
+      <p:grpSpPr>
+        <a:xfrm>
+          <a:off x="0" y="0"/>
+          <a:ext cx="0" cy="0"/>
+          <a:chOff x="0" y="0"/>
+          <a:chExt cx="0" cy="0"/>
+        </a:xfrm>
+      </p:grpSpPr>
+      <p:sp>
+        <p:nvSpPr>
+          <p:cNvPr id="2" name="标题 1"/>
+          <p:cNvSpPr>
+            <a:spLocks noGrp="1"/>
+          </p:cNvSpPr>
+          <p:nvPr>
+            <p:ph type="title"/>
+          </p:nvPr>
+        </p:nvSpPr>
+        <p:spPr/>
+        <p:txBody>
+          <a:bodyPr/>
+          <a:lstStyle/>
+          <a:p>
+            <a:r>
+              <a:rPr lang="zh-CN" altLang="en-US" dirty="0" smtClean="0"/>
+              <a:t>现状</a:t>
+            </a:r>
+            <a:endParaRPr lang="zh-CN" altLang="en-US" dirty="0"/>
+          </a:p>
+        </p:txBody>
+      </p:sp>
+      <p:sp>
+        <p:nvSpPr>
+          <p:cNvPr id="3" name="内容占位符 2"/>
+          <p:cNvSpPr>
+            <a:spLocks noGrp="1"/>
+          </p:cNvSpPr>
+          <p:nvPr>
+            <p:ph idx="1"/>
+          </p:nvPr>
+        </p:nvSpPr>
+        <p:spPr/>
+        <p:txBody>
+          <a:bodyPr/>
+          <a:lstStyle/>
+          <a:p>
+            <a:r>
+              <a:rPr lang="zh-CN" altLang="en-US" dirty="0"/>
+              <a:t>在整个集团，</a:t>
+            </a:r>
+            <a:r>
+              <a:rPr lang="en-US" altLang="zh-CN" dirty="0"/>
+              <a:t>1000+</a:t>
+            </a:r>
+            <a:r>
+              <a:rPr lang="zh-CN" altLang="en-US" dirty="0"/>
+              <a:t>的物理机上运行着</a:t>
+            </a:r>
+            <a:r>
+              <a:rPr lang="en-US" altLang="zh-CN" dirty="0"/>
+              <a:t>Storm</a:t>
+            </a:r>
+          </a:p>
+          <a:p>
+            <a:pPr lvl="1"/>
+            <a:r>
+              <a:rPr lang="zh-CN" altLang="en-US" dirty="0"/>
+              <a:t>一淘 </a:t>
+            </a:r>
+            <a:r>
+              <a:rPr lang="en-US" altLang="zh-CN" dirty="0"/>
+              <a:t>200+</a:t>
+            </a:r>
+          </a:p>
+          <a:p>
+            <a:pPr lvl="1"/>
+            <a:r>
+              <a:rPr lang="en-US" altLang="zh-CN" dirty="0"/>
+              <a:t>CDO 200+ </a:t>
+            </a:r>
+          </a:p>
+          <a:p>
+            <a:pPr lvl="1"/>
+            <a:r>
+              <a:rPr lang="zh-CN" altLang="en-US" dirty="0"/>
+              <a:t>支付宝 </a:t>
+            </a:r>
+            <a:r>
+              <a:rPr lang="en-US" altLang="zh-CN" dirty="0"/>
+              <a:t>150+</a:t>
+            </a:r>
+          </a:p>
+          <a:p>
+            <a:pPr lvl="1"/>
+            <a:r>
+              <a:rPr lang="en-US" altLang="zh-CN" dirty="0"/>
+              <a:t>B2B 50+</a:t>
+            </a:r>
+          </a:p>
+          <a:p>
+            <a:pPr lvl="1"/>
+            <a:r>
+              <a:rPr lang="zh-CN" altLang="en-US" dirty="0"/>
+              <a:t>阿里妈妈 </a:t>
+            </a:r>
+            <a:r>
+              <a:rPr lang="en-US" altLang="zh-CN" dirty="0"/>
+              <a:t>50 +</a:t>
+            </a:r>
+          </a:p>
+          <a:p>
+            <a:pPr lvl="1"/>
+            <a:r>
+              <a:rPr lang="zh-CN" altLang="en-US" dirty="0"/>
+              <a:t>共享事业群 </a:t>
+            </a:r>
+            <a:r>
+              <a:rPr lang="en-US" altLang="zh-CN" dirty="0"/>
+              <a:t>50+</a:t>
+            </a:r>
+          </a:p>
+          <a:p>
+            <a:pPr lvl="1"/>
+            <a:r>
+              <a:rPr lang="zh-CN" altLang="en-US" dirty="0"/>
+              <a:t>其他</a:t>
+            </a:r>
+            <a:endParaRPr lang="en-US" altLang="zh-CN" dirty="0"/>
+          </a:p>
+          <a:p>
+            <a:endParaRPr lang="zh-CN" altLang="en-US" dirty="0"/>
+          </a:p>
+        </p:txBody>
+      </p:sp>
+      <p:sp>
+        <p:nvSpPr>
+          <p:cNvPr id="4" name="页脚占位符 3"/>
+          <p:cNvSpPr>
+            <a:spLocks noGrp="1"/>
+          </p:cNvSpPr>
+          <p:nvPr>
+            <p:ph type="ftr" sz="quarter" idx="10"/>
+          </p:nvPr>
+        </p:nvSpPr>
+        <p:spPr/>
+        <p:txBody>
+          <a:bodyPr/>
+          <a:lstStyle/>
+          <a:p>
+            <a:r>
+              <a:rPr lang="zh-CN" altLang="en-US" smtClean="0"/>
+              <a:t>封仲淹（</a:t>
+            </a:r>
+            <a:r>
+              <a:rPr lang="en-US" altLang="zh-CN" smtClean="0"/>
+              <a:t>Longda Feng</a:t>
+            </a:r>
+            <a:r>
+              <a:rPr lang="zh-CN" altLang="en-US" smtClean="0"/>
+              <a:t>）</a:t>
+            </a:r>
+            <a:endParaRPr lang="en-US" altLang="zh-CN"/>
+          </a:p>
+        </p:txBody>
+      </p:sp>
+      <p:sp>
+        <p:nvSpPr>
+          <p:cNvPr id="5" name="日期占位符 4"/>
+          <p:cNvSpPr>
+            <a:spLocks noGrp="1"/>
+          </p:cNvSpPr>
+          <p:nvPr>
+            <p:ph type="dt" sz="half" idx="12"/>
+          </p:nvPr>
+        </p:nvSpPr>
+        <p:spPr/>
+        <p:txBody>
+          <a:bodyPr/>
+          <a:lstStyle/>
+          <a:p>
+            <a:r>
+              <a:rPr lang="en-US" altLang="zh-CN" smtClean="0"/>
+              <a:t>Alibaba</a:t>
+            </a:r>
+            <a:endParaRPr lang="en-US" altLang="zh-CN"/>
+          </a:p>
+        </p:txBody>
+      </p:sp>
+    </p:spTree>
+    <p:extLst>
+      <p:ext uri="{BB962C8B-B14F-4D97-AF65-F5344CB8AC3E}">
+        <p14:creationId xmlns:p14="http://schemas.microsoft.com/office/powerpoint/2010/main" val="1753608769"/>
+      </p:ext>
+    </p:extLst>
+  </p:cSld>
+  <p:clrMapOvr>
+    <a:masterClrMapping/>
+  </p:clrMapOvr>
+</p:sld>
+</file>
+
+<file path=ppt/slides/slide13.xml><?xml version="1.0" encoding="utf-8"?>
+<p:sld xmlns:a="http://schemas.openxmlformats.org/drawingml/2006/main" xmlns:r="http://schemas.openxmlformats.org/officeDocument/2006/relationships" xmlns:p="http://schemas.openxmlformats.org/presentationml/2006/main">
+  <p:cSld>
+    <p:spTree>
+      <p:nvGrpSpPr>
+        <p:cNvPr id="1" name=""/>
+        <p:cNvGrpSpPr/>
+        <p:nvPr/>
+      </p:nvGrpSpPr>
+      <p:grpSpPr>
+        <a:xfrm>
+          <a:off x="0" y="0"/>
+          <a:ext cx="0" cy="0"/>
+          <a:chOff x="0" y="0"/>
+          <a:chExt cx="0" cy="0"/>
+        </a:xfrm>
+      </p:grpSpPr>
+      <p:sp>
+        <p:nvSpPr>
+          <p:cNvPr id="2" name="标题 1"/>
+          <p:cNvSpPr>
+            <a:spLocks noGrp="1"/>
+          </p:cNvSpPr>
+          <p:nvPr>
+            <p:ph type="title"/>
+          </p:nvPr>
+        </p:nvSpPr>
+        <p:spPr/>
+        <p:txBody>
+          <a:bodyPr/>
+          <a:lstStyle/>
+          <a:p>
+            <a:r>
+              <a:rPr lang="en-US" altLang="zh-CN" dirty="0" err="1" smtClean="0"/>
+              <a:t>JStorm</a:t>
+            </a:r>
+            <a:r>
+              <a:rPr lang="en-US" altLang="zh-CN" dirty="0" smtClean="0"/>
+              <a:t> </a:t>
+            </a:r>
+            <a:r>
+              <a:rPr lang="zh-CN" altLang="en-US" dirty="0" smtClean="0"/>
+              <a:t>一句话概叙</a:t>
+            </a:r>
+            <a:endParaRPr lang="zh-CN" altLang="en-US" dirty="0"/>
+          </a:p>
+        </p:txBody>
+      </p:sp>
+      <p:sp>
+        <p:nvSpPr>
+          <p:cNvPr id="3" name="内容占位符 2"/>
+          <p:cNvSpPr>
+            <a:spLocks noGrp="1"/>
+          </p:cNvSpPr>
+          <p:nvPr>
+            <p:ph idx="1"/>
+          </p:nvPr>
+        </p:nvSpPr>
+        <p:spPr/>
+        <p:txBody>
+          <a:bodyPr/>
+          <a:lstStyle/>
+          <a:p>
+            <a:r>
+              <a:rPr lang="en-US" altLang="zh-CN" dirty="0" smtClean="0"/>
+              <a:t>Jstorm </a:t>
+            </a:r>
+            <a:r>
+              <a:rPr lang="zh-CN" altLang="en-US" dirty="0" smtClean="0"/>
+              <a:t>比</a:t>
+            </a:r>
+            <a:r>
+              <a:rPr lang="en-US" altLang="zh-CN" dirty="0" smtClean="0"/>
+              <a:t>Storm </a:t>
+            </a:r>
+            <a:r>
+              <a:rPr lang="zh-CN" altLang="en-US" dirty="0" smtClean="0"/>
+              <a:t> </a:t>
+            </a:r>
+            <a:r>
+              <a:rPr lang="zh-CN" altLang="en-US" dirty="0" smtClean="0"/>
+              <a:t>更</a:t>
+            </a:r>
+            <a:r>
+              <a:rPr lang="zh-CN" altLang="en-US" smtClean="0"/>
+              <a:t>稳定</a:t>
+            </a:r>
+            <a:r>
+              <a:rPr lang="zh-CN" altLang="en-US" smtClean="0"/>
+              <a:t>，功能更强大</a:t>
+            </a:r>
+            <a:r>
+              <a:rPr lang="zh-CN" altLang="en-US"/>
+              <a:t>，</a:t>
+            </a:r>
+            <a:r>
+              <a:rPr lang="zh-CN" altLang="en-US" smtClean="0"/>
+              <a:t>更</a:t>
+            </a:r>
+            <a:r>
+              <a:rPr lang="zh-CN" altLang="en-US" dirty="0" smtClean="0"/>
+              <a:t>快。</a:t>
+            </a:r>
+            <a:endParaRPr lang="en-US" altLang="zh-CN" dirty="0" smtClean="0"/>
+          </a:p>
+          <a:p>
+            <a:pPr lvl="1"/>
+            <a:r>
+              <a:rPr lang="en-US" altLang="zh-CN" dirty="0" smtClean="0"/>
+              <a:t>Storm</a:t>
+            </a:r>
+            <a:r>
+              <a:rPr lang="zh-CN" altLang="en-US" dirty="0" smtClean="0"/>
+              <a:t>上跑的程序可以一行代码不变运行在</a:t>
+            </a:r>
+            <a:r>
+              <a:rPr lang="en-US" altLang="zh-CN" dirty="0" smtClean="0"/>
+              <a:t>Jstorm</a:t>
+            </a:r>
+            <a:r>
+              <a:rPr lang="zh-CN" altLang="en-US" dirty="0" smtClean="0"/>
+              <a:t>上</a:t>
+            </a:r>
+            <a:endParaRPr lang="zh-CN" altLang="en-US" dirty="0"/>
+          </a:p>
+        </p:txBody>
+      </p:sp>
+      <p:sp>
+        <p:nvSpPr>
+          <p:cNvPr id="4" name="页脚占位符 3"/>
+          <p:cNvSpPr>
+            <a:spLocks noGrp="1"/>
+          </p:cNvSpPr>
+          <p:nvPr>
+            <p:ph type="ftr" sz="quarter" idx="10"/>
+          </p:nvPr>
+        </p:nvSpPr>
+        <p:spPr/>
+        <p:txBody>
+          <a:bodyPr/>
+          <a:lstStyle/>
+          <a:p>
+            <a:r>
+              <a:rPr lang="zh-CN" altLang="en-US" smtClean="0"/>
+              <a:t>封仲淹（</a:t>
+            </a:r>
+            <a:r>
+              <a:rPr lang="en-US" altLang="zh-CN" smtClean="0"/>
+              <a:t>Longda Feng</a:t>
+            </a:r>
+            <a:r>
+              <a:rPr lang="zh-CN" altLang="en-US" smtClean="0"/>
+              <a:t>）</a:t>
+            </a:r>
+            <a:endParaRPr lang="en-US" altLang="zh-CN"/>
+          </a:p>
+        </p:txBody>
+      </p:sp>
+      <p:sp>
+        <p:nvSpPr>
+          <p:cNvPr id="5" name="日期占位符 4"/>
+          <p:cNvSpPr>
+            <a:spLocks noGrp="1"/>
+          </p:cNvSpPr>
+          <p:nvPr>
+            <p:ph type="dt" sz="half" idx="12"/>
+          </p:nvPr>
+        </p:nvSpPr>
+        <p:spPr/>
+        <p:txBody>
+          <a:bodyPr/>
+          <a:lstStyle/>
+          <a:p>
+            <a:r>
+              <a:rPr lang="en-US" altLang="zh-CN" smtClean="0"/>
+              <a:t>Alibaba</a:t>
+            </a:r>
+            <a:endParaRPr lang="en-US" altLang="zh-CN"/>
+          </a:p>
+        </p:txBody>
+      </p:sp>
+    </p:spTree>
+    <p:extLst>
+      <p:ext uri="{BB962C8B-B14F-4D97-AF65-F5344CB8AC3E}">
+        <p14:creationId xmlns:p14="http://schemas.microsoft.com/office/powerpoint/2010/main" val="4124532790"/>
+      </p:ext>
+    </p:extLst>
   </p:cSld>
   <p:clrMapOvr>
     <a:masterClrMapping/>
@@ -4971,138 +5532,1181 @@
   <p:timing>
     <p:tnLst>
       <p:par>
-        <p:cTn id="1" dur="indefinite" restart="never" nodeType="tmRoot">
-          <p:childTnLst>
-            <p:seq concurrent="1" nextAc="seek">
-              <p:cTn id="2" dur="indefinite" nodeType="mainSeq">
-                <p:childTnLst>
-                  <p:par>
-                    <p:cTn id="3" fill="hold" nodeType="clickPar">
-                      <p:stCondLst>
-                        <p:cond delay="indefinite"/>
-                        <p:cond evt="onBegin" delay="0">
-                          <p:tn val="2"/>
-                        </p:cond>
-                      </p:stCondLst>
-                      <p:childTnLst>
-                        <p:par>
-                          <p:cTn id="4" fill="hold" nodeType="withGroup">
-                            <p:stCondLst>
-                              <p:cond delay="0"/>
-                            </p:stCondLst>
-                            <p:childTnLst>
-                              <p:par>
-                                <p:cTn id="5" presetID="53" presetClass="entr" presetSubtype="0" fill="hold" grpId="0" nodeType="afterEffect">
-                                  <p:stCondLst>
-                                    <p:cond delay="0"/>
-                                  </p:stCondLst>
-                                  <p:childTnLst>
-                                    <p:set>
-                                      <p:cBhvr>
-                                        <p:cTn id="6" dur="1" fill="hold">
-                                          <p:stCondLst>
-                                            <p:cond delay="0"/>
-                                          </p:stCondLst>
-                                        </p:cTn>
-                                        <p:tgtEl>
-                                          <p:spTgt spid="88069"/>
-                                        </p:tgtEl>
-                                        <p:attrNameLst>
-                                          <p:attrName>style.visibility</p:attrName>
-                                        </p:attrNameLst>
-                                      </p:cBhvr>
-                                      <p:to>
-                                        <p:strVal val="visible"/>
-                                      </p:to>
-                                    </p:set>
-                                    <p:anim calcmode="lin" valueType="num">
-                                      <p:cBhvr>
-                                        <p:cTn id="7" dur="500" fill="hold"/>
-                                        <p:tgtEl>
-                                          <p:spTgt spid="88069"/>
-                                        </p:tgtEl>
-                                        <p:attrNameLst>
-                                          <p:attrName>ppt_w</p:attrName>
-                                        </p:attrNameLst>
-                                      </p:cBhvr>
-                                      <p:tavLst>
-                                        <p:tav tm="0">
-                                          <p:val>
-                                            <p:fltVal val="0"/>
-                                          </p:val>
-                                        </p:tav>
-                                        <p:tav tm="100000">
-                                          <p:val>
-                                            <p:strVal val="#ppt_w"/>
-                                          </p:val>
-                                        </p:tav>
-                                      </p:tavLst>
-                                    </p:anim>
-                                    <p:anim calcmode="lin" valueType="num">
-                                      <p:cBhvr>
-                                        <p:cTn id="8" dur="500" fill="hold"/>
-                                        <p:tgtEl>
-                                          <p:spTgt spid="88069"/>
-                                        </p:tgtEl>
-                                        <p:attrNameLst>
-                                          <p:attrName>ppt_h</p:attrName>
-                                        </p:attrNameLst>
-                                      </p:cBhvr>
-                                      <p:tavLst>
-                                        <p:tav tm="0">
-                                          <p:val>
-                                            <p:fltVal val="0"/>
-                                          </p:val>
-                                        </p:tav>
-                                        <p:tav tm="100000">
-                                          <p:val>
-                                            <p:strVal val="#ppt_h"/>
-                                          </p:val>
-                                        </p:tav>
-                                      </p:tavLst>
-                                    </p:anim>
-                                    <p:animEffect transition="in" filter="fade">
-                                      <p:cBhvr>
-                                        <p:cTn id="9" dur="500"/>
-                                        <p:tgtEl>
-                                          <p:spTgt spid="88069"/>
-                                        </p:tgtEl>
-                                      </p:cBhvr>
-                                    </p:animEffect>
-                                  </p:childTnLst>
-                                </p:cTn>
-                              </p:par>
-                            </p:childTnLst>
-                          </p:cTn>
-                        </p:par>
-                      </p:childTnLst>
-                    </p:cTn>
-                  </p:par>
-                </p:childTnLst>
-              </p:cTn>
-              <p:prevCondLst>
-                <p:cond evt="onPrev" delay="0">
-                  <p:tgtEl>
-                    <p:sldTgt/>
-                  </p:tgtEl>
-                </p:cond>
-              </p:prevCondLst>
-              <p:nextCondLst>
-                <p:cond evt="onNext" delay="0">
-                  <p:tgtEl>
-                    <p:sldTgt/>
-                  </p:tgtEl>
-                </p:cond>
-              </p:nextCondLst>
-            </p:seq>
-          </p:childTnLst>
-        </p:cTn>
+        <p:cTn id="1" dur="indefinite" restart="never" nodeType="tmRoot"/>
       </p:par>
     </p:tnLst>
-    <p:bldLst>
-      <p:bldP spid="88069" grpId="0" animBg="1"/>
-    </p:bldLst>
   </p:timing>
+</p:sld>
+</file>
+
+<file path=ppt/slides/slide14.xml><?xml version="1.0" encoding="utf-8"?>
+<p:sld xmlns:a="http://schemas.openxmlformats.org/drawingml/2006/main" xmlns:r="http://schemas.openxmlformats.org/officeDocument/2006/relationships" xmlns:p="http://schemas.openxmlformats.org/presentationml/2006/main">
+  <p:cSld>
+    <p:spTree>
+      <p:nvGrpSpPr>
+        <p:cNvPr id="1" name=""/>
+        <p:cNvGrpSpPr/>
+        <p:nvPr/>
+      </p:nvGrpSpPr>
+      <p:grpSpPr>
+        <a:xfrm>
+          <a:off x="0" y="0"/>
+          <a:ext cx="0" cy="0"/>
+          <a:chOff x="0" y="0"/>
+          <a:chExt cx="0" cy="0"/>
+        </a:xfrm>
+      </p:grpSpPr>
+      <p:sp>
+        <p:nvSpPr>
+          <p:cNvPr id="2" name="标题 1"/>
+          <p:cNvSpPr>
+            <a:spLocks noGrp="1"/>
+          </p:cNvSpPr>
+          <p:nvPr>
+            <p:ph type="title"/>
+          </p:nvPr>
+        </p:nvSpPr>
+        <p:spPr/>
+        <p:txBody>
+          <a:bodyPr/>
+          <a:lstStyle/>
+          <a:p>
+            <a:r>
+              <a:rPr lang="zh-CN" altLang="en-US" dirty="0" smtClean="0"/>
+              <a:t>更稳定（</a:t>
+            </a:r>
+            <a:r>
+              <a:rPr lang="en-US" altLang="zh-CN" dirty="0" smtClean="0"/>
+              <a:t>1</a:t>
+            </a:r>
+            <a:r>
+              <a:rPr lang="zh-CN" altLang="en-US" dirty="0" smtClean="0"/>
+              <a:t>） </a:t>
+            </a:r>
+            <a:r>
+              <a:rPr lang="en-US" altLang="zh-CN" dirty="0" smtClean="0"/>
+              <a:t>-- nimbus HA</a:t>
+            </a:r>
+            <a:endParaRPr lang="zh-CN" altLang="en-US" dirty="0"/>
+          </a:p>
+        </p:txBody>
+      </p:sp>
+      <p:sp>
+        <p:nvSpPr>
+          <p:cNvPr id="3" name="内容占位符 2"/>
+          <p:cNvSpPr>
+            <a:spLocks noGrp="1"/>
+          </p:cNvSpPr>
+          <p:nvPr>
+            <p:ph idx="1"/>
+          </p:nvPr>
+        </p:nvSpPr>
+        <p:spPr/>
+        <p:txBody>
+          <a:bodyPr/>
+          <a:lstStyle/>
+          <a:p>
+            <a:r>
+              <a:rPr lang="en-US" altLang="zh-CN" dirty="0" smtClean="0"/>
+              <a:t>Nimbus </a:t>
+            </a:r>
+            <a:r>
+              <a:rPr lang="zh-CN" altLang="en-US" dirty="0" smtClean="0"/>
+              <a:t>实现</a:t>
+            </a:r>
+            <a:r>
+              <a:rPr lang="en-US" altLang="zh-CN" dirty="0" smtClean="0"/>
+              <a:t>HA</a:t>
+            </a:r>
+          </a:p>
+          <a:p>
+            <a:pPr lvl="1"/>
+            <a:r>
+              <a:rPr lang="zh-CN" altLang="en-US" dirty="0" smtClean="0"/>
+              <a:t>当一台</a:t>
+            </a:r>
+            <a:r>
+              <a:rPr lang="en-US" altLang="zh-CN" dirty="0" smtClean="0"/>
+              <a:t>nimbus</a:t>
+            </a:r>
+            <a:r>
+              <a:rPr lang="zh-CN" altLang="en-US" dirty="0" smtClean="0"/>
+              <a:t>挂了，自动热切到备份</a:t>
+            </a:r>
+            <a:r>
+              <a:rPr lang="en-US" altLang="zh-CN" dirty="0" smtClean="0"/>
+              <a:t>nimbus</a:t>
+            </a:r>
+            <a:endParaRPr lang="zh-CN" altLang="en-US" dirty="0"/>
+          </a:p>
+        </p:txBody>
+      </p:sp>
+      <p:sp>
+        <p:nvSpPr>
+          <p:cNvPr id="4" name="页脚占位符 3"/>
+          <p:cNvSpPr>
+            <a:spLocks noGrp="1"/>
+          </p:cNvSpPr>
+          <p:nvPr>
+            <p:ph type="ftr" sz="quarter" idx="10"/>
+          </p:nvPr>
+        </p:nvSpPr>
+        <p:spPr/>
+        <p:txBody>
+          <a:bodyPr/>
+          <a:lstStyle/>
+          <a:p>
+            <a:r>
+              <a:rPr lang="zh-CN" altLang="en-US" smtClean="0"/>
+              <a:t>封仲淹（</a:t>
+            </a:r>
+            <a:r>
+              <a:rPr lang="en-US" altLang="zh-CN" smtClean="0"/>
+              <a:t>Longda Feng</a:t>
+            </a:r>
+            <a:r>
+              <a:rPr lang="zh-CN" altLang="en-US" smtClean="0"/>
+              <a:t>）</a:t>
+            </a:r>
+            <a:endParaRPr lang="en-US" altLang="zh-CN"/>
+          </a:p>
+        </p:txBody>
+      </p:sp>
+      <p:sp>
+        <p:nvSpPr>
+          <p:cNvPr id="5" name="日期占位符 4"/>
+          <p:cNvSpPr>
+            <a:spLocks noGrp="1"/>
+          </p:cNvSpPr>
+          <p:nvPr>
+            <p:ph type="dt" sz="half" idx="12"/>
+          </p:nvPr>
+        </p:nvSpPr>
+        <p:spPr/>
+        <p:txBody>
+          <a:bodyPr/>
+          <a:lstStyle/>
+          <a:p>
+            <a:r>
+              <a:rPr lang="en-US" altLang="zh-CN" smtClean="0"/>
+              <a:t>Alibaba</a:t>
+            </a:r>
+            <a:endParaRPr lang="en-US" altLang="zh-CN"/>
+          </a:p>
+        </p:txBody>
+      </p:sp>
+    </p:spTree>
+    <p:extLst>
+      <p:ext uri="{BB962C8B-B14F-4D97-AF65-F5344CB8AC3E}">
+        <p14:creationId xmlns:p14="http://schemas.microsoft.com/office/powerpoint/2010/main" val="3782461913"/>
+      </p:ext>
+    </p:extLst>
+  </p:cSld>
+  <p:clrMapOvr>
+    <a:masterClrMapping/>
+  </p:clrMapOvr>
+</p:sld>
+</file>
+
+<file path=ppt/slides/slide15.xml><?xml version="1.0" encoding="utf-8"?>
+<p:sld xmlns:a="http://schemas.openxmlformats.org/drawingml/2006/main" xmlns:r="http://schemas.openxmlformats.org/officeDocument/2006/relationships" xmlns:p="http://schemas.openxmlformats.org/presentationml/2006/main">
+  <p:cSld>
+    <p:spTree>
+      <p:nvGrpSpPr>
+        <p:cNvPr id="1" name=""/>
+        <p:cNvGrpSpPr/>
+        <p:nvPr/>
+      </p:nvGrpSpPr>
+      <p:grpSpPr>
+        <a:xfrm>
+          <a:off x="0" y="0"/>
+          <a:ext cx="0" cy="0"/>
+          <a:chOff x="0" y="0"/>
+          <a:chExt cx="0" cy="0"/>
+        </a:xfrm>
+      </p:grpSpPr>
+      <p:sp>
+        <p:nvSpPr>
+          <p:cNvPr id="2" name="标题 1"/>
+          <p:cNvSpPr>
+            <a:spLocks noGrp="1"/>
+          </p:cNvSpPr>
+          <p:nvPr>
+            <p:ph type="title"/>
+          </p:nvPr>
+        </p:nvSpPr>
+        <p:spPr/>
+        <p:txBody>
+          <a:bodyPr/>
+          <a:lstStyle/>
+          <a:p>
+            <a:r>
+              <a:rPr lang="zh-CN" altLang="en-US" dirty="0" smtClean="0"/>
+              <a:t>更稳定（</a:t>
+            </a:r>
+            <a:r>
+              <a:rPr lang="en-US" altLang="zh-CN" dirty="0" smtClean="0"/>
+              <a:t>2</a:t>
+            </a:r>
+            <a:r>
+              <a:rPr lang="zh-CN" altLang="en-US" dirty="0" smtClean="0"/>
+              <a:t>） </a:t>
+            </a:r>
+            <a:r>
+              <a:rPr lang="en-US" altLang="zh-CN" dirty="0" smtClean="0"/>
+              <a:t>-- </a:t>
+            </a:r>
+            <a:r>
+              <a:rPr lang="zh-CN" altLang="en-US" dirty="0" smtClean="0"/>
+              <a:t>解决雪崩问题</a:t>
+            </a:r>
+            <a:endParaRPr lang="zh-CN" altLang="en-US" dirty="0"/>
+          </a:p>
+        </p:txBody>
+      </p:sp>
+      <p:sp>
+        <p:nvSpPr>
+          <p:cNvPr id="3" name="内容占位符 2"/>
+          <p:cNvSpPr>
+            <a:spLocks noGrp="1"/>
+          </p:cNvSpPr>
+          <p:nvPr>
+            <p:ph idx="1"/>
+          </p:nvPr>
+        </p:nvSpPr>
+        <p:spPr/>
+        <p:txBody>
+          <a:bodyPr/>
+          <a:lstStyle/>
+          <a:p>
+            <a:r>
+              <a:rPr lang="zh-CN" altLang="en-US" dirty="0"/>
+              <a:t>彻底解决</a:t>
+            </a:r>
+            <a:r>
+              <a:rPr lang="en-US" altLang="zh-CN" dirty="0"/>
+              <a:t>Storm</a:t>
+            </a:r>
+            <a:r>
+              <a:rPr lang="zh-CN" altLang="en-US" dirty="0"/>
+              <a:t>雪崩问题</a:t>
+            </a:r>
+            <a:endParaRPr lang="en-US" altLang="zh-CN" dirty="0" smtClean="0"/>
+          </a:p>
+          <a:p>
+            <a:pPr lvl="1"/>
+            <a:r>
+              <a:rPr lang="zh-CN" altLang="en-US" dirty="0" smtClean="0"/>
+              <a:t>底层</a:t>
+            </a:r>
+            <a:r>
+              <a:rPr lang="en-US" altLang="zh-CN" dirty="0" smtClean="0"/>
+              <a:t>RPC </a:t>
+            </a:r>
+            <a:r>
+              <a:rPr lang="zh-CN" altLang="en-US" dirty="0" smtClean="0"/>
+              <a:t>采用</a:t>
+            </a:r>
+            <a:r>
+              <a:rPr lang="en-US" altLang="zh-CN" dirty="0" err="1" smtClean="0"/>
+              <a:t>netty</a:t>
+            </a:r>
+            <a:r>
+              <a:rPr lang="en-US" altLang="zh-CN" dirty="0" smtClean="0"/>
+              <a:t> + disruptor</a:t>
+            </a:r>
+          </a:p>
+          <a:p>
+            <a:pPr lvl="1"/>
+            <a:r>
+              <a:rPr lang="zh-CN" altLang="en-US" dirty="0" smtClean="0"/>
+              <a:t>保证发送速度和接受速度是匹配的</a:t>
+            </a:r>
+            <a:endParaRPr lang="zh-CN" altLang="en-US" dirty="0"/>
+          </a:p>
+        </p:txBody>
+      </p:sp>
+      <p:sp>
+        <p:nvSpPr>
+          <p:cNvPr id="4" name="页脚占位符 3"/>
+          <p:cNvSpPr>
+            <a:spLocks noGrp="1"/>
+          </p:cNvSpPr>
+          <p:nvPr>
+            <p:ph type="ftr" sz="quarter" idx="10"/>
+          </p:nvPr>
+        </p:nvSpPr>
+        <p:spPr/>
+        <p:txBody>
+          <a:bodyPr/>
+          <a:lstStyle/>
+          <a:p>
+            <a:r>
+              <a:rPr lang="zh-CN" altLang="en-US" smtClean="0"/>
+              <a:t>封仲淹（</a:t>
+            </a:r>
+            <a:r>
+              <a:rPr lang="en-US" altLang="zh-CN" smtClean="0"/>
+              <a:t>Longda Feng</a:t>
+            </a:r>
+            <a:r>
+              <a:rPr lang="zh-CN" altLang="en-US" smtClean="0"/>
+              <a:t>）</a:t>
+            </a:r>
+            <a:endParaRPr lang="en-US" altLang="zh-CN"/>
+          </a:p>
+        </p:txBody>
+      </p:sp>
+      <p:sp>
+        <p:nvSpPr>
+          <p:cNvPr id="5" name="日期占位符 4"/>
+          <p:cNvSpPr>
+            <a:spLocks noGrp="1"/>
+          </p:cNvSpPr>
+          <p:nvPr>
+            <p:ph type="dt" sz="half" idx="12"/>
+          </p:nvPr>
+        </p:nvSpPr>
+        <p:spPr/>
+        <p:txBody>
+          <a:bodyPr/>
+          <a:lstStyle/>
+          <a:p>
+            <a:r>
+              <a:rPr lang="en-US" altLang="zh-CN" smtClean="0"/>
+              <a:t>Alibaba</a:t>
+            </a:r>
+            <a:endParaRPr lang="en-US" altLang="zh-CN"/>
+          </a:p>
+        </p:txBody>
+      </p:sp>
+    </p:spTree>
+    <p:extLst>
+      <p:ext uri="{BB962C8B-B14F-4D97-AF65-F5344CB8AC3E}">
+        <p14:creationId xmlns:p14="http://schemas.microsoft.com/office/powerpoint/2010/main" val="2859756489"/>
+      </p:ext>
+    </p:extLst>
+  </p:cSld>
+  <p:clrMapOvr>
+    <a:masterClrMapping/>
+  </p:clrMapOvr>
+</p:sld>
+</file>
+
+<file path=ppt/slides/slide16.xml><?xml version="1.0" encoding="utf-8"?>
+<p:sld xmlns:a="http://schemas.openxmlformats.org/drawingml/2006/main" xmlns:r="http://schemas.openxmlformats.org/officeDocument/2006/relationships" xmlns:p="http://schemas.openxmlformats.org/presentationml/2006/main">
+  <p:cSld>
+    <p:spTree>
+      <p:nvGrpSpPr>
+        <p:cNvPr id="1" name=""/>
+        <p:cNvGrpSpPr/>
+        <p:nvPr/>
+      </p:nvGrpSpPr>
+      <p:grpSpPr>
+        <a:xfrm>
+          <a:off x="0" y="0"/>
+          <a:ext cx="0" cy="0"/>
+          <a:chOff x="0" y="0"/>
+          <a:chExt cx="0" cy="0"/>
+        </a:xfrm>
+      </p:grpSpPr>
+      <p:sp>
+        <p:nvSpPr>
+          <p:cNvPr id="2" name="标题 1"/>
+          <p:cNvSpPr>
+            <a:spLocks noGrp="1"/>
+          </p:cNvSpPr>
+          <p:nvPr>
+            <p:ph type="title"/>
+          </p:nvPr>
+        </p:nvSpPr>
+        <p:spPr/>
+        <p:txBody>
+          <a:bodyPr/>
+          <a:lstStyle/>
+          <a:p>
+            <a:r>
+              <a:rPr lang="zh-CN" altLang="en-US" dirty="0" smtClean="0"/>
+              <a:t>更稳定（</a:t>
+            </a:r>
+            <a:r>
+              <a:rPr lang="en-US" altLang="zh-CN" dirty="0" smtClean="0"/>
+              <a:t>3</a:t>
+            </a:r>
+            <a:r>
+              <a:rPr lang="zh-CN" altLang="en-US" dirty="0" smtClean="0"/>
+              <a:t>）</a:t>
+            </a:r>
+            <a:r>
+              <a:rPr lang="en-US" altLang="zh-CN" dirty="0" smtClean="0"/>
+              <a:t>-- </a:t>
+            </a:r>
+            <a:r>
+              <a:rPr lang="zh-CN" altLang="en-US" dirty="0" smtClean="0"/>
+              <a:t>数据流稳定</a:t>
+            </a:r>
+            <a:endParaRPr lang="zh-CN" altLang="en-US" dirty="0"/>
+          </a:p>
+        </p:txBody>
+      </p:sp>
+      <p:sp>
+        <p:nvSpPr>
+          <p:cNvPr id="3" name="内容占位符 2"/>
+          <p:cNvSpPr>
+            <a:spLocks noGrp="1"/>
+          </p:cNvSpPr>
+          <p:nvPr>
+            <p:ph idx="1"/>
+          </p:nvPr>
+        </p:nvSpPr>
+        <p:spPr/>
+        <p:txBody>
+          <a:bodyPr/>
+          <a:lstStyle/>
+          <a:p>
+            <a:r>
+              <a:rPr lang="zh-CN" altLang="en-US" dirty="0" smtClean="0"/>
+              <a:t>现有</a:t>
+            </a:r>
+            <a:r>
+              <a:rPr lang="en-US" altLang="zh-CN" dirty="0"/>
+              <a:t>S</a:t>
+            </a:r>
+            <a:r>
+              <a:rPr lang="en-US" altLang="zh-CN" dirty="0" smtClean="0"/>
+              <a:t>torm</a:t>
+            </a:r>
+          </a:p>
+          <a:p>
+            <a:pPr lvl="1"/>
+            <a:r>
+              <a:rPr lang="zh-CN" altLang="en-US" dirty="0" smtClean="0"/>
+              <a:t>添加</a:t>
+            </a:r>
+            <a:r>
+              <a:rPr lang="en-US" altLang="zh-CN" dirty="0" smtClean="0"/>
+              <a:t>supervisor</a:t>
+            </a:r>
+            <a:r>
+              <a:rPr lang="zh-CN" altLang="en-US" dirty="0" smtClean="0"/>
+              <a:t>时， 会触发任务</a:t>
+            </a:r>
+            <a:r>
+              <a:rPr lang="en-US" altLang="zh-CN" dirty="0" smtClean="0"/>
+              <a:t>rebalance</a:t>
+            </a:r>
+          </a:p>
+          <a:p>
+            <a:pPr lvl="1"/>
+            <a:r>
+              <a:rPr lang="en-US" altLang="zh-CN" dirty="0" smtClean="0"/>
+              <a:t>Supervisor shutdown</a:t>
+            </a:r>
+            <a:r>
+              <a:rPr lang="zh-CN" altLang="en-US" dirty="0" smtClean="0"/>
+              <a:t>时， 触发任务</a:t>
+            </a:r>
+            <a:r>
+              <a:rPr lang="en-US" altLang="zh-CN" dirty="0" smtClean="0"/>
+              <a:t>rebalance</a:t>
+            </a:r>
+          </a:p>
+          <a:p>
+            <a:pPr lvl="1"/>
+            <a:r>
+              <a:rPr lang="zh-CN" altLang="en-US" dirty="0" smtClean="0"/>
+              <a:t>提交新任务时，当</a:t>
+            </a:r>
+            <a:r>
+              <a:rPr lang="en-US" altLang="zh-CN" dirty="0" smtClean="0"/>
+              <a:t>worker</a:t>
+            </a:r>
+            <a:r>
+              <a:rPr lang="zh-CN" altLang="en-US" dirty="0" smtClean="0"/>
+              <a:t>数不够时，触发其他任务做</a:t>
+            </a:r>
+            <a:r>
+              <a:rPr lang="en-US" altLang="zh-CN" dirty="0" smtClean="0"/>
+              <a:t>rebalance</a:t>
+            </a:r>
+          </a:p>
+          <a:p>
+            <a:r>
+              <a:rPr lang="zh-CN" altLang="en-US" dirty="0"/>
+              <a:t>上</a:t>
+            </a:r>
+            <a:r>
+              <a:rPr lang="zh-CN" altLang="en-US" dirty="0" smtClean="0"/>
+              <a:t>叙问题不会在</a:t>
+            </a:r>
+            <a:r>
+              <a:rPr lang="en-US" altLang="zh-CN" dirty="0" smtClean="0"/>
+              <a:t>Jstorm</a:t>
+            </a:r>
+            <a:r>
+              <a:rPr lang="zh-CN" altLang="en-US" dirty="0" smtClean="0"/>
+              <a:t>中发生</a:t>
+            </a:r>
+            <a:endParaRPr lang="en-US" altLang="zh-CN" dirty="0" smtClean="0"/>
+          </a:p>
+        </p:txBody>
+      </p:sp>
+      <p:sp>
+        <p:nvSpPr>
+          <p:cNvPr id="4" name="页脚占位符 3"/>
+          <p:cNvSpPr>
+            <a:spLocks noGrp="1"/>
+          </p:cNvSpPr>
+          <p:nvPr>
+            <p:ph type="ftr" sz="quarter" idx="10"/>
+          </p:nvPr>
+        </p:nvSpPr>
+        <p:spPr/>
+        <p:txBody>
+          <a:bodyPr/>
+          <a:lstStyle/>
+          <a:p>
+            <a:r>
+              <a:rPr lang="zh-CN" altLang="en-US" smtClean="0"/>
+              <a:t>封仲淹（</a:t>
+            </a:r>
+            <a:r>
+              <a:rPr lang="en-US" altLang="zh-CN" smtClean="0"/>
+              <a:t>Longda Feng</a:t>
+            </a:r>
+            <a:r>
+              <a:rPr lang="zh-CN" altLang="en-US" smtClean="0"/>
+              <a:t>）</a:t>
+            </a:r>
+            <a:endParaRPr lang="en-US" altLang="zh-CN"/>
+          </a:p>
+        </p:txBody>
+      </p:sp>
+      <p:sp>
+        <p:nvSpPr>
+          <p:cNvPr id="5" name="日期占位符 4"/>
+          <p:cNvSpPr>
+            <a:spLocks noGrp="1"/>
+          </p:cNvSpPr>
+          <p:nvPr>
+            <p:ph type="dt" sz="half" idx="12"/>
+          </p:nvPr>
+        </p:nvSpPr>
+        <p:spPr/>
+        <p:txBody>
+          <a:bodyPr/>
+          <a:lstStyle/>
+          <a:p>
+            <a:r>
+              <a:rPr lang="en-US" altLang="zh-CN" smtClean="0"/>
+              <a:t>Alibaba</a:t>
+            </a:r>
+            <a:endParaRPr lang="en-US" altLang="zh-CN"/>
+          </a:p>
+        </p:txBody>
+      </p:sp>
+    </p:spTree>
+    <p:extLst>
+      <p:ext uri="{BB962C8B-B14F-4D97-AF65-F5344CB8AC3E}">
+        <p14:creationId xmlns:p14="http://schemas.microsoft.com/office/powerpoint/2010/main" val="3158655562"/>
+      </p:ext>
+    </p:extLst>
+  </p:cSld>
+  <p:clrMapOvr>
+    <a:masterClrMapping/>
+  </p:clrMapOvr>
+</p:sld>
+</file>
+
+<file path=ppt/slides/slide17.xml><?xml version="1.0" encoding="utf-8"?>
+<p:sld xmlns:a="http://schemas.openxmlformats.org/drawingml/2006/main" xmlns:r="http://schemas.openxmlformats.org/officeDocument/2006/relationships" xmlns:p="http://schemas.openxmlformats.org/presentationml/2006/main">
+  <p:cSld>
+    <p:spTree>
+      <p:nvGrpSpPr>
+        <p:cNvPr id="1" name=""/>
+        <p:cNvGrpSpPr/>
+        <p:nvPr/>
+      </p:nvGrpSpPr>
+      <p:grpSpPr>
+        <a:xfrm>
+          <a:off x="0" y="0"/>
+          <a:ext cx="0" cy="0"/>
+          <a:chOff x="0" y="0"/>
+          <a:chExt cx="0" cy="0"/>
+        </a:xfrm>
+      </p:grpSpPr>
+      <p:sp>
+        <p:nvSpPr>
+          <p:cNvPr id="2" name="标题 1"/>
+          <p:cNvSpPr>
+            <a:spLocks noGrp="1"/>
+          </p:cNvSpPr>
+          <p:nvPr>
+            <p:ph type="title"/>
+          </p:nvPr>
+        </p:nvSpPr>
+        <p:spPr/>
+        <p:txBody>
+          <a:bodyPr/>
+          <a:lstStyle/>
+          <a:p>
+            <a:r>
+              <a:rPr lang="zh-CN" altLang="en-US" dirty="0" smtClean="0"/>
+              <a:t>更稳定（</a:t>
+            </a:r>
+            <a:r>
+              <a:rPr lang="en-US" altLang="zh-CN" dirty="0" smtClean="0"/>
+              <a:t>4</a:t>
+            </a:r>
+            <a:r>
+              <a:rPr lang="zh-CN" altLang="en-US" dirty="0" smtClean="0"/>
+              <a:t>） </a:t>
+            </a:r>
+            <a:r>
+              <a:rPr lang="en-US" altLang="zh-CN" dirty="0" smtClean="0"/>
+              <a:t>– </a:t>
+            </a:r>
+            <a:r>
+              <a:rPr lang="zh-CN" altLang="en-US" dirty="0" smtClean="0"/>
+              <a:t>任务之间影响小</a:t>
+            </a:r>
+            <a:endParaRPr lang="zh-CN" altLang="en-US" dirty="0"/>
+          </a:p>
+        </p:txBody>
+      </p:sp>
+      <p:sp>
+        <p:nvSpPr>
+          <p:cNvPr id="3" name="内容占位符 2"/>
+          <p:cNvSpPr>
+            <a:spLocks noGrp="1"/>
+          </p:cNvSpPr>
+          <p:nvPr>
+            <p:ph idx="1"/>
+          </p:nvPr>
+        </p:nvSpPr>
+        <p:spPr/>
+        <p:txBody>
+          <a:bodyPr/>
+          <a:lstStyle/>
+          <a:p>
+            <a:r>
+              <a:rPr lang="zh-CN" altLang="en-US" dirty="0" smtClean="0"/>
+              <a:t>新上线的任务不会冲击老的任务</a:t>
+            </a:r>
+            <a:endParaRPr lang="en-US" altLang="zh-CN" dirty="0" smtClean="0"/>
+          </a:p>
+          <a:p>
+            <a:pPr lvl="1"/>
+            <a:r>
+              <a:rPr lang="zh-CN" altLang="en-US" dirty="0" smtClean="0"/>
+              <a:t>新调度从</a:t>
+            </a:r>
+            <a:r>
+              <a:rPr lang="en-US" altLang="zh-CN" dirty="0" err="1" smtClean="0"/>
+              <a:t>cpu</a:t>
+            </a:r>
+            <a:r>
+              <a:rPr lang="zh-CN" altLang="en-US" dirty="0" smtClean="0"/>
+              <a:t>，</a:t>
+            </a:r>
+            <a:r>
+              <a:rPr lang="en-US" altLang="zh-CN" dirty="0" smtClean="0"/>
+              <a:t>memory</a:t>
+            </a:r>
+            <a:r>
+              <a:rPr lang="zh-CN" altLang="en-US" dirty="0" smtClean="0"/>
+              <a:t>，</a:t>
+            </a:r>
+            <a:r>
+              <a:rPr lang="en-US" altLang="zh-CN" dirty="0" smtClean="0"/>
+              <a:t>disk</a:t>
+            </a:r>
+            <a:r>
+              <a:rPr lang="zh-CN" altLang="en-US" dirty="0" smtClean="0"/>
+              <a:t>，</a:t>
+            </a:r>
+            <a:r>
+              <a:rPr lang="en-US" altLang="zh-CN" dirty="0" smtClean="0"/>
+              <a:t>net </a:t>
+            </a:r>
+            <a:r>
+              <a:rPr lang="zh-CN" altLang="en-US" dirty="0" smtClean="0"/>
+              <a:t>四个角度对任务进行分配，</a:t>
+            </a:r>
+            <a:endParaRPr lang="en-US" altLang="zh-CN" dirty="0" smtClean="0"/>
+          </a:p>
+          <a:p>
+            <a:pPr lvl="1"/>
+            <a:r>
+              <a:rPr lang="zh-CN" altLang="en-US" dirty="0" smtClean="0"/>
+              <a:t>已经分配好的新任务，无需去抢占老任务的</a:t>
+            </a:r>
+            <a:r>
+              <a:rPr lang="en-US" altLang="zh-CN" dirty="0" err="1" smtClean="0"/>
+              <a:t>cpu</a:t>
+            </a:r>
+            <a:r>
+              <a:rPr lang="zh-CN" altLang="en-US" dirty="0" smtClean="0"/>
+              <a:t>，</a:t>
+            </a:r>
+            <a:r>
+              <a:rPr lang="en-US" altLang="zh-CN" dirty="0" smtClean="0"/>
+              <a:t>memory</a:t>
+            </a:r>
+            <a:r>
+              <a:rPr lang="zh-CN" altLang="en-US" dirty="0" smtClean="0"/>
+              <a:t>，</a:t>
+            </a:r>
+            <a:r>
+              <a:rPr lang="en-US" altLang="zh-CN" dirty="0" smtClean="0"/>
+              <a:t>disk</a:t>
+            </a:r>
+            <a:r>
+              <a:rPr lang="zh-CN" altLang="en-US" dirty="0" smtClean="0"/>
+              <a:t>和</a:t>
+            </a:r>
+            <a:r>
+              <a:rPr lang="en-US" altLang="zh-CN" dirty="0" smtClean="0"/>
+              <a:t>net</a:t>
+            </a:r>
+          </a:p>
+        </p:txBody>
+      </p:sp>
+      <p:sp>
+        <p:nvSpPr>
+          <p:cNvPr id="4" name="页脚占位符 3"/>
+          <p:cNvSpPr>
+            <a:spLocks noGrp="1"/>
+          </p:cNvSpPr>
+          <p:nvPr>
+            <p:ph type="ftr" sz="quarter" idx="10"/>
+          </p:nvPr>
+        </p:nvSpPr>
+        <p:spPr/>
+        <p:txBody>
+          <a:bodyPr/>
+          <a:lstStyle/>
+          <a:p>
+            <a:r>
+              <a:rPr lang="zh-CN" altLang="en-US" smtClean="0"/>
+              <a:t>封仲淹（</a:t>
+            </a:r>
+            <a:r>
+              <a:rPr lang="en-US" altLang="zh-CN" smtClean="0"/>
+              <a:t>Longda Feng</a:t>
+            </a:r>
+            <a:r>
+              <a:rPr lang="zh-CN" altLang="en-US" smtClean="0"/>
+              <a:t>）</a:t>
+            </a:r>
+            <a:endParaRPr lang="en-US" altLang="zh-CN"/>
+          </a:p>
+        </p:txBody>
+      </p:sp>
+      <p:sp>
+        <p:nvSpPr>
+          <p:cNvPr id="5" name="日期占位符 4"/>
+          <p:cNvSpPr>
+            <a:spLocks noGrp="1"/>
+          </p:cNvSpPr>
+          <p:nvPr>
+            <p:ph type="dt" sz="half" idx="12"/>
+          </p:nvPr>
+        </p:nvSpPr>
+        <p:spPr/>
+        <p:txBody>
+          <a:bodyPr/>
+          <a:lstStyle/>
+          <a:p>
+            <a:r>
+              <a:rPr lang="en-US" altLang="zh-CN" smtClean="0"/>
+              <a:t>Alibaba</a:t>
+            </a:r>
+            <a:endParaRPr lang="en-US" altLang="zh-CN"/>
+          </a:p>
+        </p:txBody>
+      </p:sp>
+    </p:spTree>
+    <p:extLst>
+      <p:ext uri="{BB962C8B-B14F-4D97-AF65-F5344CB8AC3E}">
+        <p14:creationId xmlns:p14="http://schemas.microsoft.com/office/powerpoint/2010/main" val="2206939426"/>
+      </p:ext>
+    </p:extLst>
+  </p:cSld>
+  <p:clrMapOvr>
+    <a:masterClrMapping/>
+  </p:clrMapOvr>
+</p:sld>
+</file>
+
+<file path=ppt/slides/slide18.xml><?xml version="1.0" encoding="utf-8"?>
+<p:sld xmlns:a="http://schemas.openxmlformats.org/drawingml/2006/main" xmlns:r="http://schemas.openxmlformats.org/officeDocument/2006/relationships" xmlns:p="http://schemas.openxmlformats.org/presentationml/2006/main">
+  <p:cSld>
+    <p:spTree>
+      <p:nvGrpSpPr>
+        <p:cNvPr id="1" name=""/>
+        <p:cNvGrpSpPr/>
+        <p:nvPr/>
+      </p:nvGrpSpPr>
+      <p:grpSpPr>
+        <a:xfrm>
+          <a:off x="0" y="0"/>
+          <a:ext cx="0" cy="0"/>
+          <a:chOff x="0" y="0"/>
+          <a:chExt cx="0" cy="0"/>
+        </a:xfrm>
+      </p:grpSpPr>
+      <p:sp>
+        <p:nvSpPr>
+          <p:cNvPr id="2" name="标题 1"/>
+          <p:cNvSpPr>
+            <a:spLocks noGrp="1"/>
+          </p:cNvSpPr>
+          <p:nvPr>
+            <p:ph type="title"/>
+          </p:nvPr>
+        </p:nvSpPr>
+        <p:spPr/>
+        <p:txBody>
+          <a:bodyPr/>
+          <a:lstStyle/>
+          <a:p>
+            <a:r>
+              <a:rPr lang="zh-CN" altLang="en-US" dirty="0" smtClean="0"/>
+              <a:t>更稳定（</a:t>
+            </a:r>
+            <a:r>
+              <a:rPr lang="en-US" altLang="zh-CN" dirty="0"/>
+              <a:t>5</a:t>
+            </a:r>
+            <a:r>
+              <a:rPr lang="zh-CN" altLang="en-US" dirty="0" smtClean="0"/>
+              <a:t>） </a:t>
+            </a:r>
+            <a:r>
+              <a:rPr lang="en-US" altLang="zh-CN" dirty="0" smtClean="0"/>
+              <a:t>-- more catch</a:t>
+            </a:r>
+            <a:endParaRPr lang="zh-CN" altLang="en-US" dirty="0"/>
+          </a:p>
+        </p:txBody>
+      </p:sp>
+      <p:sp>
+        <p:nvSpPr>
+          <p:cNvPr id="3" name="内容占位符 2"/>
+          <p:cNvSpPr>
+            <a:spLocks noGrp="1"/>
+          </p:cNvSpPr>
+          <p:nvPr>
+            <p:ph idx="1"/>
+          </p:nvPr>
+        </p:nvSpPr>
+        <p:spPr/>
+        <p:txBody>
+          <a:bodyPr/>
+          <a:lstStyle/>
+          <a:p>
+            <a:r>
+              <a:rPr lang="en-US" altLang="zh-CN" dirty="0" smtClean="0"/>
+              <a:t>Supervisor</a:t>
+            </a:r>
+            <a:r>
+              <a:rPr lang="zh-CN" altLang="en-US" dirty="0" smtClean="0"/>
+              <a:t>主线程</a:t>
+            </a:r>
+            <a:endParaRPr lang="en-US" altLang="zh-CN" dirty="0" smtClean="0"/>
+          </a:p>
+          <a:p>
+            <a:r>
+              <a:rPr lang="en-US" altLang="zh-CN" dirty="0"/>
+              <a:t>Spout/Bolt </a:t>
+            </a:r>
+            <a:r>
+              <a:rPr lang="zh-CN" altLang="en-US" dirty="0"/>
+              <a:t>的</a:t>
+            </a:r>
+            <a:r>
+              <a:rPr lang="en-US" altLang="zh-CN" dirty="0" smtClean="0"/>
+              <a:t>open/prepare</a:t>
+            </a:r>
+          </a:p>
+          <a:p>
+            <a:r>
+              <a:rPr lang="zh-CN" altLang="en-US" dirty="0" smtClean="0"/>
+              <a:t>所有</a:t>
+            </a:r>
+            <a:r>
+              <a:rPr lang="en-US" altLang="zh-CN" dirty="0" smtClean="0"/>
+              <a:t>IO, </a:t>
+            </a:r>
+            <a:r>
+              <a:rPr lang="zh-CN" altLang="en-US" dirty="0" smtClean="0"/>
+              <a:t>序列化，反序列化</a:t>
+            </a:r>
+            <a:endParaRPr lang="en-US" altLang="zh-CN" dirty="0" smtClean="0"/>
+          </a:p>
+          <a:p>
+            <a:endParaRPr lang="en-US" altLang="zh-CN" dirty="0" smtClean="0"/>
+          </a:p>
+        </p:txBody>
+      </p:sp>
+      <p:sp>
+        <p:nvSpPr>
+          <p:cNvPr id="4" name="页脚占位符 3"/>
+          <p:cNvSpPr>
+            <a:spLocks noGrp="1"/>
+          </p:cNvSpPr>
+          <p:nvPr>
+            <p:ph type="ftr" sz="quarter" idx="10"/>
+          </p:nvPr>
+        </p:nvSpPr>
+        <p:spPr/>
+        <p:txBody>
+          <a:bodyPr/>
+          <a:lstStyle/>
+          <a:p>
+            <a:r>
+              <a:rPr lang="zh-CN" altLang="en-US" smtClean="0"/>
+              <a:t>封仲淹（</a:t>
+            </a:r>
+            <a:r>
+              <a:rPr lang="en-US" altLang="zh-CN" smtClean="0"/>
+              <a:t>Longda Feng</a:t>
+            </a:r>
+            <a:r>
+              <a:rPr lang="zh-CN" altLang="en-US" smtClean="0"/>
+              <a:t>）</a:t>
+            </a:r>
+            <a:endParaRPr lang="en-US" altLang="zh-CN"/>
+          </a:p>
+        </p:txBody>
+      </p:sp>
+      <p:sp>
+        <p:nvSpPr>
+          <p:cNvPr id="5" name="日期占位符 4"/>
+          <p:cNvSpPr>
+            <a:spLocks noGrp="1"/>
+          </p:cNvSpPr>
+          <p:nvPr>
+            <p:ph type="dt" sz="half" idx="12"/>
+          </p:nvPr>
+        </p:nvSpPr>
+        <p:spPr/>
+        <p:txBody>
+          <a:bodyPr/>
+          <a:lstStyle/>
+          <a:p>
+            <a:r>
+              <a:rPr lang="en-US" altLang="zh-CN" smtClean="0"/>
+              <a:t>Alibaba</a:t>
+            </a:r>
+            <a:endParaRPr lang="en-US" altLang="zh-CN"/>
+          </a:p>
+        </p:txBody>
+      </p:sp>
+    </p:spTree>
+    <p:extLst>
+      <p:ext uri="{BB962C8B-B14F-4D97-AF65-F5344CB8AC3E}">
+        <p14:creationId xmlns:p14="http://schemas.microsoft.com/office/powerpoint/2010/main" val="1737644581"/>
+      </p:ext>
+    </p:extLst>
+  </p:cSld>
+  <p:clrMapOvr>
+    <a:masterClrMapping/>
+  </p:clrMapOvr>
+</p:sld>
+</file>
+
+<file path=ppt/slides/slide19.xml><?xml version="1.0" encoding="utf-8"?>
+<p:sld xmlns:a="http://schemas.openxmlformats.org/drawingml/2006/main" xmlns:r="http://schemas.openxmlformats.org/officeDocument/2006/relationships" xmlns:p="http://schemas.openxmlformats.org/presentationml/2006/main">
+  <p:cSld>
+    <p:spTree>
+      <p:nvGrpSpPr>
+        <p:cNvPr id="1" name=""/>
+        <p:cNvGrpSpPr/>
+        <p:nvPr/>
+      </p:nvGrpSpPr>
+      <p:grpSpPr>
+        <a:xfrm>
+          <a:off x="0" y="0"/>
+          <a:ext cx="0" cy="0"/>
+          <a:chOff x="0" y="0"/>
+          <a:chExt cx="0" cy="0"/>
+        </a:xfrm>
+      </p:grpSpPr>
+      <p:sp>
+        <p:nvSpPr>
+          <p:cNvPr id="2" name="标题 1"/>
+          <p:cNvSpPr>
+            <a:spLocks noGrp="1"/>
+          </p:cNvSpPr>
+          <p:nvPr>
+            <p:ph type="title"/>
+          </p:nvPr>
+        </p:nvSpPr>
+        <p:spPr/>
+        <p:txBody>
+          <a:bodyPr/>
+          <a:lstStyle/>
+          <a:p>
+            <a:r>
+              <a:rPr lang="zh-CN" altLang="en-US" dirty="0" smtClean="0"/>
+              <a:t>更稳定（</a:t>
+            </a:r>
+            <a:r>
+              <a:rPr lang="en-US" altLang="zh-CN" dirty="0" smtClean="0"/>
+              <a:t>6</a:t>
+            </a:r>
+            <a:r>
+              <a:rPr lang="zh-CN" altLang="en-US" dirty="0" smtClean="0"/>
+              <a:t>）</a:t>
+            </a:r>
+            <a:endParaRPr lang="zh-CN" altLang="en-US" dirty="0"/>
+          </a:p>
+        </p:txBody>
+      </p:sp>
+      <p:sp>
+        <p:nvSpPr>
+          <p:cNvPr id="3" name="内容占位符 2"/>
+          <p:cNvSpPr>
+            <a:spLocks noGrp="1"/>
+          </p:cNvSpPr>
+          <p:nvPr>
+            <p:ph idx="1"/>
+          </p:nvPr>
+        </p:nvSpPr>
+        <p:spPr/>
+        <p:txBody>
+          <a:bodyPr/>
+          <a:lstStyle/>
+          <a:p>
+            <a:r>
+              <a:rPr lang="zh-CN" altLang="en-US" dirty="0" smtClean="0"/>
+              <a:t>减少对</a:t>
+            </a:r>
+            <a:r>
+              <a:rPr lang="en-US" altLang="zh-CN" dirty="0" smtClean="0"/>
+              <a:t>ZK</a:t>
+            </a:r>
+            <a:r>
+              <a:rPr lang="zh-CN" altLang="en-US" dirty="0" smtClean="0"/>
+              <a:t>的访问量：</a:t>
+            </a:r>
+            <a:endParaRPr lang="en-US" altLang="zh-CN" dirty="0" smtClean="0"/>
+          </a:p>
+          <a:p>
+            <a:pPr lvl="1"/>
+            <a:r>
+              <a:rPr lang="zh-CN" altLang="en-US" dirty="0" smtClean="0"/>
+              <a:t>去掉大量无用的</a:t>
+            </a:r>
+            <a:r>
+              <a:rPr lang="en-US" altLang="zh-CN" dirty="0" smtClean="0"/>
+              <a:t>watch</a:t>
+            </a:r>
+          </a:p>
+          <a:p>
+            <a:pPr lvl="1"/>
+            <a:r>
+              <a:rPr lang="en-US" altLang="zh-CN" dirty="0" smtClean="0"/>
+              <a:t>task</a:t>
+            </a:r>
+            <a:r>
+              <a:rPr lang="zh-CN" altLang="en-US" dirty="0" smtClean="0"/>
+              <a:t>的心跳时间延长一倍</a:t>
+            </a:r>
+            <a:endParaRPr lang="en-US" altLang="zh-CN" dirty="0" smtClean="0"/>
+          </a:p>
+          <a:p>
+            <a:pPr lvl="1"/>
+            <a:r>
+              <a:rPr lang="en-US" altLang="zh-CN" dirty="0" smtClean="0"/>
+              <a:t>Task</a:t>
+            </a:r>
+            <a:r>
+              <a:rPr lang="zh-CN" altLang="en-US" dirty="0" smtClean="0"/>
+              <a:t>心跳检测无需全</a:t>
+            </a:r>
+            <a:r>
+              <a:rPr lang="en-US" altLang="zh-CN" dirty="0" smtClean="0"/>
+              <a:t>ZK</a:t>
+            </a:r>
+            <a:r>
+              <a:rPr lang="zh-CN" altLang="en-US" dirty="0" smtClean="0"/>
+              <a:t>扫描</a:t>
+            </a:r>
+            <a:endParaRPr lang="en-US" altLang="zh-CN" dirty="0" smtClean="0"/>
+          </a:p>
+          <a:p>
+            <a:pPr lvl="1"/>
+            <a:endParaRPr lang="zh-CN" altLang="en-US" dirty="0"/>
+          </a:p>
+        </p:txBody>
+      </p:sp>
+      <p:sp>
+        <p:nvSpPr>
+          <p:cNvPr id="4" name="页脚占位符 3"/>
+          <p:cNvSpPr>
+            <a:spLocks noGrp="1"/>
+          </p:cNvSpPr>
+          <p:nvPr>
+            <p:ph type="ftr" sz="quarter" idx="10"/>
+          </p:nvPr>
+        </p:nvSpPr>
+        <p:spPr/>
+        <p:txBody>
+          <a:bodyPr/>
+          <a:lstStyle/>
+          <a:p>
+            <a:r>
+              <a:rPr lang="zh-CN" altLang="en-US" smtClean="0"/>
+              <a:t>封仲淹（</a:t>
+            </a:r>
+            <a:r>
+              <a:rPr lang="en-US" altLang="zh-CN" smtClean="0"/>
+              <a:t>Longda Feng</a:t>
+            </a:r>
+            <a:r>
+              <a:rPr lang="zh-CN" altLang="en-US" smtClean="0"/>
+              <a:t>）</a:t>
+            </a:r>
+            <a:endParaRPr lang="en-US" altLang="zh-CN"/>
+          </a:p>
+        </p:txBody>
+      </p:sp>
+      <p:sp>
+        <p:nvSpPr>
+          <p:cNvPr id="5" name="日期占位符 4"/>
+          <p:cNvSpPr>
+            <a:spLocks noGrp="1"/>
+          </p:cNvSpPr>
+          <p:nvPr>
+            <p:ph type="dt" sz="half" idx="12"/>
+          </p:nvPr>
+        </p:nvSpPr>
+        <p:spPr/>
+        <p:txBody>
+          <a:bodyPr/>
+          <a:lstStyle/>
+          <a:p>
+            <a:r>
+              <a:rPr lang="en-US" altLang="zh-CN" smtClean="0"/>
+              <a:t>Alibaba</a:t>
+            </a:r>
+            <a:endParaRPr lang="en-US" altLang="zh-CN"/>
+          </a:p>
+        </p:txBody>
+      </p:sp>
+    </p:spTree>
+    <p:extLst>
+      <p:ext uri="{BB962C8B-B14F-4D97-AF65-F5344CB8AC3E}">
+        <p14:creationId xmlns:p14="http://schemas.microsoft.com/office/powerpoint/2010/main" val="1316284398"/>
+      </p:ext>
+    </p:extLst>
+  </p:cSld>
+  <p:clrMapOvr>
+    <a:masterClrMapping/>
+  </p:clrMapOvr>
 </p:sld>
 </file>
 
@@ -5171,7 +6775,7 @@
           <a:p>
             <a:r>
               <a:rPr lang="en-US" altLang="zh-CN" smtClean="0"/>
-              <a:t>Alipay</a:t>
+              <a:t>Alibaba</a:t>
             </a:r>
             <a:endParaRPr lang="en-US" altLang="zh-CN"/>
           </a:p>
@@ -5732,7 +7336,7 @@
         </p:nvSpPr>
         <p:spPr bwMode="gray">
           <a:xfrm>
-            <a:off x="2438400" y="3459163"/>
+            <a:off x="2456656" y="4077072"/>
             <a:ext cx="4419600" cy="508000"/>
           </a:xfrm>
           <a:prstGeom prst="roundRect">
@@ -5789,40 +7393,31 @@
           <a:p>
             <a:pPr eaLnBrk="0" hangingPunct="0"/>
             <a:r>
-              <a:rPr lang="en-US" altLang="zh-CN" b="1" dirty="0">
-                <a:solidFill>
-                  <a:schemeClr val="tx2"/>
-                </a:solidFill>
-                <a:ea typeface="宋体" charset="-122"/>
-              </a:rPr>
-              <a:t>What have</a:t>
-            </a:r>
-            <a:r>
-              <a:rPr lang="zh-CN" altLang="en-US" b="1" dirty="0">
-                <a:solidFill>
-                  <a:schemeClr val="tx2"/>
-                </a:solidFill>
-                <a:ea typeface="宋体" charset="-122"/>
-              </a:rPr>
-              <a:t> </a:t>
-            </a:r>
-            <a:r>
-              <a:rPr lang="en-US" altLang="zh-CN" b="1" dirty="0">
-                <a:solidFill>
-                  <a:schemeClr val="tx2"/>
-                </a:solidFill>
-                <a:ea typeface="宋体" charset="-122"/>
-              </a:rPr>
-              <a:t>been changed</a:t>
-            </a:r>
-            <a:r>
               <a:rPr lang="zh-CN" altLang="en-US" b="1" dirty="0" smtClean="0">
                 <a:solidFill>
                   <a:schemeClr val="tx2"/>
                 </a:solidFill>
                 <a:ea typeface="宋体" charset="-122"/>
               </a:rPr>
-              <a:t>？</a:t>
+              <a:t>和</a:t>
+            </a:r>
+            <a:r>
+              <a:rPr lang="en-US" altLang="zh-CN" b="1" dirty="0" smtClean="0">
+                <a:solidFill>
+                  <a:schemeClr val="tx2"/>
+                </a:solidFill>
+                <a:ea typeface="宋体" charset="-122"/>
+              </a:rPr>
+              <a:t>Storm</a:t>
+            </a:r>
+            <a:r>
+              <a:rPr lang="zh-CN" altLang="en-US" b="1" dirty="0" smtClean="0">
+                <a:solidFill>
+                  <a:schemeClr val="tx2"/>
+                </a:solidFill>
+                <a:ea typeface="宋体" charset="-122"/>
+              </a:rPr>
+              <a:t>有什么区别</a:t>
             </a:r>
             <a:endParaRPr lang="en-US" altLang="zh-CN" b="1" dirty="0">
               <a:solidFill>
@@ -5906,25 +7501,16 @@
                 </a:solidFill>
                 <a:ea typeface="宋体" charset="-122"/>
               </a:rPr>
-              <a:t>Why need </a:t>
-            </a:r>
-            <a:r>
-              <a:rPr lang="en-US" altLang="zh-CN" b="1" dirty="0" err="1" smtClean="0">
+              <a:t>Jstorm</a:t>
+            </a:r>
+            <a:r>
+              <a:rPr lang="zh-CN" altLang="en-US" b="1" dirty="0">
                 <a:solidFill>
                   <a:schemeClr val="tx2"/>
                 </a:solidFill>
                 <a:ea typeface="宋体" charset="-122"/>
               </a:rPr>
-              <a:t>Jstorm</a:t>
-            </a:r>
-            <a:r>
-              <a:rPr lang="zh-CN" altLang="en-US" b="1" dirty="0" smtClean="0">
-                <a:solidFill>
-                  <a:schemeClr val="tx2"/>
-                </a:solidFill>
-                <a:ea typeface="宋体" charset="-122"/>
-              </a:rPr>
-              <a:t>？</a:t>
+              <a:t>概叙</a:t>
             </a:r>
             <a:endParaRPr lang="en-US" altLang="zh-CN" b="1" dirty="0">
               <a:solidFill>
@@ -6400,7 +7986,7 @@
         </p:nvGrpSpPr>
         <p:grpSpPr bwMode="auto">
           <a:xfrm>
-            <a:off x="2133600" y="3535363"/>
+            <a:off x="2151856" y="4153272"/>
             <a:ext cx="381000" cy="381000"/>
             <a:chOff x="2078" y="1680"/>
             <a:chExt cx="1615" cy="1615"/>
@@ -7300,6 +8886,554 @@
           </p:txBody>
         </p:sp>
       </p:grpSp>
+      <p:sp>
+        <p:nvSpPr>
+          <p:cNvPr id="32" name="AutoShape 52"/>
+          <p:cNvSpPr>
+            <a:spLocks noChangeArrowheads="1"/>
+          </p:cNvSpPr>
+          <p:nvPr/>
+        </p:nvSpPr>
+        <p:spPr bwMode="gray">
+          <a:xfrm>
+            <a:off x="2384648" y="2993008"/>
+            <a:ext cx="4419600" cy="508000"/>
+          </a:xfrm>
+          <a:prstGeom prst="roundRect">
+            <a:avLst>
+              <a:gd name="adj" fmla="val 50000"/>
+            </a:avLst>
+          </a:prstGeom>
+          <a:noFill/>
+          <a:ln w="28575" algn="ctr">
+            <a:solidFill>
+              <a:schemeClr val="bg2"/>
+            </a:solidFill>
+            <a:round/>
+            <a:headEnd/>
+            <a:tailEnd/>
+          </a:ln>
+          <a:effectLst/>
+          <a:extLst>
+            <a:ext uri="{909E8E84-426E-40DD-AFC4-6F175D3DCCD1}">
+              <a14:hiddenFill xmlns:a14="http://schemas.microsoft.com/office/drawing/2010/main">
+                <a:gradFill rotWithShape="1">
+                  <a:gsLst>
+                    <a:gs pos="0">
+                      <a:schemeClr val="accent1">
+                        <a:gamma/>
+                        <a:tint val="0"/>
+                        <a:invGamma/>
+                      </a:schemeClr>
+                    </a:gs>
+                    <a:gs pos="100000">
+                      <a:schemeClr val="accent1"/>
+                    </a:gs>
+                  </a:gsLst>
+                  <a:lin ang="0" scaled="1"/>
+                </a:gradFill>
+              </a14:hiddenFill>
+            </a:ext>
+            <a:ext uri="{AF507438-7753-43E0-B8FC-AC1667EBCBE1}">
+              <a14:hiddenEffects xmlns:a14="http://schemas.microsoft.com/office/drawing/2010/main">
+                <a:effectLst>
+                  <a:outerShdw dist="76200" dir="10800000" kx="-3284103" algn="br" rotWithShape="0">
+                    <a:schemeClr val="bg2">
+                      <a:alpha val="50000"/>
+                    </a:schemeClr>
+                  </a:outerShdw>
+                </a:effectLst>
+              </a14:hiddenEffects>
+            </a:ext>
+          </a:extLst>
+        </p:spPr>
+        <p:txBody>
+          <a:bodyPr wrap="none" anchor="ctr"/>
+          <a:lstStyle/>
+          <a:p>
+            <a:pPr eaLnBrk="0" hangingPunct="0"/>
+            <a:r>
+              <a:rPr lang="zh-CN" altLang="en-US" b="1" dirty="0" smtClean="0">
+                <a:solidFill>
+                  <a:schemeClr val="tx2"/>
+                </a:solidFill>
+                <a:ea typeface="宋体" charset="-122"/>
+              </a:rPr>
+              <a:t>为什么开发</a:t>
+            </a:r>
+            <a:r>
+              <a:rPr lang="en-US" altLang="zh-CN" b="1" dirty="0" err="1" smtClean="0">
+                <a:solidFill>
+                  <a:schemeClr val="tx2"/>
+                </a:solidFill>
+                <a:ea typeface="宋体" charset="-122"/>
+              </a:rPr>
+              <a:t>JStorm</a:t>
+            </a:r>
+            <a:endParaRPr lang="en-US" altLang="zh-CN" b="1" dirty="0">
+              <a:solidFill>
+                <a:schemeClr val="tx2"/>
+              </a:solidFill>
+              <a:ea typeface="宋体" charset="-122"/>
+            </a:endParaRPr>
+          </a:p>
+        </p:txBody>
+      </p:sp>
+      <p:grpSp>
+        <p:nvGrpSpPr>
+          <p:cNvPr id="33" name="Group 53"/>
+          <p:cNvGrpSpPr>
+            <a:grpSpLocks/>
+          </p:cNvGrpSpPr>
+          <p:nvPr/>
+        </p:nvGrpSpPr>
+        <p:grpSpPr bwMode="auto">
+          <a:xfrm>
+            <a:off x="2067148" y="3081908"/>
+            <a:ext cx="381000" cy="381000"/>
+            <a:chOff x="2078" y="1680"/>
+            <a:chExt cx="1615" cy="1615"/>
+          </a:xfrm>
+        </p:grpSpPr>
+        <p:sp>
+          <p:nvSpPr>
+            <p:cNvPr id="34" name="Oval 54"/>
+            <p:cNvSpPr>
+              <a:spLocks noChangeArrowheads="1"/>
+            </p:cNvSpPr>
+            <p:nvPr/>
+          </p:nvSpPr>
+          <p:spPr bwMode="gray">
+            <a:xfrm>
+              <a:off x="2078" y="1680"/>
+              <a:ext cx="1615" cy="1615"/>
+            </a:xfrm>
+            <a:prstGeom prst="ellipse">
+              <a:avLst/>
+            </a:prstGeom>
+            <a:gradFill rotWithShape="1">
+              <a:gsLst>
+                <a:gs pos="0">
+                  <a:srgbClr val="FFFFFF">
+                    <a:gamma/>
+                    <a:shade val="46275"/>
+                    <a:invGamma/>
+                  </a:srgbClr>
+                </a:gs>
+                <a:gs pos="50000">
+                  <a:srgbClr val="FFFFFF"/>
+                </a:gs>
+                <a:gs pos="100000">
+                  <a:srgbClr val="FFFFFF">
+                    <a:gamma/>
+                    <a:shade val="46275"/>
+                    <a:invGamma/>
+                  </a:srgbClr>
+                </a:gs>
+              </a:gsLst>
+              <a:lin ang="5400000" scaled="1"/>
+            </a:gradFill>
+            <a:ln>
+              <a:noFill/>
+            </a:ln>
+            <a:effectLst/>
+            <a:extLst>
+              <a:ext uri="{91240B29-F687-4F45-9708-019B960494DF}">
+                <a14:hiddenLine xmlns:a14="http://schemas.microsoft.com/office/drawing/2010/main" w="57150" algn="ctr">
+                  <a:solidFill>
+                    <a:schemeClr val="bg1"/>
+                  </a:solidFill>
+                  <a:round/>
+                  <a:headEnd/>
+                  <a:tailEnd/>
+                </a14:hiddenLine>
+              </a:ext>
+              <a:ext uri="{AF507438-7753-43E0-B8FC-AC1667EBCBE1}">
+                <a14:hiddenEffects xmlns:a14="http://schemas.microsoft.com/office/drawing/2010/main">
+                  <a:effectLst>
+                    <a:outerShdw dist="76200" dir="10800000" kx="-3284103" algn="br" rotWithShape="0">
+                      <a:schemeClr val="bg2">
+                        <a:alpha val="50000"/>
+                      </a:schemeClr>
+                    </a:outerShdw>
+                  </a:effectLst>
+                </a14:hiddenEffects>
+              </a:ext>
+            </a:extLst>
+          </p:spPr>
+          <p:txBody>
+            <a:bodyPr wrap="none" anchor="ctr"/>
+            <a:lstStyle/>
+            <a:p>
+              <a:endParaRPr lang="zh-CN" altLang="en-US"/>
+            </a:p>
+          </p:txBody>
+        </p:sp>
+        <p:sp>
+          <p:nvSpPr>
+            <p:cNvPr id="35" name="Oval 55"/>
+            <p:cNvSpPr>
+              <a:spLocks noChangeArrowheads="1"/>
+            </p:cNvSpPr>
+            <p:nvPr/>
+          </p:nvSpPr>
+          <p:spPr bwMode="gray">
+            <a:xfrm>
+              <a:off x="2170" y="1771"/>
+              <a:ext cx="1430" cy="1430"/>
+            </a:xfrm>
+            <a:prstGeom prst="ellipse">
+              <a:avLst/>
+            </a:prstGeom>
+            <a:gradFill rotWithShape="1">
+              <a:gsLst>
+                <a:gs pos="0">
+                  <a:srgbClr val="FFFFFF">
+                    <a:gamma/>
+                    <a:shade val="63529"/>
+                    <a:invGamma/>
+                  </a:srgbClr>
+                </a:gs>
+                <a:gs pos="50000">
+                  <a:srgbClr val="FFFFFF"/>
+                </a:gs>
+                <a:gs pos="100000">
+                  <a:srgbClr val="FFFFFF">
+                    <a:gamma/>
+                    <a:shade val="63529"/>
+                    <a:invGamma/>
+                  </a:srgbClr>
+                </a:gs>
+              </a:gsLst>
+              <a:lin ang="0" scaled="1"/>
+            </a:gradFill>
+            <a:ln>
+              <a:noFill/>
+            </a:ln>
+            <a:effectLst/>
+            <a:extLst>
+              <a:ext uri="{91240B29-F687-4F45-9708-019B960494DF}">
+                <a14:hiddenLine xmlns:a14="http://schemas.microsoft.com/office/drawing/2010/main" w="9525" algn="ctr">
+                  <a:solidFill>
+                    <a:schemeClr val="tx1"/>
+                  </a:solidFill>
+                  <a:round/>
+                  <a:headEnd/>
+                  <a:tailEnd/>
+                </a14:hiddenLine>
+              </a:ext>
+              <a:ext uri="{AF507438-7753-43E0-B8FC-AC1667EBCBE1}">
+                <a14:hiddenEffects xmlns:a14="http://schemas.microsoft.com/office/drawing/2010/main">
+                  <a:effectLst>
+                    <a:outerShdw dist="76200" dir="10800000" kx="-3284103" algn="br" rotWithShape="0">
+                      <a:schemeClr val="bg2">
+                        <a:alpha val="50000"/>
+                      </a:schemeClr>
+                    </a:outerShdw>
+                  </a:effectLst>
+                </a14:hiddenEffects>
+              </a:ext>
+            </a:extLst>
+          </p:spPr>
+          <p:txBody>
+            <a:bodyPr wrap="none" anchor="ctr"/>
+            <a:lstStyle/>
+            <a:p>
+              <a:endParaRPr lang="zh-CN" altLang="en-US"/>
+            </a:p>
+          </p:txBody>
+        </p:sp>
+        <p:sp>
+          <p:nvSpPr>
+            <p:cNvPr id="36" name="Oval 56"/>
+            <p:cNvSpPr>
+              <a:spLocks noChangeArrowheads="1"/>
+            </p:cNvSpPr>
+            <p:nvPr/>
+          </p:nvSpPr>
+          <p:spPr bwMode="gray">
+            <a:xfrm>
+              <a:off x="2254" y="1856"/>
+              <a:ext cx="1262" cy="1264"/>
+            </a:xfrm>
+            <a:prstGeom prst="ellipse">
+              <a:avLst/>
+            </a:prstGeom>
+            <a:gradFill rotWithShape="1">
+              <a:gsLst>
+                <a:gs pos="0">
+                  <a:schemeClr val="hlink">
+                    <a:gamma/>
+                    <a:tint val="0"/>
+                    <a:invGamma/>
+                  </a:schemeClr>
+                </a:gs>
+                <a:gs pos="50000">
+                  <a:schemeClr val="hlink"/>
+                </a:gs>
+                <a:gs pos="100000">
+                  <a:schemeClr val="hlink">
+                    <a:gamma/>
+                    <a:tint val="0"/>
+                    <a:invGamma/>
+                  </a:schemeClr>
+                </a:gs>
+              </a:gsLst>
+              <a:lin ang="2700000" scaled="1"/>
+            </a:gradFill>
+            <a:ln>
+              <a:noFill/>
+            </a:ln>
+            <a:effectLst/>
+            <a:extLst>
+              <a:ext uri="{91240B29-F687-4F45-9708-019B960494DF}">
+                <a14:hiddenLine xmlns:a14="http://schemas.microsoft.com/office/drawing/2010/main" w="38100" algn="ctr">
+                  <a:solidFill>
+                    <a:schemeClr val="bg1"/>
+                  </a:solidFill>
+                  <a:round/>
+                  <a:headEnd/>
+                  <a:tailEnd/>
+                </a14:hiddenLine>
+              </a:ext>
+              <a:ext uri="{AF507438-7753-43E0-B8FC-AC1667EBCBE1}">
+                <a14:hiddenEffects xmlns:a14="http://schemas.microsoft.com/office/drawing/2010/main">
+                  <a:effectLst>
+                    <a:outerShdw dist="109250" dir="3267739" algn="ctr" rotWithShape="0">
+                      <a:srgbClr val="808080">
+                        <a:alpha val="50000"/>
+                      </a:srgbClr>
+                    </a:outerShdw>
+                  </a:effectLst>
+                </a14:hiddenEffects>
+              </a:ext>
+            </a:extLst>
+          </p:spPr>
+          <p:txBody>
+            <a:bodyPr wrap="none" anchor="ctr">
+              <a:spAutoFit/>
+            </a:bodyPr>
+            <a:lstStyle/>
+            <a:p>
+              <a:endParaRPr lang="zh-CN" altLang="en-US"/>
+            </a:p>
+          </p:txBody>
+        </p:sp>
+        <p:sp>
+          <p:nvSpPr>
+            <p:cNvPr id="37" name="Oval 57"/>
+            <p:cNvSpPr>
+              <a:spLocks noChangeArrowheads="1"/>
+            </p:cNvSpPr>
+            <p:nvPr/>
+          </p:nvSpPr>
+          <p:spPr bwMode="gray">
+            <a:xfrm>
+              <a:off x="2254" y="1856"/>
+              <a:ext cx="1262" cy="1264"/>
+            </a:xfrm>
+            <a:prstGeom prst="ellipse">
+              <a:avLst/>
+            </a:prstGeom>
+            <a:gradFill rotWithShape="1">
+              <a:gsLst>
+                <a:gs pos="0">
+                  <a:srgbClr val="FFCC00">
+                    <a:gamma/>
+                    <a:shade val="0"/>
+                    <a:invGamma/>
+                  </a:srgbClr>
+                </a:gs>
+                <a:gs pos="100000">
+                  <a:srgbClr val="FFCC00"/>
+                </a:gs>
+              </a:gsLst>
+              <a:lin ang="2700000" scaled="1"/>
+            </a:gradFill>
+            <a:ln>
+              <a:noFill/>
+            </a:ln>
+            <a:effectLst/>
+            <a:extLst>
+              <a:ext uri="{91240B29-F687-4F45-9708-019B960494DF}">
+                <a14:hiddenLine xmlns:a14="http://schemas.microsoft.com/office/drawing/2010/main" w="38100" algn="ctr">
+                  <a:solidFill>
+                    <a:schemeClr val="bg1"/>
+                  </a:solidFill>
+                  <a:round/>
+                  <a:headEnd/>
+                  <a:tailEnd/>
+                </a14:hiddenLine>
+              </a:ext>
+              <a:ext uri="{AF507438-7753-43E0-B8FC-AC1667EBCBE1}">
+                <a14:hiddenEffects xmlns:a14="http://schemas.microsoft.com/office/drawing/2010/main">
+                  <a:effectLst>
+                    <a:outerShdw dist="109250" dir="3267739" algn="ctr" rotWithShape="0">
+                      <a:srgbClr val="808080">
+                        <a:alpha val="50000"/>
+                      </a:srgbClr>
+                    </a:outerShdw>
+                  </a:effectLst>
+                </a14:hiddenEffects>
+              </a:ext>
+            </a:extLst>
+          </p:spPr>
+          <p:txBody>
+            <a:bodyPr wrap="none" anchor="ctr">
+              <a:spAutoFit/>
+            </a:bodyPr>
+            <a:lstStyle/>
+            <a:p>
+              <a:endParaRPr lang="zh-CN" altLang="en-US"/>
+            </a:p>
+          </p:txBody>
+        </p:sp>
+        <p:sp>
+          <p:nvSpPr>
+            <p:cNvPr id="38" name="Oval 58"/>
+            <p:cNvSpPr>
+              <a:spLocks noChangeArrowheads="1"/>
+            </p:cNvSpPr>
+            <p:nvPr/>
+          </p:nvSpPr>
+          <p:spPr bwMode="gray">
+            <a:xfrm>
+              <a:off x="2337" y="1939"/>
+              <a:ext cx="1096" cy="1098"/>
+            </a:xfrm>
+            <a:prstGeom prst="ellipse">
+              <a:avLst/>
+            </a:prstGeom>
+            <a:gradFill rotWithShape="1">
+              <a:gsLst>
+                <a:gs pos="0">
+                  <a:schemeClr val="hlink">
+                    <a:gamma/>
+                    <a:shade val="54118"/>
+                    <a:invGamma/>
+                  </a:schemeClr>
+                </a:gs>
+                <a:gs pos="50000">
+                  <a:schemeClr val="hlink"/>
+                </a:gs>
+                <a:gs pos="100000">
+                  <a:schemeClr val="hlink">
+                    <a:gamma/>
+                    <a:shade val="54118"/>
+                    <a:invGamma/>
+                  </a:schemeClr>
+                </a:gs>
+              </a:gsLst>
+              <a:lin ang="18900000" scaled="1"/>
+            </a:gradFill>
+            <a:ln>
+              <a:noFill/>
+            </a:ln>
+            <a:effectLst/>
+            <a:extLst>
+              <a:ext uri="{91240B29-F687-4F45-9708-019B960494DF}">
+                <a14:hiddenLine xmlns:a14="http://schemas.microsoft.com/office/drawing/2010/main" w="38100" algn="ctr">
+                  <a:solidFill>
+                    <a:schemeClr val="bg1"/>
+                  </a:solidFill>
+                  <a:round/>
+                  <a:headEnd/>
+                  <a:tailEnd/>
+                </a14:hiddenLine>
+              </a:ext>
+              <a:ext uri="{AF507438-7753-43E0-B8FC-AC1667EBCBE1}">
+                <a14:hiddenEffects xmlns:a14="http://schemas.microsoft.com/office/drawing/2010/main">
+                  <a:effectLst>
+                    <a:outerShdw dist="109250" dir="3267739" algn="ctr" rotWithShape="0">
+                      <a:srgbClr val="808080">
+                        <a:alpha val="50000"/>
+                      </a:srgbClr>
+                    </a:outerShdw>
+                  </a:effectLst>
+                </a14:hiddenEffects>
+              </a:ext>
+            </a:extLst>
+          </p:spPr>
+          <p:txBody>
+            <a:bodyPr anchor="ctr">
+              <a:spAutoFit/>
+            </a:bodyPr>
+            <a:lstStyle/>
+            <a:p>
+              <a:endParaRPr lang="zh-CN" altLang="en-US"/>
+            </a:p>
+          </p:txBody>
+        </p:sp>
+        <p:sp>
+          <p:nvSpPr>
+            <p:cNvPr id="39" name="Oval 59"/>
+            <p:cNvSpPr>
+              <a:spLocks noChangeArrowheads="1"/>
+            </p:cNvSpPr>
+            <p:nvPr/>
+          </p:nvSpPr>
+          <p:spPr bwMode="gray">
+            <a:xfrm>
+              <a:off x="2337" y="1939"/>
+              <a:ext cx="1096" cy="1098"/>
+            </a:xfrm>
+            <a:prstGeom prst="ellipse">
+              <a:avLst/>
+            </a:prstGeom>
+            <a:gradFill rotWithShape="1">
+              <a:gsLst>
+                <a:gs pos="0">
+                  <a:srgbClr val="FFCC00"/>
+                </a:gs>
+                <a:gs pos="100000">
+                  <a:srgbClr val="FFCC00">
+                    <a:gamma/>
+                    <a:shade val="48627"/>
+                    <a:invGamma/>
+                  </a:srgbClr>
+                </a:gs>
+              </a:gsLst>
+              <a:lin ang="2700000" scaled="1"/>
+            </a:gradFill>
+            <a:ln>
+              <a:noFill/>
+            </a:ln>
+            <a:effectLst/>
+            <a:extLst>
+              <a:ext uri="{91240B29-F687-4F45-9708-019B960494DF}">
+                <a14:hiddenLine xmlns:a14="http://schemas.microsoft.com/office/drawing/2010/main" w="38100" algn="ctr">
+                  <a:solidFill>
+                    <a:schemeClr val="bg1"/>
+                  </a:solidFill>
+                  <a:round/>
+                  <a:headEnd/>
+                  <a:tailEnd/>
+                </a14:hiddenLine>
+              </a:ext>
+              <a:ext uri="{AF507438-7753-43E0-B8FC-AC1667EBCBE1}">
+                <a14:hiddenEffects xmlns:a14="http://schemas.microsoft.com/office/drawing/2010/main">
+                  <a:effectLst>
+                    <a:outerShdw dist="109250" dir="3267739" algn="ctr" rotWithShape="0">
+                      <a:srgbClr val="808080">
+                        <a:alpha val="50000"/>
+                      </a:srgbClr>
+                    </a:outerShdw>
+                  </a:effectLst>
+                </a14:hiddenEffects>
+              </a:ext>
+            </a:extLst>
+          </p:spPr>
+          <p:txBody>
+            <a:bodyPr anchor="ctr">
+              <a:spAutoFit/>
+            </a:bodyPr>
+            <a:lstStyle/>
+            <a:p>
+              <a:endParaRPr lang="zh-CN" altLang="en-US"/>
+            </a:p>
+          </p:txBody>
+        </p:sp>
+      </p:grpSp>
     </p:spTree>
   </p:cSld>
   <p:clrMapOvr>
@@ -7312,6 +9446,2063 @@
       </p:par>
     </p:tnLst>
   </p:timing>
+</p:sld>
+</file>
+
+<file path=ppt/slides/slide20.xml><?xml version="1.0" encoding="utf-8"?>
+<p:sld xmlns:a="http://schemas.openxmlformats.org/drawingml/2006/main" xmlns:r="http://schemas.openxmlformats.org/officeDocument/2006/relationships" xmlns:p="http://schemas.openxmlformats.org/presentationml/2006/main">
+  <p:cSld>
+    <p:spTree>
+      <p:nvGrpSpPr>
+        <p:cNvPr id="1" name=""/>
+        <p:cNvGrpSpPr/>
+        <p:nvPr/>
+      </p:nvGrpSpPr>
+      <p:grpSpPr>
+        <a:xfrm>
+          <a:off x="0" y="0"/>
+          <a:ext cx="0" cy="0"/>
+          <a:chOff x="0" y="0"/>
+          <a:chExt cx="0" cy="0"/>
+        </a:xfrm>
+      </p:grpSpPr>
+      <p:sp>
+        <p:nvSpPr>
+          <p:cNvPr id="2" name="标题 1"/>
+          <p:cNvSpPr>
+            <a:spLocks noGrp="1"/>
+          </p:cNvSpPr>
+          <p:nvPr>
+            <p:ph type="title"/>
+          </p:nvPr>
+        </p:nvSpPr>
+        <p:spPr/>
+        <p:txBody>
+          <a:bodyPr/>
+          <a:lstStyle/>
+          <a:p>
+            <a:r>
+              <a:rPr lang="zh-CN" altLang="en-US" dirty="0" smtClean="0"/>
+              <a:t>调度更强大（</a:t>
+            </a:r>
+            <a:r>
+              <a:rPr lang="en-US" altLang="zh-CN" dirty="0" smtClean="0"/>
+              <a:t>1</a:t>
+            </a:r>
+            <a:r>
+              <a:rPr lang="zh-CN" altLang="en-US" dirty="0" smtClean="0"/>
+              <a:t>）</a:t>
+            </a:r>
+            <a:endParaRPr lang="zh-CN" altLang="en-US" dirty="0"/>
+          </a:p>
+        </p:txBody>
+      </p:sp>
+      <p:sp>
+        <p:nvSpPr>
+          <p:cNvPr id="3" name="内容占位符 2"/>
+          <p:cNvSpPr>
+            <a:spLocks noGrp="1"/>
+          </p:cNvSpPr>
+          <p:nvPr>
+            <p:ph idx="1"/>
+          </p:nvPr>
+        </p:nvSpPr>
+        <p:spPr/>
+        <p:txBody>
+          <a:bodyPr/>
+          <a:lstStyle/>
+          <a:p>
+            <a:r>
+              <a:rPr lang="zh-CN" altLang="en-US" dirty="0" smtClean="0"/>
+              <a:t>从</a:t>
+            </a:r>
+            <a:r>
+              <a:rPr lang="en-US" altLang="zh-CN" dirty="0" smtClean="0"/>
+              <a:t>4</a:t>
+            </a:r>
+            <a:r>
+              <a:rPr lang="zh-CN" altLang="en-US" dirty="0" smtClean="0"/>
+              <a:t>个维度进行任务分配：</a:t>
+            </a:r>
+            <a:endParaRPr lang="en-US" altLang="zh-CN" dirty="0" smtClean="0"/>
+          </a:p>
+          <a:p>
+            <a:pPr lvl="1"/>
+            <a:r>
+              <a:rPr lang="en-US" altLang="zh-CN" dirty="0" smtClean="0"/>
+              <a:t>CPU</a:t>
+            </a:r>
+          </a:p>
+          <a:p>
+            <a:pPr lvl="1"/>
+            <a:r>
+              <a:rPr lang="en-US" altLang="zh-CN" dirty="0" smtClean="0"/>
+              <a:t>Memory</a:t>
+            </a:r>
+          </a:p>
+          <a:p>
+            <a:pPr lvl="1"/>
+            <a:r>
+              <a:rPr lang="en-US" altLang="zh-CN" dirty="0" smtClean="0"/>
+              <a:t>Disk</a:t>
+            </a:r>
+          </a:p>
+          <a:p>
+            <a:pPr lvl="1"/>
+            <a:r>
+              <a:rPr lang="en-US" altLang="zh-CN" dirty="0" smtClean="0"/>
+              <a:t>Net</a:t>
+            </a:r>
+          </a:p>
+        </p:txBody>
+      </p:sp>
+      <p:sp>
+        <p:nvSpPr>
+          <p:cNvPr id="4" name="页脚占位符 3"/>
+          <p:cNvSpPr>
+            <a:spLocks noGrp="1"/>
+          </p:cNvSpPr>
+          <p:nvPr>
+            <p:ph type="ftr" sz="quarter" idx="10"/>
+          </p:nvPr>
+        </p:nvSpPr>
+        <p:spPr/>
+        <p:txBody>
+          <a:bodyPr/>
+          <a:lstStyle/>
+          <a:p>
+            <a:r>
+              <a:rPr lang="zh-CN" altLang="en-US" smtClean="0"/>
+              <a:t>封仲淹（</a:t>
+            </a:r>
+            <a:r>
+              <a:rPr lang="en-US" altLang="zh-CN" smtClean="0"/>
+              <a:t>Longda Feng</a:t>
+            </a:r>
+            <a:r>
+              <a:rPr lang="zh-CN" altLang="en-US" smtClean="0"/>
+              <a:t>）</a:t>
+            </a:r>
+            <a:endParaRPr lang="en-US" altLang="zh-CN"/>
+          </a:p>
+        </p:txBody>
+      </p:sp>
+      <p:sp>
+        <p:nvSpPr>
+          <p:cNvPr id="5" name="日期占位符 4"/>
+          <p:cNvSpPr>
+            <a:spLocks noGrp="1"/>
+          </p:cNvSpPr>
+          <p:nvPr>
+            <p:ph type="dt" sz="half" idx="12"/>
+          </p:nvPr>
+        </p:nvSpPr>
+        <p:spPr/>
+        <p:txBody>
+          <a:bodyPr/>
+          <a:lstStyle/>
+          <a:p>
+            <a:r>
+              <a:rPr lang="en-US" altLang="zh-CN" smtClean="0"/>
+              <a:t>Alibaba</a:t>
+            </a:r>
+            <a:endParaRPr lang="en-US" altLang="zh-CN"/>
+          </a:p>
+        </p:txBody>
+      </p:sp>
+    </p:spTree>
+    <p:extLst>
+      <p:ext uri="{BB962C8B-B14F-4D97-AF65-F5344CB8AC3E}">
+        <p14:creationId xmlns:p14="http://schemas.microsoft.com/office/powerpoint/2010/main" val="2671220474"/>
+      </p:ext>
+    </p:extLst>
+  </p:cSld>
+  <p:clrMapOvr>
+    <a:masterClrMapping/>
+  </p:clrMapOvr>
+</p:sld>
+</file>
+
+<file path=ppt/slides/slide21.xml><?xml version="1.0" encoding="utf-8"?>
+<p:sld xmlns:a="http://schemas.openxmlformats.org/drawingml/2006/main" xmlns:r="http://schemas.openxmlformats.org/officeDocument/2006/relationships" xmlns:p="http://schemas.openxmlformats.org/presentationml/2006/main">
+  <p:cSld>
+    <p:spTree>
+      <p:nvGrpSpPr>
+        <p:cNvPr id="1" name=""/>
+        <p:cNvGrpSpPr/>
+        <p:nvPr/>
+      </p:nvGrpSpPr>
+      <p:grpSpPr>
+        <a:xfrm>
+          <a:off x="0" y="0"/>
+          <a:ext cx="0" cy="0"/>
+          <a:chOff x="0" y="0"/>
+          <a:chExt cx="0" cy="0"/>
+        </a:xfrm>
+      </p:grpSpPr>
+      <p:sp>
+        <p:nvSpPr>
+          <p:cNvPr id="2" name="标题 1"/>
+          <p:cNvSpPr>
+            <a:spLocks noGrp="1"/>
+          </p:cNvSpPr>
+          <p:nvPr>
+            <p:ph type="title"/>
+          </p:nvPr>
+        </p:nvSpPr>
+        <p:spPr/>
+        <p:txBody>
+          <a:bodyPr/>
+          <a:lstStyle/>
+          <a:p>
+            <a:r>
+              <a:rPr lang="zh-CN" altLang="en-US" dirty="0" smtClean="0"/>
+              <a:t>调度更强大（</a:t>
+            </a:r>
+            <a:r>
+              <a:rPr lang="en-US" altLang="zh-CN" dirty="0" smtClean="0"/>
+              <a:t>2</a:t>
+            </a:r>
+            <a:r>
+              <a:rPr lang="zh-CN" altLang="en-US" dirty="0" smtClean="0"/>
+              <a:t>）</a:t>
+            </a:r>
+            <a:endParaRPr lang="zh-CN" altLang="en-US" dirty="0"/>
+          </a:p>
+        </p:txBody>
+      </p:sp>
+      <p:sp>
+        <p:nvSpPr>
+          <p:cNvPr id="3" name="内容占位符 2"/>
+          <p:cNvSpPr>
+            <a:spLocks noGrp="1"/>
+          </p:cNvSpPr>
+          <p:nvPr>
+            <p:ph idx="1"/>
+          </p:nvPr>
+        </p:nvSpPr>
+        <p:spPr/>
+        <p:txBody>
+          <a:bodyPr/>
+          <a:lstStyle/>
+          <a:p>
+            <a:r>
+              <a:rPr lang="zh-CN" altLang="en-US" dirty="0" smtClean="0"/>
+              <a:t>默认一个</a:t>
+            </a:r>
+            <a:r>
+              <a:rPr lang="en-US" altLang="zh-CN" dirty="0" smtClean="0"/>
+              <a:t>task</a:t>
+            </a:r>
+            <a:r>
+              <a:rPr lang="zh-CN" altLang="en-US" dirty="0" smtClean="0"/>
+              <a:t>，一个</a:t>
+            </a:r>
+            <a:r>
+              <a:rPr lang="en-US" altLang="zh-CN" dirty="0" err="1" smtClean="0"/>
+              <a:t>cpu</a:t>
+            </a:r>
+            <a:r>
+              <a:rPr lang="en-US" altLang="zh-CN" dirty="0" smtClean="0"/>
+              <a:t> slot</a:t>
+            </a:r>
+          </a:p>
+          <a:p>
+            <a:r>
+              <a:rPr lang="zh-CN" altLang="en-US" dirty="0" smtClean="0"/>
+              <a:t>当</a:t>
+            </a:r>
+            <a:r>
+              <a:rPr lang="en-US" altLang="zh-CN" dirty="0" smtClean="0"/>
+              <a:t>task</a:t>
+            </a:r>
+            <a:r>
+              <a:rPr lang="zh-CN" altLang="en-US" dirty="0" smtClean="0"/>
+              <a:t>消耗更多的</a:t>
+            </a:r>
+            <a:r>
+              <a:rPr lang="en-US" altLang="zh-CN" dirty="0" err="1" smtClean="0"/>
+              <a:t>cpu</a:t>
+            </a:r>
+            <a:r>
+              <a:rPr lang="zh-CN" altLang="en-US" dirty="0" smtClean="0"/>
+              <a:t>时，可以申请更多</a:t>
+            </a:r>
+            <a:r>
+              <a:rPr lang="en-US" altLang="zh-CN" dirty="0" err="1" smtClean="0"/>
+              <a:t>cpu</a:t>
+            </a:r>
+            <a:r>
+              <a:rPr lang="en-US" altLang="zh-CN" dirty="0" smtClean="0"/>
+              <a:t> slot</a:t>
+            </a:r>
+            <a:r>
+              <a:rPr lang="zh-CN" altLang="en-US" dirty="0" smtClean="0"/>
+              <a:t>。</a:t>
+            </a:r>
+            <a:endParaRPr lang="en-US" altLang="zh-CN" dirty="0" smtClean="0"/>
+          </a:p>
+          <a:p>
+            <a:endParaRPr lang="en-US" altLang="zh-CN" dirty="0"/>
+          </a:p>
+          <a:p>
+            <a:endParaRPr lang="en-US" altLang="zh-CN" dirty="0" smtClean="0"/>
+          </a:p>
+          <a:p>
+            <a:r>
+              <a:rPr lang="zh-CN" altLang="en-US" dirty="0" smtClean="0"/>
+              <a:t>需求：</a:t>
+            </a:r>
+            <a:endParaRPr lang="en-US" altLang="zh-CN" dirty="0" smtClean="0"/>
+          </a:p>
+          <a:p>
+            <a:pPr lvl="1"/>
+            <a:r>
+              <a:rPr lang="zh-CN" altLang="en-US" dirty="0" smtClean="0"/>
+              <a:t>解决新上线的任务去抢占老任务的</a:t>
+            </a:r>
+            <a:r>
+              <a:rPr lang="en-US" altLang="zh-CN" dirty="0" err="1" smtClean="0"/>
+              <a:t>cpu</a:t>
+            </a:r>
+            <a:r>
+              <a:rPr lang="zh-CN" altLang="en-US" dirty="0" smtClean="0"/>
+              <a:t>。</a:t>
+            </a:r>
+            <a:endParaRPr lang="en-US" altLang="zh-CN" dirty="0" smtClean="0"/>
+          </a:p>
+          <a:p>
+            <a:pPr lvl="1"/>
+            <a:r>
+              <a:rPr lang="zh-CN" altLang="en-US" dirty="0"/>
+              <a:t>一</a:t>
+            </a:r>
+            <a:r>
+              <a:rPr lang="zh-CN" altLang="en-US" dirty="0" smtClean="0"/>
+              <a:t>淘有些</a:t>
+            </a:r>
+            <a:r>
+              <a:rPr lang="en-US" altLang="zh-CN" dirty="0" smtClean="0"/>
+              <a:t>task</a:t>
+            </a:r>
+            <a:r>
+              <a:rPr lang="zh-CN" altLang="en-US" dirty="0" smtClean="0"/>
+              <a:t>内部起很多线程，单</a:t>
+            </a:r>
+            <a:r>
+              <a:rPr lang="en-US" altLang="zh-CN" dirty="0" smtClean="0"/>
+              <a:t>task</a:t>
+            </a:r>
+            <a:r>
+              <a:rPr lang="zh-CN" altLang="en-US" dirty="0" smtClean="0"/>
+              <a:t>消耗太多</a:t>
+            </a:r>
+            <a:r>
+              <a:rPr lang="en-US" altLang="zh-CN" dirty="0" err="1" smtClean="0"/>
+              <a:t>cpu</a:t>
+            </a:r>
+            <a:endParaRPr lang="zh-CN" altLang="en-US" dirty="0"/>
+          </a:p>
+        </p:txBody>
+      </p:sp>
+      <p:sp>
+        <p:nvSpPr>
+          <p:cNvPr id="4" name="页脚占位符 3"/>
+          <p:cNvSpPr>
+            <a:spLocks noGrp="1"/>
+          </p:cNvSpPr>
+          <p:nvPr>
+            <p:ph type="ftr" sz="quarter" idx="10"/>
+          </p:nvPr>
+        </p:nvSpPr>
+        <p:spPr/>
+        <p:txBody>
+          <a:bodyPr/>
+          <a:lstStyle/>
+          <a:p>
+            <a:r>
+              <a:rPr lang="zh-CN" altLang="en-US" smtClean="0"/>
+              <a:t>封仲淹（</a:t>
+            </a:r>
+            <a:r>
+              <a:rPr lang="en-US" altLang="zh-CN" smtClean="0"/>
+              <a:t>Longda Feng</a:t>
+            </a:r>
+            <a:r>
+              <a:rPr lang="zh-CN" altLang="en-US" smtClean="0"/>
+              <a:t>）</a:t>
+            </a:r>
+            <a:endParaRPr lang="en-US" altLang="zh-CN"/>
+          </a:p>
+        </p:txBody>
+      </p:sp>
+      <p:sp>
+        <p:nvSpPr>
+          <p:cNvPr id="5" name="日期占位符 4"/>
+          <p:cNvSpPr>
+            <a:spLocks noGrp="1"/>
+          </p:cNvSpPr>
+          <p:nvPr>
+            <p:ph type="dt" sz="half" idx="12"/>
+          </p:nvPr>
+        </p:nvSpPr>
+        <p:spPr/>
+        <p:txBody>
+          <a:bodyPr/>
+          <a:lstStyle/>
+          <a:p>
+            <a:r>
+              <a:rPr lang="en-US" altLang="zh-CN" smtClean="0"/>
+              <a:t>Alibaba</a:t>
+            </a:r>
+            <a:endParaRPr lang="en-US" altLang="zh-CN"/>
+          </a:p>
+        </p:txBody>
+      </p:sp>
+    </p:spTree>
+    <p:extLst>
+      <p:ext uri="{BB962C8B-B14F-4D97-AF65-F5344CB8AC3E}">
+        <p14:creationId xmlns:p14="http://schemas.microsoft.com/office/powerpoint/2010/main" val="298756367"/>
+      </p:ext>
+    </p:extLst>
+  </p:cSld>
+  <p:clrMapOvr>
+    <a:masterClrMapping/>
+  </p:clrMapOvr>
+</p:sld>
+</file>
+
+<file path=ppt/slides/slide22.xml><?xml version="1.0" encoding="utf-8"?>
+<p:sld xmlns:a="http://schemas.openxmlformats.org/drawingml/2006/main" xmlns:r="http://schemas.openxmlformats.org/officeDocument/2006/relationships" xmlns:p="http://schemas.openxmlformats.org/presentationml/2006/main">
+  <p:cSld>
+    <p:spTree>
+      <p:nvGrpSpPr>
+        <p:cNvPr id="1" name=""/>
+        <p:cNvGrpSpPr/>
+        <p:nvPr/>
+      </p:nvGrpSpPr>
+      <p:grpSpPr>
+        <a:xfrm>
+          <a:off x="0" y="0"/>
+          <a:ext cx="0" cy="0"/>
+          <a:chOff x="0" y="0"/>
+          <a:chExt cx="0" cy="0"/>
+        </a:xfrm>
+      </p:grpSpPr>
+      <p:sp>
+        <p:nvSpPr>
+          <p:cNvPr id="2" name="标题 1"/>
+          <p:cNvSpPr>
+            <a:spLocks noGrp="1"/>
+          </p:cNvSpPr>
+          <p:nvPr>
+            <p:ph type="title"/>
+          </p:nvPr>
+        </p:nvSpPr>
+        <p:spPr/>
+        <p:txBody>
+          <a:bodyPr/>
+          <a:lstStyle/>
+          <a:p>
+            <a:r>
+              <a:rPr lang="zh-CN" altLang="en-US" dirty="0" smtClean="0"/>
+              <a:t>调度更强大（</a:t>
+            </a:r>
+            <a:r>
+              <a:rPr lang="en-US" altLang="zh-CN" dirty="0" smtClean="0"/>
+              <a:t>3</a:t>
+            </a:r>
+            <a:r>
+              <a:rPr lang="zh-CN" altLang="en-US" dirty="0" smtClean="0"/>
+              <a:t>）</a:t>
+            </a:r>
+            <a:endParaRPr lang="zh-CN" altLang="en-US" dirty="0"/>
+          </a:p>
+        </p:txBody>
+      </p:sp>
+      <p:sp>
+        <p:nvSpPr>
+          <p:cNvPr id="3" name="内容占位符 2"/>
+          <p:cNvSpPr>
+            <a:spLocks noGrp="1"/>
+          </p:cNvSpPr>
+          <p:nvPr>
+            <p:ph idx="1"/>
+          </p:nvPr>
+        </p:nvSpPr>
+        <p:spPr/>
+        <p:txBody>
+          <a:bodyPr/>
+          <a:lstStyle/>
+          <a:p>
+            <a:r>
+              <a:rPr lang="zh-CN" altLang="en-US" dirty="0" smtClean="0"/>
+              <a:t>默认一个</a:t>
+            </a:r>
+            <a:r>
+              <a:rPr lang="en-US" altLang="zh-CN" dirty="0" smtClean="0"/>
+              <a:t>task</a:t>
+            </a:r>
+            <a:r>
+              <a:rPr lang="zh-CN" altLang="en-US" dirty="0" smtClean="0"/>
+              <a:t>，一个</a:t>
+            </a:r>
+            <a:r>
+              <a:rPr lang="en-US" altLang="zh-CN" dirty="0" smtClean="0"/>
+              <a:t>memory slot</a:t>
+            </a:r>
+          </a:p>
+          <a:p>
+            <a:r>
+              <a:rPr lang="zh-CN" altLang="en-US" dirty="0" smtClean="0"/>
+              <a:t>当</a:t>
+            </a:r>
+            <a:r>
+              <a:rPr lang="en-US" altLang="zh-CN" dirty="0" smtClean="0"/>
+              <a:t>task</a:t>
+            </a:r>
+            <a:r>
+              <a:rPr lang="zh-CN" altLang="en-US" dirty="0" smtClean="0"/>
+              <a:t>需要更多内存时，可以申请更多内存</a:t>
+            </a:r>
+            <a:r>
+              <a:rPr lang="en-US" altLang="zh-CN" dirty="0" smtClean="0"/>
+              <a:t>slot</a:t>
+            </a:r>
+          </a:p>
+          <a:p>
+            <a:endParaRPr lang="en-US" altLang="zh-CN" dirty="0" smtClean="0"/>
+          </a:p>
+          <a:p>
+            <a:endParaRPr lang="en-US" altLang="zh-CN" dirty="0"/>
+          </a:p>
+          <a:p>
+            <a:r>
+              <a:rPr lang="zh-CN" altLang="en-US" dirty="0" smtClean="0"/>
+              <a:t>需求：</a:t>
+            </a:r>
+            <a:endParaRPr lang="en-US" altLang="zh-CN" dirty="0" smtClean="0"/>
+          </a:p>
+          <a:p>
+            <a:pPr lvl="1"/>
+            <a:r>
+              <a:rPr lang="zh-CN" altLang="en-US" dirty="0" smtClean="0"/>
+              <a:t>在海狗项目中，</a:t>
+            </a:r>
+            <a:r>
+              <a:rPr lang="en-US" altLang="zh-CN" dirty="0" err="1" smtClean="0"/>
+              <a:t>solr</a:t>
+            </a:r>
+            <a:r>
+              <a:rPr lang="en-US" altLang="zh-CN" dirty="0" smtClean="0"/>
+              <a:t> task</a:t>
+            </a:r>
+            <a:r>
+              <a:rPr lang="zh-CN" altLang="en-US" dirty="0"/>
+              <a:t> </a:t>
+            </a:r>
+            <a:r>
+              <a:rPr lang="zh-CN" altLang="en-US" dirty="0" smtClean="0"/>
+              <a:t>需要</a:t>
+            </a:r>
+            <a:r>
+              <a:rPr lang="en-US" altLang="zh-CN" dirty="0" smtClean="0"/>
+              <a:t>8G</a:t>
+            </a:r>
+            <a:r>
+              <a:rPr lang="zh-CN" altLang="en-US" dirty="0" smtClean="0"/>
+              <a:t>内存，而且其他任务</a:t>
+            </a:r>
+            <a:r>
+              <a:rPr lang="en-US" altLang="zh-CN" dirty="0" smtClean="0"/>
+              <a:t>2G </a:t>
+            </a:r>
+            <a:r>
+              <a:rPr lang="zh-CN" altLang="en-US" dirty="0" smtClean="0"/>
+              <a:t>就够了</a:t>
+            </a:r>
+            <a:endParaRPr lang="zh-CN" altLang="en-US" dirty="0"/>
+          </a:p>
+        </p:txBody>
+      </p:sp>
+      <p:sp>
+        <p:nvSpPr>
+          <p:cNvPr id="4" name="页脚占位符 3"/>
+          <p:cNvSpPr>
+            <a:spLocks noGrp="1"/>
+          </p:cNvSpPr>
+          <p:nvPr>
+            <p:ph type="ftr" sz="quarter" idx="10"/>
+          </p:nvPr>
+        </p:nvSpPr>
+        <p:spPr/>
+        <p:txBody>
+          <a:bodyPr/>
+          <a:lstStyle/>
+          <a:p>
+            <a:r>
+              <a:rPr lang="zh-CN" altLang="en-US" smtClean="0"/>
+              <a:t>封仲淹（</a:t>
+            </a:r>
+            <a:r>
+              <a:rPr lang="en-US" altLang="zh-CN" smtClean="0"/>
+              <a:t>Longda Feng</a:t>
+            </a:r>
+            <a:r>
+              <a:rPr lang="zh-CN" altLang="en-US" smtClean="0"/>
+              <a:t>）</a:t>
+            </a:r>
+            <a:endParaRPr lang="en-US" altLang="zh-CN"/>
+          </a:p>
+        </p:txBody>
+      </p:sp>
+      <p:sp>
+        <p:nvSpPr>
+          <p:cNvPr id="5" name="日期占位符 4"/>
+          <p:cNvSpPr>
+            <a:spLocks noGrp="1"/>
+          </p:cNvSpPr>
+          <p:nvPr>
+            <p:ph type="dt" sz="half" idx="12"/>
+          </p:nvPr>
+        </p:nvSpPr>
+        <p:spPr/>
+        <p:txBody>
+          <a:bodyPr/>
+          <a:lstStyle/>
+          <a:p>
+            <a:r>
+              <a:rPr lang="en-US" altLang="zh-CN" smtClean="0"/>
+              <a:t>Alibaba</a:t>
+            </a:r>
+            <a:endParaRPr lang="en-US" altLang="zh-CN"/>
+          </a:p>
+        </p:txBody>
+      </p:sp>
+    </p:spTree>
+    <p:extLst>
+      <p:ext uri="{BB962C8B-B14F-4D97-AF65-F5344CB8AC3E}">
+        <p14:creationId xmlns:p14="http://schemas.microsoft.com/office/powerpoint/2010/main" val="74591812"/>
+      </p:ext>
+    </p:extLst>
+  </p:cSld>
+  <p:clrMapOvr>
+    <a:masterClrMapping/>
+  </p:clrMapOvr>
+</p:sld>
+</file>
+
+<file path=ppt/slides/slide23.xml><?xml version="1.0" encoding="utf-8"?>
+<p:sld xmlns:a="http://schemas.openxmlformats.org/drawingml/2006/main" xmlns:r="http://schemas.openxmlformats.org/officeDocument/2006/relationships" xmlns:p="http://schemas.openxmlformats.org/presentationml/2006/main">
+  <p:cSld>
+    <p:spTree>
+      <p:nvGrpSpPr>
+        <p:cNvPr id="1" name=""/>
+        <p:cNvGrpSpPr/>
+        <p:nvPr/>
+      </p:nvGrpSpPr>
+      <p:grpSpPr>
+        <a:xfrm>
+          <a:off x="0" y="0"/>
+          <a:ext cx="0" cy="0"/>
+          <a:chOff x="0" y="0"/>
+          <a:chExt cx="0" cy="0"/>
+        </a:xfrm>
+      </p:grpSpPr>
+      <p:sp>
+        <p:nvSpPr>
+          <p:cNvPr id="2" name="标题 1"/>
+          <p:cNvSpPr>
+            <a:spLocks noGrp="1"/>
+          </p:cNvSpPr>
+          <p:nvPr>
+            <p:ph type="title"/>
+          </p:nvPr>
+        </p:nvSpPr>
+        <p:spPr/>
+        <p:txBody>
+          <a:bodyPr/>
+          <a:lstStyle/>
+          <a:p>
+            <a:r>
+              <a:rPr lang="zh-CN" altLang="en-US" dirty="0" smtClean="0"/>
+              <a:t>调度更强大（</a:t>
+            </a:r>
+            <a:r>
+              <a:rPr lang="en-US" altLang="zh-CN" dirty="0" smtClean="0"/>
+              <a:t>4</a:t>
+            </a:r>
+            <a:r>
+              <a:rPr lang="zh-CN" altLang="en-US" dirty="0" smtClean="0"/>
+              <a:t>）</a:t>
+            </a:r>
+            <a:endParaRPr lang="zh-CN" altLang="en-US" dirty="0"/>
+          </a:p>
+        </p:txBody>
+      </p:sp>
+      <p:sp>
+        <p:nvSpPr>
+          <p:cNvPr id="3" name="内容占位符 2"/>
+          <p:cNvSpPr>
+            <a:spLocks noGrp="1"/>
+          </p:cNvSpPr>
+          <p:nvPr>
+            <p:ph idx="1"/>
+          </p:nvPr>
+        </p:nvSpPr>
+        <p:spPr/>
+        <p:txBody>
+          <a:bodyPr/>
+          <a:lstStyle/>
+          <a:p>
+            <a:r>
+              <a:rPr lang="zh-CN" altLang="en-US" dirty="0" smtClean="0"/>
+              <a:t>默认</a:t>
+            </a:r>
+            <a:r>
+              <a:rPr lang="en-US" altLang="zh-CN" dirty="0" smtClean="0"/>
+              <a:t>task</a:t>
+            </a:r>
+            <a:r>
+              <a:rPr lang="zh-CN" altLang="en-US" dirty="0" smtClean="0"/>
+              <a:t>，不申请</a:t>
+            </a:r>
+            <a:r>
+              <a:rPr lang="en-US" altLang="zh-CN" dirty="0" smtClean="0"/>
+              <a:t>disk slot</a:t>
+            </a:r>
+          </a:p>
+          <a:p>
+            <a:r>
+              <a:rPr lang="zh-CN" altLang="en-US" dirty="0" smtClean="0"/>
+              <a:t>当</a:t>
+            </a:r>
+            <a:r>
+              <a:rPr lang="en-US" altLang="zh-CN" dirty="0" smtClean="0"/>
+              <a:t>task </a:t>
+            </a:r>
+            <a:r>
+              <a:rPr lang="zh-CN" altLang="en-US" dirty="0" smtClean="0"/>
+              <a:t>磁盘</a:t>
+            </a:r>
+            <a:r>
+              <a:rPr lang="en-US" altLang="zh-CN" dirty="0" smtClean="0"/>
+              <a:t>IO</a:t>
+            </a:r>
+            <a:r>
+              <a:rPr lang="zh-CN" altLang="en-US" dirty="0" smtClean="0"/>
+              <a:t>较重时，可以申请</a:t>
+            </a:r>
+            <a:r>
+              <a:rPr lang="en-US" altLang="zh-CN" dirty="0" smtClean="0"/>
+              <a:t>disk slot</a:t>
+            </a:r>
+          </a:p>
+          <a:p>
+            <a:endParaRPr lang="en-US" altLang="zh-CN" dirty="0"/>
+          </a:p>
+          <a:p>
+            <a:endParaRPr lang="en-US" altLang="zh-CN" dirty="0"/>
+          </a:p>
+          <a:p>
+            <a:r>
+              <a:rPr lang="zh-CN" altLang="en-US" dirty="0" smtClean="0"/>
+              <a:t>需求：</a:t>
+            </a:r>
+            <a:endParaRPr lang="en-US" altLang="zh-CN" dirty="0" smtClean="0"/>
+          </a:p>
+          <a:p>
+            <a:pPr lvl="1"/>
+            <a:r>
+              <a:rPr lang="zh-CN" altLang="en-US" dirty="0" smtClean="0"/>
+              <a:t>海狗</a:t>
+            </a:r>
+            <a:r>
+              <a:rPr lang="en-US" altLang="zh-CN" dirty="0" smtClean="0"/>
+              <a:t>/</a:t>
+            </a:r>
+            <a:r>
+              <a:rPr lang="zh-CN" altLang="en-US" dirty="0" smtClean="0"/>
+              <a:t>实时同步项目中，</a:t>
+            </a:r>
+            <a:r>
+              <a:rPr lang="en-US" altLang="zh-CN" dirty="0" smtClean="0"/>
+              <a:t>task</a:t>
+            </a:r>
+            <a:r>
+              <a:rPr lang="zh-CN" altLang="en-US" dirty="0" smtClean="0"/>
+              <a:t>有较重的本地磁盘读写操作</a:t>
+            </a:r>
+            <a:endParaRPr lang="zh-CN" altLang="en-US" dirty="0"/>
+          </a:p>
+        </p:txBody>
+      </p:sp>
+      <p:sp>
+        <p:nvSpPr>
+          <p:cNvPr id="4" name="页脚占位符 3"/>
+          <p:cNvSpPr>
+            <a:spLocks noGrp="1"/>
+          </p:cNvSpPr>
+          <p:nvPr>
+            <p:ph type="ftr" sz="quarter" idx="10"/>
+          </p:nvPr>
+        </p:nvSpPr>
+        <p:spPr/>
+        <p:txBody>
+          <a:bodyPr/>
+          <a:lstStyle/>
+          <a:p>
+            <a:r>
+              <a:rPr lang="zh-CN" altLang="en-US" smtClean="0"/>
+              <a:t>封仲淹（</a:t>
+            </a:r>
+            <a:r>
+              <a:rPr lang="en-US" altLang="zh-CN" smtClean="0"/>
+              <a:t>Longda Feng</a:t>
+            </a:r>
+            <a:r>
+              <a:rPr lang="zh-CN" altLang="en-US" smtClean="0"/>
+              <a:t>）</a:t>
+            </a:r>
+            <a:endParaRPr lang="en-US" altLang="zh-CN"/>
+          </a:p>
+        </p:txBody>
+      </p:sp>
+      <p:sp>
+        <p:nvSpPr>
+          <p:cNvPr id="5" name="日期占位符 4"/>
+          <p:cNvSpPr>
+            <a:spLocks noGrp="1"/>
+          </p:cNvSpPr>
+          <p:nvPr>
+            <p:ph type="dt" sz="half" idx="12"/>
+          </p:nvPr>
+        </p:nvSpPr>
+        <p:spPr/>
+        <p:txBody>
+          <a:bodyPr/>
+          <a:lstStyle/>
+          <a:p>
+            <a:r>
+              <a:rPr lang="en-US" altLang="zh-CN" smtClean="0"/>
+              <a:t>Alibaba</a:t>
+            </a:r>
+            <a:endParaRPr lang="en-US" altLang="zh-CN"/>
+          </a:p>
+        </p:txBody>
+      </p:sp>
+    </p:spTree>
+    <p:extLst>
+      <p:ext uri="{BB962C8B-B14F-4D97-AF65-F5344CB8AC3E}">
+        <p14:creationId xmlns:p14="http://schemas.microsoft.com/office/powerpoint/2010/main" val="1038775007"/>
+      </p:ext>
+    </p:extLst>
+  </p:cSld>
+  <p:clrMapOvr>
+    <a:masterClrMapping/>
+  </p:clrMapOvr>
+</p:sld>
+</file>
+
+<file path=ppt/slides/slide24.xml><?xml version="1.0" encoding="utf-8"?>
+<p:sld xmlns:a="http://schemas.openxmlformats.org/drawingml/2006/main" xmlns:r="http://schemas.openxmlformats.org/officeDocument/2006/relationships" xmlns:p="http://schemas.openxmlformats.org/presentationml/2006/main">
+  <p:cSld>
+    <p:spTree>
+      <p:nvGrpSpPr>
+        <p:cNvPr id="1" name=""/>
+        <p:cNvGrpSpPr/>
+        <p:nvPr/>
+      </p:nvGrpSpPr>
+      <p:grpSpPr>
+        <a:xfrm>
+          <a:off x="0" y="0"/>
+          <a:ext cx="0" cy="0"/>
+          <a:chOff x="0" y="0"/>
+          <a:chExt cx="0" cy="0"/>
+        </a:xfrm>
+      </p:grpSpPr>
+      <p:sp>
+        <p:nvSpPr>
+          <p:cNvPr id="2" name="标题 1"/>
+          <p:cNvSpPr>
+            <a:spLocks noGrp="1"/>
+          </p:cNvSpPr>
+          <p:nvPr>
+            <p:ph type="title"/>
+          </p:nvPr>
+        </p:nvSpPr>
+        <p:spPr/>
+        <p:txBody>
+          <a:bodyPr/>
+          <a:lstStyle/>
+          <a:p>
+            <a:r>
+              <a:rPr lang="zh-CN" altLang="en-US" dirty="0" smtClean="0"/>
+              <a:t>调度更强大（</a:t>
+            </a:r>
+            <a:r>
+              <a:rPr lang="en-US" altLang="zh-CN" dirty="0" smtClean="0"/>
+              <a:t>5</a:t>
+            </a:r>
+            <a:r>
+              <a:rPr lang="zh-CN" altLang="en-US" dirty="0" smtClean="0"/>
+              <a:t>）</a:t>
+            </a:r>
+            <a:endParaRPr lang="zh-CN" altLang="en-US" dirty="0"/>
+          </a:p>
+        </p:txBody>
+      </p:sp>
+      <p:sp>
+        <p:nvSpPr>
+          <p:cNvPr id="3" name="内容占位符 2"/>
+          <p:cNvSpPr>
+            <a:spLocks noGrp="1"/>
+          </p:cNvSpPr>
+          <p:nvPr>
+            <p:ph idx="1"/>
+          </p:nvPr>
+        </p:nvSpPr>
+        <p:spPr/>
+        <p:txBody>
+          <a:bodyPr/>
+          <a:lstStyle/>
+          <a:p>
+            <a:r>
+              <a:rPr lang="zh-CN" altLang="en-US" dirty="0" smtClean="0"/>
+              <a:t>可以强制某个</a:t>
+            </a:r>
+            <a:r>
+              <a:rPr lang="en-US" altLang="zh-CN" dirty="0" smtClean="0"/>
+              <a:t>component</a:t>
+            </a:r>
+            <a:r>
+              <a:rPr lang="zh-CN" altLang="en-US" dirty="0" smtClean="0"/>
+              <a:t>的</a:t>
+            </a:r>
+            <a:r>
+              <a:rPr lang="en-US" altLang="zh-CN" dirty="0" smtClean="0"/>
+              <a:t>task</a:t>
+            </a:r>
+            <a:r>
+              <a:rPr lang="zh-CN" altLang="en-US" dirty="0"/>
+              <a:t> </a:t>
+            </a:r>
+            <a:r>
+              <a:rPr lang="zh-CN" altLang="en-US" dirty="0" smtClean="0"/>
+              <a:t>运行在不同的节点上</a:t>
+            </a:r>
+            <a:endParaRPr lang="en-US" altLang="zh-CN" dirty="0" smtClean="0"/>
+          </a:p>
+          <a:p>
+            <a:endParaRPr lang="en-US" altLang="zh-CN" dirty="0"/>
+          </a:p>
+          <a:p>
+            <a:endParaRPr lang="en-US" altLang="zh-CN" dirty="0"/>
+          </a:p>
+          <a:p>
+            <a:r>
+              <a:rPr lang="zh-CN" altLang="en-US" dirty="0" smtClean="0"/>
+              <a:t>需求：</a:t>
+            </a:r>
+            <a:endParaRPr lang="en-US" altLang="zh-CN" dirty="0" smtClean="0"/>
+          </a:p>
+          <a:p>
+            <a:pPr lvl="1"/>
+            <a:r>
+              <a:rPr lang="zh-CN" altLang="en-US" dirty="0" smtClean="0"/>
+              <a:t>聚石塔，海狗项目，某些</a:t>
+            </a:r>
+            <a:r>
+              <a:rPr lang="en-US" altLang="zh-CN" dirty="0" smtClean="0"/>
+              <a:t>task</a:t>
+            </a:r>
+            <a:r>
+              <a:rPr lang="zh-CN" altLang="en-US" dirty="0" smtClean="0"/>
+              <a:t>提供</a:t>
+            </a:r>
+            <a:r>
+              <a:rPr lang="en-US" altLang="zh-CN" dirty="0" smtClean="0"/>
+              <a:t>web service</a:t>
+            </a:r>
+            <a:r>
+              <a:rPr lang="zh-CN" altLang="en-US" dirty="0" smtClean="0"/>
+              <a:t>服务，为了端口不冲突，因此必须强制这些</a:t>
+            </a:r>
+            <a:r>
+              <a:rPr lang="en-US" altLang="zh-CN" dirty="0" smtClean="0"/>
+              <a:t>task</a:t>
+            </a:r>
+            <a:r>
+              <a:rPr lang="zh-CN" altLang="en-US" dirty="0" smtClean="0"/>
+              <a:t>运行在不同节点上</a:t>
+            </a:r>
+            <a:endParaRPr lang="zh-CN" altLang="en-US" dirty="0"/>
+          </a:p>
+        </p:txBody>
+      </p:sp>
+      <p:sp>
+        <p:nvSpPr>
+          <p:cNvPr id="4" name="页脚占位符 3"/>
+          <p:cNvSpPr>
+            <a:spLocks noGrp="1"/>
+          </p:cNvSpPr>
+          <p:nvPr>
+            <p:ph type="ftr" sz="quarter" idx="10"/>
+          </p:nvPr>
+        </p:nvSpPr>
+        <p:spPr/>
+        <p:txBody>
+          <a:bodyPr/>
+          <a:lstStyle/>
+          <a:p>
+            <a:r>
+              <a:rPr lang="zh-CN" altLang="en-US" smtClean="0"/>
+              <a:t>封仲淹（</a:t>
+            </a:r>
+            <a:r>
+              <a:rPr lang="en-US" altLang="zh-CN" smtClean="0"/>
+              <a:t>Longda Feng</a:t>
+            </a:r>
+            <a:r>
+              <a:rPr lang="zh-CN" altLang="en-US" smtClean="0"/>
+              <a:t>）</a:t>
+            </a:r>
+            <a:endParaRPr lang="en-US" altLang="zh-CN"/>
+          </a:p>
+        </p:txBody>
+      </p:sp>
+      <p:sp>
+        <p:nvSpPr>
+          <p:cNvPr id="5" name="日期占位符 4"/>
+          <p:cNvSpPr>
+            <a:spLocks noGrp="1"/>
+          </p:cNvSpPr>
+          <p:nvPr>
+            <p:ph type="dt" sz="half" idx="12"/>
+          </p:nvPr>
+        </p:nvSpPr>
+        <p:spPr/>
+        <p:txBody>
+          <a:bodyPr/>
+          <a:lstStyle/>
+          <a:p>
+            <a:r>
+              <a:rPr lang="en-US" altLang="zh-CN" smtClean="0"/>
+              <a:t>Alibaba</a:t>
+            </a:r>
+            <a:endParaRPr lang="en-US" altLang="zh-CN"/>
+          </a:p>
+        </p:txBody>
+      </p:sp>
+    </p:spTree>
+    <p:extLst>
+      <p:ext uri="{BB962C8B-B14F-4D97-AF65-F5344CB8AC3E}">
+        <p14:creationId xmlns:p14="http://schemas.microsoft.com/office/powerpoint/2010/main" val="2137927883"/>
+      </p:ext>
+    </p:extLst>
+  </p:cSld>
+  <p:clrMapOvr>
+    <a:masterClrMapping/>
+  </p:clrMapOvr>
+</p:sld>
+</file>
+
+<file path=ppt/slides/slide25.xml><?xml version="1.0" encoding="utf-8"?>
+<p:sld xmlns:a="http://schemas.openxmlformats.org/drawingml/2006/main" xmlns:r="http://schemas.openxmlformats.org/officeDocument/2006/relationships" xmlns:p="http://schemas.openxmlformats.org/presentationml/2006/main">
+  <p:cSld>
+    <p:spTree>
+      <p:nvGrpSpPr>
+        <p:cNvPr id="1" name=""/>
+        <p:cNvGrpSpPr/>
+        <p:nvPr/>
+      </p:nvGrpSpPr>
+      <p:grpSpPr>
+        <a:xfrm>
+          <a:off x="0" y="0"/>
+          <a:ext cx="0" cy="0"/>
+          <a:chOff x="0" y="0"/>
+          <a:chExt cx="0" cy="0"/>
+        </a:xfrm>
+      </p:grpSpPr>
+      <p:sp>
+        <p:nvSpPr>
+          <p:cNvPr id="2" name="标题 1"/>
+          <p:cNvSpPr>
+            <a:spLocks noGrp="1"/>
+          </p:cNvSpPr>
+          <p:nvPr>
+            <p:ph type="title"/>
+          </p:nvPr>
+        </p:nvSpPr>
+        <p:spPr/>
+        <p:txBody>
+          <a:bodyPr/>
+          <a:lstStyle/>
+          <a:p>
+            <a:r>
+              <a:rPr lang="zh-CN" altLang="en-US" dirty="0" smtClean="0"/>
+              <a:t>调度更强大（</a:t>
+            </a:r>
+            <a:r>
+              <a:rPr lang="en-US" altLang="zh-CN" dirty="0" smtClean="0"/>
+              <a:t>6</a:t>
+            </a:r>
+            <a:r>
+              <a:rPr lang="zh-CN" altLang="en-US" dirty="0" smtClean="0"/>
+              <a:t>）</a:t>
+            </a:r>
+            <a:endParaRPr lang="zh-CN" altLang="en-US" dirty="0"/>
+          </a:p>
+        </p:txBody>
+      </p:sp>
+      <p:sp>
+        <p:nvSpPr>
+          <p:cNvPr id="3" name="内容占位符 2"/>
+          <p:cNvSpPr>
+            <a:spLocks noGrp="1"/>
+          </p:cNvSpPr>
+          <p:nvPr>
+            <p:ph idx="1"/>
+          </p:nvPr>
+        </p:nvSpPr>
+        <p:spPr/>
+        <p:txBody>
+          <a:bodyPr/>
+          <a:lstStyle/>
+          <a:p>
+            <a:r>
+              <a:rPr lang="zh-CN" altLang="en-US" dirty="0" smtClean="0"/>
+              <a:t>可以强制</a:t>
+            </a:r>
+            <a:r>
+              <a:rPr lang="en-US" altLang="zh-CN" dirty="0" smtClean="0"/>
+              <a:t>topology</a:t>
+            </a:r>
+            <a:r>
+              <a:rPr lang="zh-CN" altLang="en-US" dirty="0" smtClean="0"/>
+              <a:t>运行在单独一个节点上</a:t>
+            </a:r>
+            <a:endParaRPr lang="en-US" altLang="zh-CN" dirty="0" smtClean="0"/>
+          </a:p>
+          <a:p>
+            <a:endParaRPr lang="en-US" altLang="zh-CN" dirty="0"/>
+          </a:p>
+          <a:p>
+            <a:endParaRPr lang="en-US" altLang="zh-CN" dirty="0" smtClean="0"/>
+          </a:p>
+          <a:p>
+            <a:r>
+              <a:rPr lang="zh-CN" altLang="en-US" dirty="0" smtClean="0"/>
+              <a:t>需求：</a:t>
+            </a:r>
+            <a:endParaRPr lang="en-US" altLang="zh-CN" dirty="0" smtClean="0"/>
+          </a:p>
+          <a:p>
+            <a:pPr lvl="1"/>
+            <a:r>
+              <a:rPr lang="zh-CN" altLang="en-US" dirty="0" smtClean="0"/>
+              <a:t>节省网络带宽</a:t>
+            </a:r>
+            <a:endParaRPr lang="en-US" altLang="zh-CN" dirty="0" smtClean="0"/>
+          </a:p>
+          <a:p>
+            <a:pPr lvl="1"/>
+            <a:r>
+              <a:rPr lang="en-US" altLang="zh-CN" dirty="0" err="1" smtClean="0"/>
+              <a:t>Tlog</a:t>
+            </a:r>
+            <a:r>
+              <a:rPr lang="zh-CN" altLang="en-US" dirty="0" smtClean="0"/>
+              <a:t>中大量小</a:t>
+            </a:r>
+            <a:r>
+              <a:rPr lang="en-US" altLang="zh-CN" dirty="0" smtClean="0"/>
+              <a:t>topology</a:t>
+            </a:r>
+            <a:r>
+              <a:rPr lang="zh-CN" altLang="en-US" dirty="0" smtClean="0"/>
+              <a:t>，为了减少网络开销，强制任务分配到一个节点上</a:t>
+            </a:r>
+            <a:endParaRPr lang="zh-CN" altLang="en-US" dirty="0"/>
+          </a:p>
+        </p:txBody>
+      </p:sp>
+      <p:sp>
+        <p:nvSpPr>
+          <p:cNvPr id="4" name="页脚占位符 3"/>
+          <p:cNvSpPr>
+            <a:spLocks noGrp="1"/>
+          </p:cNvSpPr>
+          <p:nvPr>
+            <p:ph type="ftr" sz="quarter" idx="10"/>
+          </p:nvPr>
+        </p:nvSpPr>
+        <p:spPr/>
+        <p:txBody>
+          <a:bodyPr/>
+          <a:lstStyle/>
+          <a:p>
+            <a:r>
+              <a:rPr lang="zh-CN" altLang="en-US" smtClean="0"/>
+              <a:t>封仲淹（</a:t>
+            </a:r>
+            <a:r>
+              <a:rPr lang="en-US" altLang="zh-CN" smtClean="0"/>
+              <a:t>Longda Feng</a:t>
+            </a:r>
+            <a:r>
+              <a:rPr lang="zh-CN" altLang="en-US" smtClean="0"/>
+              <a:t>）</a:t>
+            </a:r>
+            <a:endParaRPr lang="en-US" altLang="zh-CN"/>
+          </a:p>
+        </p:txBody>
+      </p:sp>
+      <p:sp>
+        <p:nvSpPr>
+          <p:cNvPr id="5" name="日期占位符 4"/>
+          <p:cNvSpPr>
+            <a:spLocks noGrp="1"/>
+          </p:cNvSpPr>
+          <p:nvPr>
+            <p:ph type="dt" sz="half" idx="12"/>
+          </p:nvPr>
+        </p:nvSpPr>
+        <p:spPr/>
+        <p:txBody>
+          <a:bodyPr/>
+          <a:lstStyle/>
+          <a:p>
+            <a:r>
+              <a:rPr lang="en-US" altLang="zh-CN" smtClean="0"/>
+              <a:t>Alibaba</a:t>
+            </a:r>
+            <a:endParaRPr lang="en-US" altLang="zh-CN"/>
+          </a:p>
+        </p:txBody>
+      </p:sp>
+    </p:spTree>
+    <p:extLst>
+      <p:ext uri="{BB962C8B-B14F-4D97-AF65-F5344CB8AC3E}">
+        <p14:creationId xmlns:p14="http://schemas.microsoft.com/office/powerpoint/2010/main" val="4105943428"/>
+      </p:ext>
+    </p:extLst>
+  </p:cSld>
+  <p:clrMapOvr>
+    <a:masterClrMapping/>
+  </p:clrMapOvr>
+</p:sld>
+</file>
+
+<file path=ppt/slides/slide26.xml><?xml version="1.0" encoding="utf-8"?>
+<p:sld xmlns:a="http://schemas.openxmlformats.org/drawingml/2006/main" xmlns:r="http://schemas.openxmlformats.org/officeDocument/2006/relationships" xmlns:p="http://schemas.openxmlformats.org/presentationml/2006/main">
+  <p:cSld>
+    <p:spTree>
+      <p:nvGrpSpPr>
+        <p:cNvPr id="1" name=""/>
+        <p:cNvGrpSpPr/>
+        <p:nvPr/>
+      </p:nvGrpSpPr>
+      <p:grpSpPr>
+        <a:xfrm>
+          <a:off x="0" y="0"/>
+          <a:ext cx="0" cy="0"/>
+          <a:chOff x="0" y="0"/>
+          <a:chExt cx="0" cy="0"/>
+        </a:xfrm>
+      </p:grpSpPr>
+      <p:sp>
+        <p:nvSpPr>
+          <p:cNvPr id="2" name="标题 1"/>
+          <p:cNvSpPr>
+            <a:spLocks noGrp="1"/>
+          </p:cNvSpPr>
+          <p:nvPr>
+            <p:ph type="title"/>
+          </p:nvPr>
+        </p:nvSpPr>
+        <p:spPr/>
+        <p:txBody>
+          <a:bodyPr/>
+          <a:lstStyle/>
+          <a:p>
+            <a:r>
+              <a:rPr lang="zh-CN" altLang="en-US" dirty="0" smtClean="0"/>
+              <a:t>调度更强大（</a:t>
+            </a:r>
+            <a:r>
+              <a:rPr lang="en-US" altLang="zh-CN" dirty="0" smtClean="0"/>
+              <a:t>7</a:t>
+            </a:r>
+            <a:r>
+              <a:rPr lang="zh-CN" altLang="en-US" dirty="0" smtClean="0"/>
+              <a:t>）</a:t>
+            </a:r>
+            <a:endParaRPr lang="zh-CN" altLang="en-US" dirty="0"/>
+          </a:p>
+        </p:txBody>
+      </p:sp>
+      <p:sp>
+        <p:nvSpPr>
+          <p:cNvPr id="3" name="内容占位符 2"/>
+          <p:cNvSpPr>
+            <a:spLocks noGrp="1"/>
+          </p:cNvSpPr>
+          <p:nvPr>
+            <p:ph idx="1"/>
+          </p:nvPr>
+        </p:nvSpPr>
+        <p:spPr/>
+        <p:txBody>
+          <a:bodyPr/>
+          <a:lstStyle/>
+          <a:p>
+            <a:r>
+              <a:rPr lang="zh-CN" altLang="en-US" dirty="0" smtClean="0"/>
+              <a:t>可以自定义任务分配</a:t>
+            </a:r>
+            <a:endParaRPr lang="en-US" altLang="zh-CN" dirty="0" smtClean="0"/>
+          </a:p>
+          <a:p>
+            <a:pPr lvl="1"/>
+            <a:r>
+              <a:rPr lang="zh-CN" altLang="en-US" dirty="0" smtClean="0"/>
+              <a:t>提前预约任务分配到哪台机器上，哪个端口，多少个</a:t>
+            </a:r>
+            <a:r>
+              <a:rPr lang="en-US" altLang="zh-CN" dirty="0" err="1" smtClean="0"/>
+              <a:t>cpu</a:t>
+            </a:r>
+            <a:r>
+              <a:rPr lang="en-US" altLang="zh-CN" dirty="0" smtClean="0"/>
+              <a:t> slot</a:t>
+            </a:r>
+            <a:r>
+              <a:rPr lang="zh-CN" altLang="en-US" dirty="0" smtClean="0"/>
+              <a:t>，多少内存，是否申请磁盘</a:t>
+            </a:r>
+            <a:endParaRPr lang="en-US" altLang="zh-CN" dirty="0" smtClean="0"/>
+          </a:p>
+          <a:p>
+            <a:pPr lvl="1"/>
+            <a:endParaRPr lang="en-US" altLang="zh-CN" dirty="0"/>
+          </a:p>
+          <a:p>
+            <a:pPr lvl="1"/>
+            <a:endParaRPr lang="en-US" altLang="zh-CN" dirty="0"/>
+          </a:p>
+          <a:p>
+            <a:r>
+              <a:rPr lang="zh-CN" altLang="en-US" dirty="0" smtClean="0"/>
+              <a:t>需求：</a:t>
+            </a:r>
+            <a:endParaRPr lang="en-US" altLang="zh-CN" dirty="0" smtClean="0"/>
+          </a:p>
+          <a:p>
+            <a:pPr lvl="1"/>
+            <a:r>
+              <a:rPr lang="zh-CN" altLang="en-US" dirty="0" smtClean="0"/>
+              <a:t>海狗项目中，部分</a:t>
+            </a:r>
+            <a:r>
+              <a:rPr lang="en-US" altLang="zh-CN" dirty="0" smtClean="0"/>
+              <a:t>task</a:t>
+            </a:r>
+            <a:r>
+              <a:rPr lang="zh-CN" altLang="en-US" dirty="0" smtClean="0"/>
+              <a:t>期望分配到某些节点上</a:t>
+            </a:r>
+            <a:endParaRPr lang="zh-CN" altLang="en-US" dirty="0"/>
+          </a:p>
+        </p:txBody>
+      </p:sp>
+      <p:sp>
+        <p:nvSpPr>
+          <p:cNvPr id="4" name="页脚占位符 3"/>
+          <p:cNvSpPr>
+            <a:spLocks noGrp="1"/>
+          </p:cNvSpPr>
+          <p:nvPr>
+            <p:ph type="ftr" sz="quarter" idx="10"/>
+          </p:nvPr>
+        </p:nvSpPr>
+        <p:spPr/>
+        <p:txBody>
+          <a:bodyPr/>
+          <a:lstStyle/>
+          <a:p>
+            <a:r>
+              <a:rPr lang="zh-CN" altLang="en-US" smtClean="0"/>
+              <a:t>封仲淹（</a:t>
+            </a:r>
+            <a:r>
+              <a:rPr lang="en-US" altLang="zh-CN" smtClean="0"/>
+              <a:t>Longda Feng</a:t>
+            </a:r>
+            <a:r>
+              <a:rPr lang="zh-CN" altLang="en-US" smtClean="0"/>
+              <a:t>）</a:t>
+            </a:r>
+            <a:endParaRPr lang="en-US" altLang="zh-CN"/>
+          </a:p>
+        </p:txBody>
+      </p:sp>
+      <p:sp>
+        <p:nvSpPr>
+          <p:cNvPr id="5" name="日期占位符 4"/>
+          <p:cNvSpPr>
+            <a:spLocks noGrp="1"/>
+          </p:cNvSpPr>
+          <p:nvPr>
+            <p:ph type="dt" sz="half" idx="12"/>
+          </p:nvPr>
+        </p:nvSpPr>
+        <p:spPr/>
+        <p:txBody>
+          <a:bodyPr/>
+          <a:lstStyle/>
+          <a:p>
+            <a:r>
+              <a:rPr lang="en-US" altLang="zh-CN" smtClean="0"/>
+              <a:t>Alibaba</a:t>
+            </a:r>
+            <a:endParaRPr lang="en-US" altLang="zh-CN"/>
+          </a:p>
+        </p:txBody>
+      </p:sp>
+    </p:spTree>
+    <p:extLst>
+      <p:ext uri="{BB962C8B-B14F-4D97-AF65-F5344CB8AC3E}">
+        <p14:creationId xmlns:p14="http://schemas.microsoft.com/office/powerpoint/2010/main" val="1527079456"/>
+      </p:ext>
+    </p:extLst>
+  </p:cSld>
+  <p:clrMapOvr>
+    <a:masterClrMapping/>
+  </p:clrMapOvr>
+</p:sld>
+</file>
+
+<file path=ppt/slides/slide27.xml><?xml version="1.0" encoding="utf-8"?>
+<p:sld xmlns:a="http://schemas.openxmlformats.org/drawingml/2006/main" xmlns:r="http://schemas.openxmlformats.org/officeDocument/2006/relationships" xmlns:p="http://schemas.openxmlformats.org/presentationml/2006/main">
+  <p:cSld>
+    <p:spTree>
+      <p:nvGrpSpPr>
+        <p:cNvPr id="1" name=""/>
+        <p:cNvGrpSpPr/>
+        <p:nvPr/>
+      </p:nvGrpSpPr>
+      <p:grpSpPr>
+        <a:xfrm>
+          <a:off x="0" y="0"/>
+          <a:ext cx="0" cy="0"/>
+          <a:chOff x="0" y="0"/>
+          <a:chExt cx="0" cy="0"/>
+        </a:xfrm>
+      </p:grpSpPr>
+      <p:sp>
+        <p:nvSpPr>
+          <p:cNvPr id="2" name="标题 1"/>
+          <p:cNvSpPr>
+            <a:spLocks noGrp="1"/>
+          </p:cNvSpPr>
+          <p:nvPr>
+            <p:ph type="title"/>
+          </p:nvPr>
+        </p:nvSpPr>
+        <p:spPr/>
+        <p:txBody>
+          <a:bodyPr/>
+          <a:lstStyle/>
+          <a:p>
+            <a:r>
+              <a:rPr lang="zh-CN" altLang="en-US" dirty="0" smtClean="0"/>
+              <a:t>调度更加强大（</a:t>
+            </a:r>
+            <a:r>
+              <a:rPr lang="en-US" altLang="zh-CN" dirty="0" smtClean="0"/>
+              <a:t>8</a:t>
+            </a:r>
+            <a:r>
+              <a:rPr lang="zh-CN" altLang="en-US" dirty="0" smtClean="0"/>
+              <a:t>）</a:t>
+            </a:r>
+            <a:endParaRPr lang="zh-CN" altLang="en-US" dirty="0"/>
+          </a:p>
+        </p:txBody>
+      </p:sp>
+      <p:sp>
+        <p:nvSpPr>
+          <p:cNvPr id="3" name="内容占位符 2"/>
+          <p:cNvSpPr>
+            <a:spLocks noGrp="1"/>
+          </p:cNvSpPr>
+          <p:nvPr>
+            <p:ph idx="1"/>
+          </p:nvPr>
+        </p:nvSpPr>
+        <p:spPr/>
+        <p:txBody>
+          <a:bodyPr/>
+          <a:lstStyle/>
+          <a:p>
+            <a:r>
+              <a:rPr lang="zh-CN" altLang="en-US" dirty="0" smtClean="0"/>
+              <a:t>可以预约上一次成功运行时的任务分配</a:t>
+            </a:r>
+            <a:endParaRPr lang="en-US" altLang="zh-CN" dirty="0" smtClean="0"/>
+          </a:p>
+          <a:p>
+            <a:pPr lvl="1"/>
+            <a:r>
+              <a:rPr lang="zh-CN" altLang="en-US" dirty="0" smtClean="0"/>
+              <a:t>上次</a:t>
+            </a:r>
+            <a:r>
+              <a:rPr lang="en-US" altLang="zh-CN" dirty="0" smtClean="0"/>
+              <a:t>task</a:t>
+            </a:r>
+            <a:r>
+              <a:rPr lang="zh-CN" altLang="en-US" dirty="0" smtClean="0"/>
+              <a:t>分配了什么资源，这次还是使用这些资源</a:t>
+            </a:r>
+            <a:endParaRPr lang="en-US" altLang="zh-CN" dirty="0" smtClean="0"/>
+          </a:p>
+          <a:p>
+            <a:pPr lvl="1"/>
+            <a:endParaRPr lang="en-US" altLang="zh-CN" dirty="0"/>
+          </a:p>
+          <a:p>
+            <a:pPr lvl="1"/>
+            <a:endParaRPr lang="en-US" altLang="zh-CN" dirty="0" smtClean="0"/>
+          </a:p>
+          <a:p>
+            <a:r>
+              <a:rPr lang="zh-CN" altLang="en-US" dirty="0" smtClean="0"/>
+              <a:t>需求：</a:t>
+            </a:r>
+            <a:endParaRPr lang="en-US" altLang="zh-CN" dirty="0" smtClean="0"/>
+          </a:p>
+          <a:p>
+            <a:pPr lvl="1"/>
+            <a:r>
+              <a:rPr lang="en-US" altLang="zh-CN" dirty="0" smtClean="0"/>
+              <a:t>CDO </a:t>
+            </a:r>
+            <a:r>
+              <a:rPr lang="zh-CN" altLang="en-US" dirty="0" smtClean="0"/>
+              <a:t>很多任务期待重启后，仍使用老的节点，端口</a:t>
+            </a:r>
+            <a:endParaRPr lang="en-US" altLang="zh-CN" dirty="0"/>
+          </a:p>
+        </p:txBody>
+      </p:sp>
+      <p:sp>
+        <p:nvSpPr>
+          <p:cNvPr id="4" name="页脚占位符 3"/>
+          <p:cNvSpPr>
+            <a:spLocks noGrp="1"/>
+          </p:cNvSpPr>
+          <p:nvPr>
+            <p:ph type="ftr" sz="quarter" idx="10"/>
+          </p:nvPr>
+        </p:nvSpPr>
+        <p:spPr/>
+        <p:txBody>
+          <a:bodyPr/>
+          <a:lstStyle/>
+          <a:p>
+            <a:r>
+              <a:rPr lang="zh-CN" altLang="en-US" smtClean="0"/>
+              <a:t>封仲淹（</a:t>
+            </a:r>
+            <a:r>
+              <a:rPr lang="en-US" altLang="zh-CN" smtClean="0"/>
+              <a:t>Longda Feng</a:t>
+            </a:r>
+            <a:r>
+              <a:rPr lang="zh-CN" altLang="en-US" smtClean="0"/>
+              <a:t>）</a:t>
+            </a:r>
+            <a:endParaRPr lang="en-US" altLang="zh-CN"/>
+          </a:p>
+        </p:txBody>
+      </p:sp>
+      <p:sp>
+        <p:nvSpPr>
+          <p:cNvPr id="5" name="日期占位符 4"/>
+          <p:cNvSpPr>
+            <a:spLocks noGrp="1"/>
+          </p:cNvSpPr>
+          <p:nvPr>
+            <p:ph type="dt" sz="half" idx="12"/>
+          </p:nvPr>
+        </p:nvSpPr>
+        <p:spPr/>
+        <p:txBody>
+          <a:bodyPr/>
+          <a:lstStyle/>
+          <a:p>
+            <a:r>
+              <a:rPr lang="en-US" altLang="zh-CN" smtClean="0"/>
+              <a:t>Alibaba</a:t>
+            </a:r>
+            <a:endParaRPr lang="en-US" altLang="zh-CN"/>
+          </a:p>
+        </p:txBody>
+      </p:sp>
+    </p:spTree>
+    <p:extLst>
+      <p:ext uri="{BB962C8B-B14F-4D97-AF65-F5344CB8AC3E}">
+        <p14:creationId xmlns:p14="http://schemas.microsoft.com/office/powerpoint/2010/main" val="3694539837"/>
+      </p:ext>
+    </p:extLst>
+  </p:cSld>
+  <p:clrMapOvr>
+    <a:masterClrMapping/>
+  </p:clrMapOvr>
+</p:sld>
+</file>
+
+<file path=ppt/slides/slide28.xml><?xml version="1.0" encoding="utf-8"?>
+<p:sld xmlns:a="http://schemas.openxmlformats.org/drawingml/2006/main" xmlns:r="http://schemas.openxmlformats.org/officeDocument/2006/relationships" xmlns:p="http://schemas.openxmlformats.org/presentationml/2006/main">
+  <p:cSld>
+    <p:spTree>
+      <p:nvGrpSpPr>
+        <p:cNvPr id="1" name=""/>
+        <p:cNvGrpSpPr/>
+        <p:nvPr/>
+      </p:nvGrpSpPr>
+      <p:grpSpPr>
+        <a:xfrm>
+          <a:off x="0" y="0"/>
+          <a:ext cx="0" cy="0"/>
+          <a:chOff x="0" y="0"/>
+          <a:chExt cx="0" cy="0"/>
+        </a:xfrm>
+      </p:grpSpPr>
+      <p:sp>
+        <p:nvSpPr>
+          <p:cNvPr id="2" name="标题 1"/>
+          <p:cNvSpPr>
+            <a:spLocks noGrp="1"/>
+          </p:cNvSpPr>
+          <p:nvPr>
+            <p:ph type="title"/>
+          </p:nvPr>
+        </p:nvSpPr>
+        <p:spPr/>
+        <p:txBody>
+          <a:bodyPr/>
+          <a:lstStyle/>
+          <a:p>
+            <a:r>
+              <a:rPr lang="en-US" altLang="zh-CN" dirty="0" smtClean="0"/>
+              <a:t>Task </a:t>
+            </a:r>
+            <a:r>
+              <a:rPr lang="zh-CN" altLang="en-US" dirty="0" smtClean="0"/>
+              <a:t>内部异步化</a:t>
+            </a:r>
+            <a:endParaRPr lang="zh-CN" altLang="en-US" dirty="0"/>
+          </a:p>
+        </p:txBody>
+      </p:sp>
+      <p:sp>
+        <p:nvSpPr>
+          <p:cNvPr id="3" name="内容占位符 2"/>
+          <p:cNvSpPr>
+            <a:spLocks noGrp="1"/>
+          </p:cNvSpPr>
+          <p:nvPr>
+            <p:ph idx="1"/>
+          </p:nvPr>
+        </p:nvSpPr>
+        <p:spPr/>
+        <p:txBody>
+          <a:bodyPr/>
+          <a:lstStyle/>
+          <a:p>
+            <a:r>
+              <a:rPr lang="en-US" altLang="zh-CN" dirty="0" smtClean="0"/>
+              <a:t>Worker </a:t>
+            </a:r>
+            <a:r>
+              <a:rPr lang="zh-CN" altLang="en-US" dirty="0" smtClean="0"/>
+              <a:t>内部全流水线模式</a:t>
+            </a:r>
+            <a:endParaRPr lang="en-US" altLang="zh-CN" dirty="0" smtClean="0"/>
+          </a:p>
+          <a:p>
+            <a:r>
+              <a:rPr lang="en-US" altLang="zh-CN" dirty="0"/>
+              <a:t>Spout </a:t>
+            </a:r>
+            <a:r>
+              <a:rPr lang="en-US" altLang="zh-CN" dirty="0" err="1"/>
+              <a:t>nextTuple</a:t>
+            </a:r>
+            <a:r>
+              <a:rPr lang="zh-CN" altLang="en-US" dirty="0"/>
+              <a:t>和</a:t>
+            </a:r>
+            <a:r>
+              <a:rPr lang="en-US" altLang="zh-CN" dirty="0" err="1"/>
+              <a:t>ack</a:t>
+            </a:r>
+            <a:r>
+              <a:rPr lang="en-US" altLang="zh-CN" dirty="0"/>
+              <a:t>/fail</a:t>
+            </a:r>
+            <a:r>
+              <a:rPr lang="zh-CN" altLang="en-US" dirty="0"/>
+              <a:t>运行在不同线程</a:t>
+            </a:r>
+            <a:endParaRPr lang="en-US" altLang="zh-CN" dirty="0"/>
+          </a:p>
+          <a:p>
+            <a:endParaRPr lang="en-US" altLang="zh-CN" dirty="0"/>
+          </a:p>
+          <a:p>
+            <a:endParaRPr lang="en-US" altLang="zh-CN" dirty="0" smtClean="0"/>
+          </a:p>
+          <a:p>
+            <a:r>
+              <a:rPr lang="zh-CN" altLang="en-US" dirty="0" smtClean="0"/>
+              <a:t>需求：</a:t>
+            </a:r>
+            <a:endParaRPr lang="en-US" altLang="zh-CN" dirty="0" smtClean="0"/>
+          </a:p>
+          <a:p>
+            <a:pPr lvl="1"/>
+            <a:r>
+              <a:rPr lang="en-US" altLang="zh-CN" dirty="0" err="1" smtClean="0"/>
+              <a:t>EagleEye</a:t>
+            </a:r>
+            <a:r>
+              <a:rPr lang="zh-CN" altLang="en-US" dirty="0" smtClean="0"/>
+              <a:t>中，在</a:t>
+            </a:r>
+            <a:r>
+              <a:rPr lang="en-US" altLang="zh-CN" dirty="0" err="1" smtClean="0"/>
+              <a:t>nextTuple</a:t>
+            </a:r>
+            <a:r>
+              <a:rPr lang="en-US" altLang="zh-CN" dirty="0" smtClean="0"/>
+              <a:t> </a:t>
+            </a:r>
+            <a:r>
+              <a:rPr lang="zh-CN" altLang="en-US" dirty="0" smtClean="0"/>
+              <a:t>做</a:t>
+            </a:r>
+            <a:r>
+              <a:rPr lang="en-US" altLang="zh-CN" dirty="0" smtClean="0"/>
+              <a:t>sleep</a:t>
+            </a:r>
+            <a:r>
+              <a:rPr lang="zh-CN" altLang="en-US" dirty="0" smtClean="0"/>
+              <a:t>和</a:t>
+            </a:r>
+            <a:r>
+              <a:rPr lang="en-US" altLang="zh-CN" dirty="0" smtClean="0"/>
+              <a:t>wait</a:t>
+            </a:r>
+            <a:r>
+              <a:rPr lang="zh-CN" altLang="en-US" dirty="0" smtClean="0"/>
+              <a:t>操作不会</a:t>
+            </a:r>
+            <a:r>
+              <a:rPr lang="en-US" altLang="zh-CN" dirty="0" smtClean="0"/>
+              <a:t>block </a:t>
+            </a:r>
+            <a:r>
+              <a:rPr lang="en-US" altLang="zh-CN" dirty="0" err="1" smtClean="0"/>
+              <a:t>ack</a:t>
+            </a:r>
+            <a:r>
+              <a:rPr lang="en-US" altLang="zh-CN" dirty="0" smtClean="0"/>
+              <a:t>/fail </a:t>
+            </a:r>
+            <a:r>
+              <a:rPr lang="zh-CN" altLang="en-US" dirty="0" smtClean="0"/>
+              <a:t>动作</a:t>
+            </a:r>
+            <a:endParaRPr lang="zh-CN" altLang="en-US" dirty="0"/>
+          </a:p>
+        </p:txBody>
+      </p:sp>
+      <p:sp>
+        <p:nvSpPr>
+          <p:cNvPr id="4" name="页脚占位符 3"/>
+          <p:cNvSpPr>
+            <a:spLocks noGrp="1"/>
+          </p:cNvSpPr>
+          <p:nvPr>
+            <p:ph type="ftr" sz="quarter" idx="10"/>
+          </p:nvPr>
+        </p:nvSpPr>
+        <p:spPr/>
+        <p:txBody>
+          <a:bodyPr/>
+          <a:lstStyle/>
+          <a:p>
+            <a:r>
+              <a:rPr lang="zh-CN" altLang="en-US" smtClean="0"/>
+              <a:t>封仲淹（</a:t>
+            </a:r>
+            <a:r>
+              <a:rPr lang="en-US" altLang="zh-CN" smtClean="0"/>
+              <a:t>Longda Feng</a:t>
+            </a:r>
+            <a:r>
+              <a:rPr lang="zh-CN" altLang="en-US" smtClean="0"/>
+              <a:t>）</a:t>
+            </a:r>
+            <a:endParaRPr lang="en-US" altLang="zh-CN"/>
+          </a:p>
+        </p:txBody>
+      </p:sp>
+      <p:sp>
+        <p:nvSpPr>
+          <p:cNvPr id="5" name="日期占位符 4"/>
+          <p:cNvSpPr>
+            <a:spLocks noGrp="1"/>
+          </p:cNvSpPr>
+          <p:nvPr>
+            <p:ph type="dt" sz="half" idx="12"/>
+          </p:nvPr>
+        </p:nvSpPr>
+        <p:spPr/>
+        <p:txBody>
+          <a:bodyPr/>
+          <a:lstStyle/>
+          <a:p>
+            <a:r>
+              <a:rPr lang="en-US" altLang="zh-CN" smtClean="0"/>
+              <a:t>Alibaba</a:t>
+            </a:r>
+            <a:endParaRPr lang="en-US" altLang="zh-CN"/>
+          </a:p>
+        </p:txBody>
+      </p:sp>
+    </p:spTree>
+    <p:extLst>
+      <p:ext uri="{BB962C8B-B14F-4D97-AF65-F5344CB8AC3E}">
+        <p14:creationId xmlns:p14="http://schemas.microsoft.com/office/powerpoint/2010/main" val="1425820516"/>
+      </p:ext>
+    </p:extLst>
+  </p:cSld>
+  <p:clrMapOvr>
+    <a:masterClrMapping/>
+  </p:clrMapOvr>
+</p:sld>
+</file>
+
+<file path=ppt/slides/slide29.xml><?xml version="1.0" encoding="utf-8"?>
+<p:sld xmlns:a="http://schemas.openxmlformats.org/drawingml/2006/main" xmlns:r="http://schemas.openxmlformats.org/officeDocument/2006/relationships" xmlns:p="http://schemas.openxmlformats.org/presentationml/2006/main">
+  <p:cSld>
+    <p:spTree>
+      <p:nvGrpSpPr>
+        <p:cNvPr id="1" name=""/>
+        <p:cNvGrpSpPr/>
+        <p:nvPr/>
+      </p:nvGrpSpPr>
+      <p:grpSpPr>
+        <a:xfrm>
+          <a:off x="0" y="0"/>
+          <a:ext cx="0" cy="0"/>
+          <a:chOff x="0" y="0"/>
+          <a:chExt cx="0" cy="0"/>
+        </a:xfrm>
+      </p:grpSpPr>
+      <p:sp>
+        <p:nvSpPr>
+          <p:cNvPr id="2" name="标题 1"/>
+          <p:cNvSpPr>
+            <a:spLocks noGrp="1"/>
+          </p:cNvSpPr>
+          <p:nvPr>
+            <p:ph type="title"/>
+          </p:nvPr>
+        </p:nvSpPr>
+        <p:spPr/>
+        <p:txBody>
+          <a:bodyPr/>
+          <a:lstStyle/>
+          <a:p>
+            <a:r>
+              <a:rPr lang="zh-CN" altLang="en-US" dirty="0" smtClean="0"/>
+              <a:t>性能更快</a:t>
+            </a:r>
+            <a:endParaRPr lang="zh-CN" altLang="en-US" dirty="0"/>
+          </a:p>
+        </p:txBody>
+      </p:sp>
+      <p:sp>
+        <p:nvSpPr>
+          <p:cNvPr id="3" name="内容占位符 2"/>
+          <p:cNvSpPr>
+            <a:spLocks noGrp="1"/>
+          </p:cNvSpPr>
+          <p:nvPr>
+            <p:ph idx="1"/>
+          </p:nvPr>
+        </p:nvSpPr>
+        <p:spPr/>
+        <p:txBody>
+          <a:bodyPr/>
+          <a:lstStyle/>
+          <a:p>
+            <a:r>
+              <a:rPr lang="zh-CN" altLang="en-US" dirty="0" smtClean="0"/>
+              <a:t>底层使用</a:t>
+            </a:r>
+            <a:r>
+              <a:rPr lang="en-US" altLang="zh-CN" dirty="0" err="1" smtClean="0"/>
+              <a:t>ZeroMq</a:t>
+            </a:r>
+            <a:r>
+              <a:rPr lang="zh-CN" altLang="en-US" dirty="0" smtClean="0"/>
+              <a:t>， 比</a:t>
+            </a:r>
+            <a:r>
+              <a:rPr lang="en-US" altLang="zh-CN" dirty="0" smtClean="0"/>
+              <a:t>storm</a:t>
+            </a:r>
+            <a:r>
+              <a:rPr lang="zh-CN" altLang="en-US" dirty="0" smtClean="0"/>
+              <a:t>快</a:t>
+            </a:r>
+            <a:r>
+              <a:rPr lang="en-US" altLang="zh-CN" dirty="0"/>
+              <a:t>3</a:t>
+            </a:r>
+            <a:r>
+              <a:rPr lang="en-US" altLang="zh-CN" dirty="0" smtClean="0"/>
+              <a:t>0</a:t>
+            </a:r>
+            <a:r>
+              <a:rPr lang="en-US" altLang="zh-CN" dirty="0" smtClean="0"/>
+              <a:t>%</a:t>
+            </a:r>
+          </a:p>
+          <a:p>
+            <a:r>
+              <a:rPr lang="zh-CN" altLang="en-US" dirty="0" smtClean="0"/>
+              <a:t>底层使用</a:t>
+            </a:r>
+            <a:r>
+              <a:rPr lang="en-US" altLang="zh-CN" dirty="0" err="1" smtClean="0"/>
+              <a:t>netty</a:t>
+            </a:r>
+            <a:r>
+              <a:rPr lang="zh-CN" altLang="en-US" dirty="0" smtClean="0"/>
+              <a:t>时， 和</a:t>
+            </a:r>
+            <a:r>
+              <a:rPr lang="en-US" altLang="zh-CN" dirty="0" smtClean="0"/>
+              <a:t>storm</a:t>
+            </a:r>
+            <a:r>
+              <a:rPr lang="zh-CN" altLang="en-US" dirty="0" smtClean="0"/>
+              <a:t>快</a:t>
+            </a:r>
+            <a:r>
+              <a:rPr lang="en-US" altLang="zh-CN" dirty="0"/>
+              <a:t>1</a:t>
+            </a:r>
+            <a:r>
+              <a:rPr lang="en-US" altLang="zh-CN" dirty="0" smtClean="0"/>
+              <a:t>0%</a:t>
+            </a:r>
+            <a:r>
+              <a:rPr lang="zh-CN" altLang="en-US" dirty="0" smtClean="0"/>
+              <a:t>，</a:t>
+            </a:r>
+            <a:r>
+              <a:rPr lang="zh-CN" altLang="en-US" dirty="0"/>
+              <a:t>并且</a:t>
+            </a:r>
+            <a:r>
+              <a:rPr lang="zh-CN" altLang="en-US" dirty="0" smtClean="0"/>
+              <a:t>稳定</a:t>
+            </a:r>
+            <a:r>
+              <a:rPr lang="zh-CN" altLang="en-US" dirty="0" smtClean="0"/>
+              <a:t>非常多</a:t>
+            </a:r>
+            <a:r>
+              <a:rPr lang="en-US" altLang="zh-CN" dirty="0" smtClean="0"/>
+              <a:t> </a:t>
+            </a:r>
+            <a:endParaRPr lang="zh-CN" altLang="en-US" dirty="0"/>
+          </a:p>
+        </p:txBody>
+      </p:sp>
+      <p:sp>
+        <p:nvSpPr>
+          <p:cNvPr id="4" name="页脚占位符 3"/>
+          <p:cNvSpPr>
+            <a:spLocks noGrp="1"/>
+          </p:cNvSpPr>
+          <p:nvPr>
+            <p:ph type="ftr" sz="quarter" idx="10"/>
+          </p:nvPr>
+        </p:nvSpPr>
+        <p:spPr/>
+        <p:txBody>
+          <a:bodyPr/>
+          <a:lstStyle/>
+          <a:p>
+            <a:r>
+              <a:rPr lang="zh-CN" altLang="en-US" smtClean="0"/>
+              <a:t>封仲淹（</a:t>
+            </a:r>
+            <a:r>
+              <a:rPr lang="en-US" altLang="zh-CN" smtClean="0"/>
+              <a:t>Longda Feng</a:t>
+            </a:r>
+            <a:r>
+              <a:rPr lang="zh-CN" altLang="en-US" smtClean="0"/>
+              <a:t>）</a:t>
+            </a:r>
+            <a:endParaRPr lang="en-US" altLang="zh-CN"/>
+          </a:p>
+        </p:txBody>
+      </p:sp>
+      <p:sp>
+        <p:nvSpPr>
+          <p:cNvPr id="5" name="日期占位符 4"/>
+          <p:cNvSpPr>
+            <a:spLocks noGrp="1"/>
+          </p:cNvSpPr>
+          <p:nvPr>
+            <p:ph type="dt" sz="half" idx="12"/>
+          </p:nvPr>
+        </p:nvSpPr>
+        <p:spPr/>
+        <p:txBody>
+          <a:bodyPr/>
+          <a:lstStyle/>
+          <a:p>
+            <a:r>
+              <a:rPr lang="en-US" altLang="zh-CN" smtClean="0"/>
+              <a:t>Alibaba</a:t>
+            </a:r>
+            <a:endParaRPr lang="en-US" altLang="zh-CN"/>
+          </a:p>
+        </p:txBody>
+      </p:sp>
+    </p:spTree>
+    <p:extLst>
+      <p:ext uri="{BB962C8B-B14F-4D97-AF65-F5344CB8AC3E}">
+        <p14:creationId xmlns:p14="http://schemas.microsoft.com/office/powerpoint/2010/main" val="2860967417"/>
+      </p:ext>
+    </p:extLst>
+  </p:cSld>
+  <p:clrMapOvr>
+    <a:masterClrMapping/>
+  </p:clrMapOvr>
 </p:sld>
 </file>
 
@@ -7334,6 +11525,111 @@
       </p:grpSpPr>
       <p:sp>
         <p:nvSpPr>
+          <p:cNvPr id="2" name="标题 1"/>
+          <p:cNvSpPr>
+            <a:spLocks noGrp="1"/>
+          </p:cNvSpPr>
+          <p:nvPr>
+            <p:ph type="title"/>
+          </p:nvPr>
+        </p:nvSpPr>
+        <p:spPr/>
+        <p:txBody>
+          <a:bodyPr/>
+          <a:lstStyle/>
+          <a:p>
+            <a:r>
+              <a:rPr lang="en-US" altLang="zh-CN" dirty="0" smtClean="0"/>
+              <a:t>Jstorm </a:t>
+            </a:r>
+            <a:r>
+              <a:rPr lang="zh-CN" altLang="en-US" dirty="0" smtClean="0"/>
+              <a:t>是什么</a:t>
+            </a:r>
+            <a:endParaRPr lang="zh-CN" altLang="en-US" dirty="0"/>
+          </a:p>
+        </p:txBody>
+      </p:sp>
+      <p:sp>
+        <p:nvSpPr>
+          <p:cNvPr id="3" name="内容占位符 2"/>
+          <p:cNvSpPr>
+            <a:spLocks noGrp="1"/>
+          </p:cNvSpPr>
+          <p:nvPr>
+            <p:ph idx="1"/>
+          </p:nvPr>
+        </p:nvSpPr>
+        <p:spPr/>
+        <p:txBody>
+          <a:bodyPr/>
+          <a:lstStyle/>
+          <a:p>
+            <a:r>
+              <a:rPr lang="en-US" altLang="zh-CN" b="1" dirty="0" err="1"/>
+              <a:t>JStorm</a:t>
+            </a:r>
+            <a:r>
+              <a:rPr lang="en-US" altLang="zh-CN" b="1" dirty="0"/>
+              <a:t> </a:t>
+            </a:r>
+            <a:r>
+              <a:rPr lang="zh-CN" altLang="en-US" b="1" dirty="0"/>
+              <a:t>是一个分布式实时计算引擎</a:t>
+            </a:r>
+          </a:p>
+          <a:p>
+            <a:pPr lvl="1"/>
+            <a:r>
+              <a:rPr lang="zh-CN" altLang="en-US" dirty="0" smtClean="0"/>
+              <a:t>类似</a:t>
+            </a:r>
+            <a:r>
+              <a:rPr lang="en-US" altLang="zh-CN" dirty="0" err="1" smtClean="0"/>
+              <a:t>Hadoop</a:t>
+            </a:r>
+            <a:r>
+              <a:rPr lang="en-US" altLang="zh-CN" dirty="0" smtClean="0"/>
+              <a:t> MR</a:t>
+            </a:r>
+            <a:endParaRPr lang="en-US" altLang="zh-CN" dirty="0"/>
+          </a:p>
+          <a:p>
+            <a:pPr lvl="2"/>
+            <a:r>
+              <a:rPr lang="zh-CN" altLang="en-US" dirty="0" smtClean="0"/>
+              <a:t>用户按照规定的编程规范实现一个任务，将任务放到</a:t>
+            </a:r>
+            <a:r>
+              <a:rPr lang="en-US" altLang="zh-CN" dirty="0" smtClean="0"/>
+              <a:t>Jstorm</a:t>
+            </a:r>
+            <a:r>
+              <a:rPr lang="zh-CN" altLang="en-US" dirty="0" smtClean="0"/>
+              <a:t>上，</a:t>
+            </a:r>
+            <a:r>
+              <a:rPr lang="en-US" altLang="zh-CN" dirty="0" smtClean="0"/>
+              <a:t>Jstorm</a:t>
+            </a:r>
+            <a:r>
+              <a:rPr lang="zh-CN" altLang="en-US" dirty="0" smtClean="0"/>
+              <a:t>就将任务</a:t>
+            </a:r>
+            <a:r>
+              <a:rPr lang="en-US" altLang="zh-CN" dirty="0" smtClean="0"/>
+              <a:t>7 * 24 </a:t>
+            </a:r>
+            <a:r>
+              <a:rPr lang="zh-CN" altLang="en-US" dirty="0" smtClean="0"/>
+              <a:t>小时调度起来</a:t>
+            </a:r>
+            <a:endParaRPr lang="zh-CN" altLang="en-US" dirty="0"/>
+          </a:p>
+        </p:txBody>
+      </p:sp>
+      <p:sp>
+        <p:nvSpPr>
           <p:cNvPr id="4" name="页脚占位符 3"/>
           <p:cNvSpPr>
             <a:spLocks noGrp="1"/>
@@ -7365,7 +11661,7 @@
       </p:sp>
       <p:sp>
         <p:nvSpPr>
-          <p:cNvPr id="5" name="日期占位符 5"/>
+          <p:cNvPr id="5" name="日期占位符 4"/>
           <p:cNvSpPr>
             <a:spLocks noGrp="1"/>
           </p:cNvSpPr>
@@ -7380,17 +11676,47 @@
           <a:p>
             <a:r>
               <a:rPr lang="en-US" altLang="zh-CN" smtClean="0"/>
-              <a:t>Alipay</a:t>
+              <a:t>Alibaba</a:t>
             </a:r>
             <a:endParaRPr lang="en-US" altLang="zh-CN"/>
           </a:p>
         </p:txBody>
       </p:sp>
-      <p:sp>
-        <p:nvSpPr>
-          <p:cNvPr id="70658" name="Rectangle 2"/>
-          <p:cNvSpPr>
-            <a:spLocks noGrp="1" noChangeArrowheads="1"/>
+    </p:spTree>
+    <p:extLst>
+      <p:ext uri="{BB962C8B-B14F-4D97-AF65-F5344CB8AC3E}">
+        <p14:creationId xmlns:p14="http://schemas.microsoft.com/office/powerpoint/2010/main" val="1628725641"/>
+      </p:ext>
+    </p:extLst>
+  </p:cSld>
+  <p:clrMapOvr>
+    <a:masterClrMapping/>
+  </p:clrMapOvr>
+</p:sld>
+</file>
+
+<file path=ppt/slides/slide30.xml><?xml version="1.0" encoding="utf-8"?>
+<p:sld xmlns:a="http://schemas.openxmlformats.org/drawingml/2006/main" xmlns:r="http://schemas.openxmlformats.org/officeDocument/2006/relationships" xmlns:p="http://schemas.openxmlformats.org/presentationml/2006/main">
+  <p:cSld>
+    <p:spTree>
+      <p:nvGrpSpPr>
+        <p:cNvPr id="1" name=""/>
+        <p:cNvGrpSpPr/>
+        <p:nvPr/>
+      </p:nvGrpSpPr>
+      <p:grpSpPr>
+        <a:xfrm>
+          <a:off x="0" y="0"/>
+          <a:ext cx="0" cy="0"/>
+          <a:chOff x="0" y="0"/>
+          <a:chExt cx="0" cy="0"/>
+        </a:xfrm>
+      </p:grpSpPr>
+      <p:sp>
+        <p:nvSpPr>
+          <p:cNvPr id="2" name="标题 1"/>
+          <p:cNvSpPr>
+            <a:spLocks noGrp="1"/>
           </p:cNvSpPr>
           <p:nvPr>
             <p:ph type="title"/>
@@ -7402,24 +11728,1292 @@
           <a:lstStyle/>
           <a:p>
             <a:r>
-              <a:rPr lang="zh-CN" altLang="en-US" dirty="0" smtClean="0">
+              <a:rPr lang="en-US" altLang="zh-CN" dirty="0" smtClean="0"/>
+              <a:t>Jstorm with </a:t>
+            </a:r>
+            <a:r>
+              <a:rPr lang="en-US" altLang="zh-CN" dirty="0" err="1" smtClean="0"/>
+              <a:t>netty</a:t>
+            </a:r>
+            <a:endParaRPr lang="zh-CN" altLang="en-US" dirty="0"/>
+          </a:p>
+        </p:txBody>
+      </p:sp>
+      <p:sp>
+        <p:nvSpPr>
+          <p:cNvPr id="3" name="内容占位符 2"/>
+          <p:cNvSpPr>
+            <a:spLocks noGrp="1"/>
+          </p:cNvSpPr>
+          <p:nvPr>
+            <p:ph idx="1"/>
+          </p:nvPr>
+        </p:nvSpPr>
+        <p:spPr/>
+        <p:txBody>
+          <a:bodyPr/>
+          <a:lstStyle/>
+          <a:p>
+            <a:endParaRPr lang="zh-CN" altLang="en-US"/>
+          </a:p>
+        </p:txBody>
+      </p:sp>
+      <p:sp>
+        <p:nvSpPr>
+          <p:cNvPr id="4" name="页脚占位符 3"/>
+          <p:cNvSpPr>
+            <a:spLocks noGrp="1"/>
+          </p:cNvSpPr>
+          <p:nvPr>
+            <p:ph type="ftr" sz="quarter" idx="10"/>
+          </p:nvPr>
+        </p:nvSpPr>
+        <p:spPr/>
+        <p:txBody>
+          <a:bodyPr/>
+          <a:lstStyle/>
+          <a:p>
+            <a:r>
+              <a:rPr lang="zh-CN" altLang="en-US" smtClean="0"/>
+              <a:t>封仲淹（</a:t>
+            </a:r>
+            <a:r>
+              <a:rPr lang="en-US" altLang="zh-CN" smtClean="0"/>
+              <a:t>Longda Feng</a:t>
+            </a:r>
+            <a:r>
+              <a:rPr lang="zh-CN" altLang="en-US" smtClean="0"/>
+              <a:t>）</a:t>
+            </a:r>
+            <a:endParaRPr lang="en-US" altLang="zh-CN"/>
+          </a:p>
+        </p:txBody>
+      </p:sp>
+      <p:sp>
+        <p:nvSpPr>
+          <p:cNvPr id="5" name="日期占位符 4"/>
+          <p:cNvSpPr>
+            <a:spLocks noGrp="1"/>
+          </p:cNvSpPr>
+          <p:nvPr>
+            <p:ph type="dt" sz="half" idx="12"/>
+          </p:nvPr>
+        </p:nvSpPr>
+        <p:spPr/>
+        <p:txBody>
+          <a:bodyPr/>
+          <a:lstStyle/>
+          <a:p>
+            <a:r>
+              <a:rPr lang="en-US" altLang="zh-CN" smtClean="0"/>
+              <a:t>Alibaba</a:t>
+            </a:r>
+            <a:endParaRPr lang="en-US" altLang="zh-CN"/>
+          </a:p>
+        </p:txBody>
+      </p:sp>
+      <p:pic>
+        <p:nvPicPr>
+          <p:cNvPr id="4098" name="Picture 2"/>
+          <p:cNvPicPr>
+            <a:picLocks noChangeAspect="1" noChangeArrowheads="1"/>
+          </p:cNvPicPr>
+          <p:nvPr/>
+        </p:nvPicPr>
+        <p:blipFill>
+          <a:blip r:embed="rId2">
+            <a:extLst>
+              <a:ext uri="{28A0092B-C50C-407E-A947-70E740481C1C}">
+                <a14:useLocalDpi xmlns:a14="http://schemas.microsoft.com/office/drawing/2010/main" val="0"/>
+              </a:ext>
+            </a:extLst>
+          </a:blip>
+          <a:srcRect/>
+          <a:stretch>
+            <a:fillRect/>
+          </a:stretch>
+        </p:blipFill>
+        <p:spPr bwMode="auto">
+          <a:xfrm>
+            <a:off x="27385" y="1700808"/>
+            <a:ext cx="8793088" cy="3231358"/>
+          </a:xfrm>
+          <a:prstGeom prst="rect">
+            <a:avLst/>
+          </a:prstGeom>
+          <a:noFill/>
+          <a:ln>
+            <a:noFill/>
+          </a:ln>
+          <a:effectLst/>
+          <a:extLst>
+            <a:ext uri="{909E8E84-426E-40DD-AFC4-6F175D3DCCD1}">
+              <a14:hiddenFill xmlns:a14="http://schemas.microsoft.com/office/drawing/2010/main">
+                <a:solidFill>
+                  <a:schemeClr val="accent1"/>
+                </a:solidFill>
+              </a14:hiddenFill>
+            </a:ext>
+            <a:ext uri="{91240B29-F687-4F45-9708-019B960494DF}">
+              <a14:hiddenLine xmlns:a14="http://schemas.microsoft.com/office/drawing/2010/main" w="9525">
+                <a:solidFill>
+                  <a:schemeClr val="tx1"/>
+                </a:solidFill>
+                <a:miter lim="800000"/>
+                <a:headEnd/>
+                <a:tailEnd/>
+              </a14:hiddenLine>
+            </a:ext>
+            <a:ext uri="{AF507438-7753-43E0-B8FC-AC1667EBCBE1}">
+              <a14:hiddenEffects xmlns:a14="http://schemas.microsoft.com/office/drawing/2010/main">
+                <a:effectLst>
+                  <a:outerShdw dist="35921" dir="2700000" algn="ctr" rotWithShape="0">
+                    <a:schemeClr val="bg2"/>
+                  </a:outerShdw>
+                </a:effectLst>
+              </a14:hiddenEffects>
+            </a:ext>
+          </a:extLst>
+        </p:spPr>
+      </p:pic>
+    </p:spTree>
+    <p:extLst>
+      <p:ext uri="{BB962C8B-B14F-4D97-AF65-F5344CB8AC3E}">
+        <p14:creationId xmlns:p14="http://schemas.microsoft.com/office/powerpoint/2010/main" val="837227052"/>
+      </p:ext>
+    </p:extLst>
+  </p:cSld>
+  <p:clrMapOvr>
+    <a:masterClrMapping/>
+  </p:clrMapOvr>
+</p:sld>
+</file>
+
+<file path=ppt/slides/slide31.xml><?xml version="1.0" encoding="utf-8"?>
+<p:sld xmlns:a="http://schemas.openxmlformats.org/drawingml/2006/main" xmlns:r="http://schemas.openxmlformats.org/officeDocument/2006/relationships" xmlns:p="http://schemas.openxmlformats.org/presentationml/2006/main">
+  <p:cSld>
+    <p:spTree>
+      <p:nvGrpSpPr>
+        <p:cNvPr id="1" name=""/>
+        <p:cNvGrpSpPr/>
+        <p:nvPr/>
+      </p:nvGrpSpPr>
+      <p:grpSpPr>
+        <a:xfrm>
+          <a:off x="0" y="0"/>
+          <a:ext cx="0" cy="0"/>
+          <a:chOff x="0" y="0"/>
+          <a:chExt cx="0" cy="0"/>
+        </a:xfrm>
+      </p:grpSpPr>
+      <p:sp>
+        <p:nvSpPr>
+          <p:cNvPr id="2" name="标题 1"/>
+          <p:cNvSpPr>
+            <a:spLocks noGrp="1"/>
+          </p:cNvSpPr>
+          <p:nvPr>
+            <p:ph type="title"/>
+          </p:nvPr>
+        </p:nvSpPr>
+        <p:spPr/>
+        <p:txBody>
+          <a:bodyPr/>
+          <a:lstStyle/>
+          <a:p>
+            <a:r>
+              <a:rPr lang="en-US" altLang="zh-CN" dirty="0" smtClean="0"/>
+              <a:t>Storm with </a:t>
+            </a:r>
+            <a:r>
+              <a:rPr lang="en-US" altLang="zh-CN" dirty="0" err="1" smtClean="0"/>
+              <a:t>netty</a:t>
+            </a:r>
+            <a:endParaRPr lang="zh-CN" altLang="en-US" dirty="0"/>
+          </a:p>
+        </p:txBody>
+      </p:sp>
+      <p:sp>
+        <p:nvSpPr>
+          <p:cNvPr id="4" name="页脚占位符 3"/>
+          <p:cNvSpPr>
+            <a:spLocks noGrp="1"/>
+          </p:cNvSpPr>
+          <p:nvPr>
+            <p:ph type="ftr" sz="quarter" idx="10"/>
+          </p:nvPr>
+        </p:nvSpPr>
+        <p:spPr/>
+        <p:txBody>
+          <a:bodyPr/>
+          <a:lstStyle/>
+          <a:p>
+            <a:r>
+              <a:rPr lang="zh-CN" altLang="en-US" smtClean="0"/>
+              <a:t>封仲淹（</a:t>
+            </a:r>
+            <a:r>
+              <a:rPr lang="en-US" altLang="zh-CN" smtClean="0"/>
+              <a:t>Longda Feng</a:t>
+            </a:r>
+            <a:r>
+              <a:rPr lang="zh-CN" altLang="en-US" smtClean="0"/>
+              <a:t>）</a:t>
+            </a:r>
+            <a:endParaRPr lang="en-US" altLang="zh-CN"/>
+          </a:p>
+        </p:txBody>
+      </p:sp>
+      <p:sp>
+        <p:nvSpPr>
+          <p:cNvPr id="5" name="日期占位符 4"/>
+          <p:cNvSpPr>
+            <a:spLocks noGrp="1"/>
+          </p:cNvSpPr>
+          <p:nvPr>
+            <p:ph type="dt" sz="half" idx="12"/>
+          </p:nvPr>
+        </p:nvSpPr>
+        <p:spPr/>
+        <p:txBody>
+          <a:bodyPr/>
+          <a:lstStyle/>
+          <a:p>
+            <a:r>
+              <a:rPr lang="en-US" altLang="zh-CN" smtClean="0"/>
+              <a:t>Alibaba</a:t>
+            </a:r>
+            <a:endParaRPr lang="en-US" altLang="zh-CN"/>
+          </a:p>
+        </p:txBody>
+      </p:sp>
+      <p:sp>
+        <p:nvSpPr>
+          <p:cNvPr id="7" name="内容占位符 6"/>
+          <p:cNvSpPr>
+            <a:spLocks noGrp="1"/>
+          </p:cNvSpPr>
+          <p:nvPr>
+            <p:ph idx="1"/>
+          </p:nvPr>
+        </p:nvSpPr>
+        <p:spPr/>
+        <p:txBody>
+          <a:bodyPr/>
+          <a:lstStyle/>
+          <a:p>
+            <a:endParaRPr lang="zh-CN" altLang="en-US"/>
+          </a:p>
+        </p:txBody>
+      </p:sp>
+      <p:pic>
+        <p:nvPicPr>
+          <p:cNvPr id="8" name="图片 7"/>
+          <p:cNvPicPr/>
+          <p:nvPr/>
+        </p:nvPicPr>
+        <p:blipFill>
+          <a:blip r:embed="rId2"/>
+          <a:stretch>
+            <a:fillRect/>
+          </a:stretch>
+        </p:blipFill>
+        <p:spPr>
+          <a:xfrm>
+            <a:off x="179512" y="1124744"/>
+            <a:ext cx="10153128" cy="5400600"/>
+          </a:xfrm>
+          <a:prstGeom prst="rect">
+            <a:avLst/>
+          </a:prstGeom>
+        </p:spPr>
+      </p:pic>
+    </p:spTree>
+    <p:extLst>
+      <p:ext uri="{BB962C8B-B14F-4D97-AF65-F5344CB8AC3E}">
+        <p14:creationId xmlns:p14="http://schemas.microsoft.com/office/powerpoint/2010/main" val="2223345117"/>
+      </p:ext>
+    </p:extLst>
+  </p:cSld>
+  <p:clrMapOvr>
+    <a:masterClrMapping/>
+  </p:clrMapOvr>
+</p:sld>
+</file>
+
+<file path=ppt/slides/slide32.xml><?xml version="1.0" encoding="utf-8"?>
+<p:sld xmlns:a="http://schemas.openxmlformats.org/drawingml/2006/main" xmlns:r="http://schemas.openxmlformats.org/officeDocument/2006/relationships" xmlns:p="http://schemas.openxmlformats.org/presentationml/2006/main">
+  <p:cSld>
+    <p:spTree>
+      <p:nvGrpSpPr>
+        <p:cNvPr id="1" name=""/>
+        <p:cNvGrpSpPr/>
+        <p:nvPr/>
+      </p:nvGrpSpPr>
+      <p:grpSpPr>
+        <a:xfrm>
+          <a:off x="0" y="0"/>
+          <a:ext cx="0" cy="0"/>
+          <a:chOff x="0" y="0"/>
+          <a:chExt cx="0" cy="0"/>
+        </a:xfrm>
+      </p:grpSpPr>
+      <p:sp>
+        <p:nvSpPr>
+          <p:cNvPr id="2" name="标题 1"/>
+          <p:cNvSpPr>
+            <a:spLocks noGrp="1"/>
+          </p:cNvSpPr>
+          <p:nvPr>
+            <p:ph type="title"/>
+          </p:nvPr>
+        </p:nvSpPr>
+        <p:spPr/>
+        <p:txBody>
+          <a:bodyPr/>
+          <a:lstStyle/>
+          <a:p>
+            <a:r>
+              <a:rPr lang="en-US" altLang="zh-CN" dirty="0" smtClean="0"/>
+              <a:t>Jstorm with </a:t>
+            </a:r>
+            <a:r>
+              <a:rPr lang="en-US" altLang="zh-CN" dirty="0" err="1" smtClean="0"/>
+              <a:t>zeromq</a:t>
+            </a:r>
+            <a:endParaRPr lang="zh-CN" altLang="en-US" dirty="0"/>
+          </a:p>
+        </p:txBody>
+      </p:sp>
+      <p:sp>
+        <p:nvSpPr>
+          <p:cNvPr id="3" name="内容占位符 2"/>
+          <p:cNvSpPr>
+            <a:spLocks noGrp="1"/>
+          </p:cNvSpPr>
+          <p:nvPr>
+            <p:ph idx="1"/>
+          </p:nvPr>
+        </p:nvSpPr>
+        <p:spPr/>
+        <p:txBody>
+          <a:bodyPr/>
+          <a:lstStyle/>
+          <a:p>
+            <a:endParaRPr lang="zh-CN" altLang="en-US"/>
+          </a:p>
+        </p:txBody>
+      </p:sp>
+      <p:sp>
+        <p:nvSpPr>
+          <p:cNvPr id="4" name="页脚占位符 3"/>
+          <p:cNvSpPr>
+            <a:spLocks noGrp="1"/>
+          </p:cNvSpPr>
+          <p:nvPr>
+            <p:ph type="ftr" sz="quarter" idx="10"/>
+          </p:nvPr>
+        </p:nvSpPr>
+        <p:spPr/>
+        <p:txBody>
+          <a:bodyPr/>
+          <a:lstStyle/>
+          <a:p>
+            <a:r>
+              <a:rPr lang="zh-CN" altLang="en-US" smtClean="0"/>
+              <a:t>封仲淹（</a:t>
+            </a:r>
+            <a:r>
+              <a:rPr lang="en-US" altLang="zh-CN" smtClean="0"/>
+              <a:t>Longda Feng</a:t>
+            </a:r>
+            <a:r>
+              <a:rPr lang="zh-CN" altLang="en-US" smtClean="0"/>
+              <a:t>）</a:t>
+            </a:r>
+            <a:endParaRPr lang="en-US" altLang="zh-CN"/>
+          </a:p>
+        </p:txBody>
+      </p:sp>
+      <p:sp>
+        <p:nvSpPr>
+          <p:cNvPr id="5" name="日期占位符 4"/>
+          <p:cNvSpPr>
+            <a:spLocks noGrp="1"/>
+          </p:cNvSpPr>
+          <p:nvPr>
+            <p:ph type="dt" sz="half" idx="12"/>
+          </p:nvPr>
+        </p:nvSpPr>
+        <p:spPr/>
+        <p:txBody>
+          <a:bodyPr/>
+          <a:lstStyle/>
+          <a:p>
+            <a:r>
+              <a:rPr lang="en-US" altLang="zh-CN" smtClean="0"/>
+              <a:t>Alibaba</a:t>
+            </a:r>
+            <a:endParaRPr lang="en-US" altLang="zh-CN"/>
+          </a:p>
+        </p:txBody>
+      </p:sp>
+      <p:pic>
+        <p:nvPicPr>
+          <p:cNvPr id="6" name="图片 5"/>
+          <p:cNvPicPr/>
+          <p:nvPr/>
+        </p:nvPicPr>
+        <p:blipFill>
+          <a:blip r:embed="rId2"/>
+          <a:stretch>
+            <a:fillRect/>
+          </a:stretch>
+        </p:blipFill>
+        <p:spPr>
+          <a:xfrm>
+            <a:off x="179512" y="1124744"/>
+            <a:ext cx="8712968" cy="5184576"/>
+          </a:xfrm>
+          <a:prstGeom prst="rect">
+            <a:avLst/>
+          </a:prstGeom>
+        </p:spPr>
+      </p:pic>
+    </p:spTree>
+    <p:extLst>
+      <p:ext uri="{BB962C8B-B14F-4D97-AF65-F5344CB8AC3E}">
+        <p14:creationId xmlns:p14="http://schemas.microsoft.com/office/powerpoint/2010/main" val="3514147556"/>
+      </p:ext>
+    </p:extLst>
+  </p:cSld>
+  <p:clrMapOvr>
+    <a:masterClrMapping/>
+  </p:clrMapOvr>
+</p:sld>
+</file>
+
+<file path=ppt/slides/slide33.xml><?xml version="1.0" encoding="utf-8"?>
+<p:sld xmlns:a="http://schemas.openxmlformats.org/drawingml/2006/main" xmlns:r="http://schemas.openxmlformats.org/officeDocument/2006/relationships" xmlns:p="http://schemas.openxmlformats.org/presentationml/2006/main">
+  <p:cSld>
+    <p:spTree>
+      <p:nvGrpSpPr>
+        <p:cNvPr id="1" name=""/>
+        <p:cNvGrpSpPr/>
+        <p:nvPr/>
+      </p:nvGrpSpPr>
+      <p:grpSpPr>
+        <a:xfrm>
+          <a:off x="0" y="0"/>
+          <a:ext cx="0" cy="0"/>
+          <a:chOff x="0" y="0"/>
+          <a:chExt cx="0" cy="0"/>
+        </a:xfrm>
+      </p:grpSpPr>
+      <p:sp>
+        <p:nvSpPr>
+          <p:cNvPr id="2" name="标题 1"/>
+          <p:cNvSpPr>
+            <a:spLocks noGrp="1"/>
+          </p:cNvSpPr>
+          <p:nvPr>
+            <p:ph type="title"/>
+          </p:nvPr>
+        </p:nvSpPr>
+        <p:spPr/>
+        <p:txBody>
+          <a:bodyPr/>
+          <a:lstStyle/>
+          <a:p>
+            <a:r>
+              <a:rPr lang="en-US" altLang="zh-CN" dirty="0" smtClean="0"/>
+              <a:t>Storm with </a:t>
+            </a:r>
+            <a:r>
+              <a:rPr lang="en-US" altLang="zh-CN" dirty="0" err="1" smtClean="0"/>
+              <a:t>zeromq</a:t>
+            </a:r>
+            <a:endParaRPr lang="zh-CN" altLang="en-US" dirty="0"/>
+          </a:p>
+        </p:txBody>
+      </p:sp>
+      <p:sp>
+        <p:nvSpPr>
+          <p:cNvPr id="3" name="内容占位符 2"/>
+          <p:cNvSpPr>
+            <a:spLocks noGrp="1"/>
+          </p:cNvSpPr>
+          <p:nvPr>
+            <p:ph idx="1"/>
+          </p:nvPr>
+        </p:nvSpPr>
+        <p:spPr/>
+        <p:txBody>
+          <a:bodyPr/>
+          <a:lstStyle/>
+          <a:p>
+            <a:endParaRPr lang="zh-CN" altLang="en-US" dirty="0"/>
+          </a:p>
+        </p:txBody>
+      </p:sp>
+      <p:sp>
+        <p:nvSpPr>
+          <p:cNvPr id="4" name="页脚占位符 3"/>
+          <p:cNvSpPr>
+            <a:spLocks noGrp="1"/>
+          </p:cNvSpPr>
+          <p:nvPr>
+            <p:ph type="ftr" sz="quarter" idx="10"/>
+          </p:nvPr>
+        </p:nvSpPr>
+        <p:spPr/>
+        <p:txBody>
+          <a:bodyPr/>
+          <a:lstStyle/>
+          <a:p>
+            <a:r>
+              <a:rPr lang="zh-CN" altLang="en-US" smtClean="0"/>
+              <a:t>封仲淹（</a:t>
+            </a:r>
+            <a:r>
+              <a:rPr lang="en-US" altLang="zh-CN" smtClean="0"/>
+              <a:t>Longda Feng</a:t>
+            </a:r>
+            <a:r>
+              <a:rPr lang="zh-CN" altLang="en-US" smtClean="0"/>
+              <a:t>）</a:t>
+            </a:r>
+            <a:endParaRPr lang="en-US" altLang="zh-CN"/>
+          </a:p>
+        </p:txBody>
+      </p:sp>
+      <p:sp>
+        <p:nvSpPr>
+          <p:cNvPr id="5" name="日期占位符 4"/>
+          <p:cNvSpPr>
+            <a:spLocks noGrp="1"/>
+          </p:cNvSpPr>
+          <p:nvPr>
+            <p:ph type="dt" sz="half" idx="12"/>
+          </p:nvPr>
+        </p:nvSpPr>
+        <p:spPr/>
+        <p:txBody>
+          <a:bodyPr/>
+          <a:lstStyle/>
+          <a:p>
+            <a:r>
+              <a:rPr lang="en-US" altLang="zh-CN" smtClean="0"/>
+              <a:t>Alibaba</a:t>
+            </a:r>
+            <a:endParaRPr lang="en-US" altLang="zh-CN"/>
+          </a:p>
+        </p:txBody>
+      </p:sp>
+      <p:pic>
+        <p:nvPicPr>
+          <p:cNvPr id="6" name="图片 5"/>
+          <p:cNvPicPr/>
+          <p:nvPr/>
+        </p:nvPicPr>
+        <p:blipFill>
+          <a:blip r:embed="rId2"/>
+          <a:stretch>
+            <a:fillRect/>
+          </a:stretch>
+        </p:blipFill>
+        <p:spPr>
+          <a:xfrm>
+            <a:off x="179512" y="1196752"/>
+            <a:ext cx="8712968" cy="5256584"/>
+          </a:xfrm>
+          <a:prstGeom prst="rect">
+            <a:avLst/>
+          </a:prstGeom>
+        </p:spPr>
+      </p:pic>
+    </p:spTree>
+    <p:extLst>
+      <p:ext uri="{BB962C8B-B14F-4D97-AF65-F5344CB8AC3E}">
+        <p14:creationId xmlns:p14="http://schemas.microsoft.com/office/powerpoint/2010/main" val="1550129860"/>
+      </p:ext>
+    </p:extLst>
+  </p:cSld>
+  <p:clrMapOvr>
+    <a:masterClrMapping/>
+  </p:clrMapOvr>
+</p:sld>
+</file>
+
+<file path=ppt/slides/slide34.xml><?xml version="1.0" encoding="utf-8"?>
+<p:sld xmlns:a="http://schemas.openxmlformats.org/drawingml/2006/main" xmlns:r="http://schemas.openxmlformats.org/officeDocument/2006/relationships" xmlns:p="http://schemas.openxmlformats.org/presentationml/2006/main">
+  <p:cSld>
+    <p:spTree>
+      <p:nvGrpSpPr>
+        <p:cNvPr id="1" name=""/>
+        <p:cNvGrpSpPr/>
+        <p:nvPr/>
+      </p:nvGrpSpPr>
+      <p:grpSpPr>
+        <a:xfrm>
+          <a:off x="0" y="0"/>
+          <a:ext cx="0" cy="0"/>
+          <a:chOff x="0" y="0"/>
+          <a:chExt cx="0" cy="0"/>
+        </a:xfrm>
+      </p:grpSpPr>
+      <p:sp>
+        <p:nvSpPr>
+          <p:cNvPr id="2" name="标题 1"/>
+          <p:cNvSpPr>
+            <a:spLocks noGrp="1"/>
+          </p:cNvSpPr>
+          <p:nvPr>
+            <p:ph type="title"/>
+          </p:nvPr>
+        </p:nvSpPr>
+        <p:spPr/>
+        <p:txBody>
+          <a:bodyPr/>
+          <a:lstStyle/>
+          <a:p>
+            <a:r>
+              <a:rPr lang="zh-CN" altLang="en-US" dirty="0" smtClean="0"/>
+              <a:t>为什么更快</a:t>
+            </a:r>
+            <a:endParaRPr lang="zh-CN" altLang="en-US" dirty="0"/>
+          </a:p>
+        </p:txBody>
+      </p:sp>
+      <p:sp>
+        <p:nvSpPr>
+          <p:cNvPr id="3" name="内容占位符 2"/>
+          <p:cNvSpPr>
+            <a:spLocks noGrp="1"/>
+          </p:cNvSpPr>
+          <p:nvPr>
+            <p:ph idx="1"/>
+          </p:nvPr>
+        </p:nvSpPr>
+        <p:spPr/>
+        <p:txBody>
+          <a:bodyPr/>
+          <a:lstStyle/>
+          <a:p>
+            <a:r>
+              <a:rPr lang="en-US" altLang="zh-CN" dirty="0" err="1" smtClean="0"/>
+              <a:t>Zeromq</a:t>
+            </a:r>
+            <a:r>
+              <a:rPr lang="en-US" altLang="zh-CN" dirty="0" smtClean="0"/>
+              <a:t> </a:t>
+            </a:r>
+            <a:r>
+              <a:rPr lang="zh-CN" altLang="en-US" dirty="0" smtClean="0"/>
+              <a:t>减少一次内存拷贝</a:t>
+            </a:r>
+            <a:endParaRPr lang="en-US" altLang="zh-CN" dirty="0" smtClean="0"/>
+          </a:p>
+          <a:p>
+            <a:r>
+              <a:rPr lang="zh-CN" altLang="en-US" dirty="0" smtClean="0"/>
+              <a:t>增加反序列化线程</a:t>
+            </a:r>
+            <a:endParaRPr lang="en-US" altLang="zh-CN" dirty="0" smtClean="0"/>
+          </a:p>
+          <a:p>
+            <a:r>
+              <a:rPr lang="zh-CN" altLang="en-US" dirty="0" smtClean="0"/>
+              <a:t>重写采样代码，大幅减少采样影响</a:t>
+            </a:r>
+            <a:endParaRPr lang="en-US" altLang="zh-CN" dirty="0" smtClean="0"/>
+          </a:p>
+          <a:p>
+            <a:r>
+              <a:rPr lang="zh-CN" altLang="en-US" dirty="0" smtClean="0"/>
+              <a:t>优化</a:t>
+            </a:r>
+            <a:r>
+              <a:rPr lang="en-US" altLang="zh-CN" dirty="0" err="1" smtClean="0"/>
+              <a:t>ack</a:t>
+            </a:r>
+            <a:r>
+              <a:rPr lang="zh-CN" altLang="en-US" dirty="0" smtClean="0"/>
+              <a:t>代码</a:t>
+            </a:r>
+            <a:endParaRPr lang="en-US" altLang="zh-CN" dirty="0" smtClean="0"/>
+          </a:p>
+          <a:p>
+            <a:r>
+              <a:rPr lang="zh-CN" altLang="en-US" dirty="0" smtClean="0"/>
+              <a:t>优化缓冲</a:t>
+            </a:r>
+            <a:r>
+              <a:rPr lang="en-US" altLang="zh-CN" dirty="0" smtClean="0"/>
+              <a:t>map</a:t>
+            </a:r>
+            <a:r>
+              <a:rPr lang="zh-CN" altLang="en-US" dirty="0" smtClean="0"/>
+              <a:t>性能</a:t>
+            </a:r>
+            <a:endParaRPr lang="en-US" altLang="zh-CN" dirty="0" smtClean="0"/>
+          </a:p>
+          <a:p>
+            <a:r>
+              <a:rPr lang="en-US" altLang="zh-CN" dirty="0" smtClean="0"/>
+              <a:t>Java </a:t>
+            </a:r>
+            <a:r>
+              <a:rPr lang="zh-CN" altLang="en-US" dirty="0" smtClean="0"/>
+              <a:t>比</a:t>
+            </a:r>
+            <a:r>
+              <a:rPr lang="en-US" altLang="zh-CN" dirty="0" err="1" smtClean="0"/>
+              <a:t>clojure</a:t>
+            </a:r>
+            <a:r>
+              <a:rPr lang="zh-CN" altLang="en-US" dirty="0" smtClean="0"/>
+              <a:t>更底层</a:t>
+            </a:r>
+            <a:endParaRPr lang="zh-CN" altLang="en-US" dirty="0"/>
+          </a:p>
+        </p:txBody>
+      </p:sp>
+      <p:sp>
+        <p:nvSpPr>
+          <p:cNvPr id="4" name="页脚占位符 3"/>
+          <p:cNvSpPr>
+            <a:spLocks noGrp="1"/>
+          </p:cNvSpPr>
+          <p:nvPr>
+            <p:ph type="ftr" sz="quarter" idx="10"/>
+          </p:nvPr>
+        </p:nvSpPr>
+        <p:spPr/>
+        <p:txBody>
+          <a:bodyPr/>
+          <a:lstStyle/>
+          <a:p>
+            <a:r>
+              <a:rPr lang="zh-CN" altLang="en-US" smtClean="0"/>
+              <a:t>封仲淹（</a:t>
+            </a:r>
+            <a:r>
+              <a:rPr lang="en-US" altLang="zh-CN" smtClean="0"/>
+              <a:t>Longda Feng</a:t>
+            </a:r>
+            <a:r>
+              <a:rPr lang="zh-CN" altLang="en-US" smtClean="0"/>
+              <a:t>）</a:t>
+            </a:r>
+            <a:endParaRPr lang="en-US" altLang="zh-CN"/>
+          </a:p>
+        </p:txBody>
+      </p:sp>
+      <p:sp>
+        <p:nvSpPr>
+          <p:cNvPr id="5" name="日期占位符 4"/>
+          <p:cNvSpPr>
+            <a:spLocks noGrp="1"/>
+          </p:cNvSpPr>
+          <p:nvPr>
+            <p:ph type="dt" sz="half" idx="12"/>
+          </p:nvPr>
+        </p:nvSpPr>
+        <p:spPr/>
+        <p:txBody>
+          <a:bodyPr/>
+          <a:lstStyle/>
+          <a:p>
+            <a:r>
+              <a:rPr lang="en-US" altLang="zh-CN" smtClean="0"/>
+              <a:t>Alibaba</a:t>
+            </a:r>
+            <a:endParaRPr lang="en-US" altLang="zh-CN"/>
+          </a:p>
+        </p:txBody>
+      </p:sp>
+    </p:spTree>
+    <p:extLst>
+      <p:ext uri="{BB962C8B-B14F-4D97-AF65-F5344CB8AC3E}">
+        <p14:creationId xmlns:p14="http://schemas.microsoft.com/office/powerpoint/2010/main" val="1852232975"/>
+      </p:ext>
+    </p:extLst>
+  </p:cSld>
+  <p:clrMapOvr>
+    <a:masterClrMapping/>
+  </p:clrMapOvr>
+</p:sld>
+</file>
+
+<file path=ppt/slides/slide35.xml><?xml version="1.0" encoding="utf-8"?>
+<p:sld xmlns:a="http://schemas.openxmlformats.org/drawingml/2006/main" xmlns:r="http://schemas.openxmlformats.org/officeDocument/2006/relationships" xmlns:p="http://schemas.openxmlformats.org/presentationml/2006/main">
+  <p:cSld>
+    <p:spTree>
+      <p:nvGrpSpPr>
+        <p:cNvPr id="1" name=""/>
+        <p:cNvGrpSpPr/>
+        <p:nvPr/>
+      </p:nvGrpSpPr>
+      <p:grpSpPr>
+        <a:xfrm>
+          <a:off x="0" y="0"/>
+          <a:ext cx="0" cy="0"/>
+          <a:chOff x="0" y="0"/>
+          <a:chExt cx="0" cy="0"/>
+        </a:xfrm>
+      </p:grpSpPr>
+      <p:sp>
+        <p:nvSpPr>
+          <p:cNvPr id="2" name="标题 1"/>
+          <p:cNvSpPr>
+            <a:spLocks noGrp="1"/>
+          </p:cNvSpPr>
+          <p:nvPr>
+            <p:ph type="title"/>
+          </p:nvPr>
+        </p:nvSpPr>
+        <p:spPr/>
+        <p:txBody>
+          <a:bodyPr/>
+          <a:lstStyle/>
+          <a:p>
+            <a:r>
+              <a:rPr lang="en-US" altLang="zh-CN" dirty="0" smtClean="0"/>
+              <a:t>TODO List</a:t>
+            </a:r>
+            <a:endParaRPr lang="zh-CN" altLang="en-US" dirty="0"/>
+          </a:p>
+        </p:txBody>
+      </p:sp>
+      <p:sp>
+        <p:nvSpPr>
+          <p:cNvPr id="3" name="内容占位符 2"/>
+          <p:cNvSpPr>
+            <a:spLocks noGrp="1"/>
+          </p:cNvSpPr>
+          <p:nvPr>
+            <p:ph idx="1"/>
+          </p:nvPr>
+        </p:nvSpPr>
+        <p:spPr/>
+        <p:txBody>
+          <a:bodyPr/>
+          <a:lstStyle/>
+          <a:p>
+            <a:r>
+              <a:rPr lang="en-US" altLang="zh-CN" dirty="0" err="1" smtClean="0"/>
+              <a:t>Quato</a:t>
+            </a:r>
+            <a:r>
+              <a:rPr lang="zh-CN" altLang="en-US" dirty="0" smtClean="0"/>
+              <a:t>，每个</a:t>
+            </a:r>
+            <a:r>
+              <a:rPr lang="en-US" altLang="zh-CN" dirty="0" smtClean="0"/>
+              <a:t>group </a:t>
+            </a:r>
+            <a:r>
+              <a:rPr lang="zh-CN" altLang="en-US" dirty="0" smtClean="0"/>
+              <a:t>配额</a:t>
+            </a:r>
+            <a:endParaRPr lang="en-US" altLang="zh-CN" dirty="0" smtClean="0"/>
+          </a:p>
+          <a:p>
+            <a:r>
+              <a:rPr lang="en-US" altLang="zh-CN" dirty="0" smtClean="0"/>
+              <a:t>Storm on yarn</a:t>
+            </a:r>
+          </a:p>
+          <a:p>
+            <a:r>
+              <a:rPr lang="zh-CN" altLang="en-US" dirty="0" smtClean="0"/>
+              <a:t>应用自定义</a:t>
+            </a:r>
+            <a:r>
+              <a:rPr lang="en-US" altLang="zh-CN" dirty="0" smtClean="0"/>
+              <a:t>Hook</a:t>
+            </a:r>
+          </a:p>
+          <a:p>
+            <a:r>
+              <a:rPr lang="zh-CN" altLang="en-US" dirty="0" smtClean="0"/>
+              <a:t>权限管理</a:t>
+            </a:r>
+            <a:endParaRPr lang="zh-CN" altLang="en-US" dirty="0"/>
+          </a:p>
+        </p:txBody>
+      </p:sp>
+      <p:sp>
+        <p:nvSpPr>
+          <p:cNvPr id="4" name="页脚占位符 3"/>
+          <p:cNvSpPr>
+            <a:spLocks noGrp="1"/>
+          </p:cNvSpPr>
+          <p:nvPr>
+            <p:ph type="ftr" sz="quarter" idx="10"/>
+          </p:nvPr>
+        </p:nvSpPr>
+        <p:spPr/>
+        <p:txBody>
+          <a:bodyPr/>
+          <a:lstStyle/>
+          <a:p>
+            <a:r>
+              <a:rPr lang="zh-CN" altLang="en-US" smtClean="0"/>
+              <a:t>封仲淹（</a:t>
+            </a:r>
+            <a:r>
+              <a:rPr lang="en-US" altLang="zh-CN" smtClean="0"/>
+              <a:t>Longda Feng</a:t>
+            </a:r>
+            <a:r>
+              <a:rPr lang="zh-CN" altLang="en-US" smtClean="0"/>
+              <a:t>）</a:t>
+            </a:r>
+            <a:endParaRPr lang="en-US" altLang="zh-CN"/>
+          </a:p>
+        </p:txBody>
+      </p:sp>
+      <p:sp>
+        <p:nvSpPr>
+          <p:cNvPr id="5" name="日期占位符 4"/>
+          <p:cNvSpPr>
+            <a:spLocks noGrp="1"/>
+          </p:cNvSpPr>
+          <p:nvPr>
+            <p:ph type="dt" sz="half" idx="12"/>
+          </p:nvPr>
+        </p:nvSpPr>
+        <p:spPr/>
+        <p:txBody>
+          <a:bodyPr/>
+          <a:lstStyle/>
+          <a:p>
+            <a:r>
+              <a:rPr lang="en-US" altLang="zh-CN" smtClean="0"/>
+              <a:t>Alibaba</a:t>
+            </a:r>
+            <a:endParaRPr lang="en-US" altLang="zh-CN"/>
+          </a:p>
+        </p:txBody>
+      </p:sp>
+    </p:spTree>
+    <p:extLst>
+      <p:ext uri="{BB962C8B-B14F-4D97-AF65-F5344CB8AC3E}">
+        <p14:creationId xmlns:p14="http://schemas.microsoft.com/office/powerpoint/2010/main" val="3513222761"/>
+      </p:ext>
+    </p:extLst>
+  </p:cSld>
+  <p:clrMapOvr>
+    <a:masterClrMapping/>
+  </p:clrMapOvr>
+</p:sld>
+</file>
+
+<file path=ppt/slides/slide36.xml><?xml version="1.0" encoding="utf-8"?>
+<p:sld xmlns:a="http://schemas.openxmlformats.org/drawingml/2006/main" xmlns:r="http://schemas.openxmlformats.org/officeDocument/2006/relationships" xmlns:p="http://schemas.openxmlformats.org/presentationml/2006/main">
+  <p:cSld>
+    <p:spTree>
+      <p:nvGrpSpPr>
+        <p:cNvPr id="1" name=""/>
+        <p:cNvGrpSpPr/>
+        <p:nvPr/>
+      </p:nvGrpSpPr>
+      <p:grpSpPr>
+        <a:xfrm>
+          <a:off x="0" y="0"/>
+          <a:ext cx="0" cy="0"/>
+          <a:chOff x="0" y="0"/>
+          <a:chExt cx="0" cy="0"/>
+        </a:xfrm>
+      </p:grpSpPr>
+      <p:sp>
+        <p:nvSpPr>
+          <p:cNvPr id="2" name="标题 1"/>
+          <p:cNvSpPr>
+            <a:spLocks noGrp="1"/>
+          </p:cNvSpPr>
+          <p:nvPr>
+            <p:ph type="title"/>
+          </p:nvPr>
+        </p:nvSpPr>
+        <p:spPr/>
+        <p:txBody>
+          <a:bodyPr/>
+          <a:lstStyle/>
+          <a:p>
+            <a:r>
+              <a:rPr lang="zh-CN" altLang="en-US" dirty="0" smtClean="0"/>
+              <a:t>更多文档</a:t>
+            </a:r>
+            <a:endParaRPr lang="zh-CN" altLang="en-US" dirty="0"/>
+          </a:p>
+        </p:txBody>
+      </p:sp>
+      <p:sp>
+        <p:nvSpPr>
+          <p:cNvPr id="3" name="内容占位符 2"/>
+          <p:cNvSpPr>
+            <a:spLocks noGrp="1"/>
+          </p:cNvSpPr>
+          <p:nvPr>
+            <p:ph idx="1"/>
+          </p:nvPr>
+        </p:nvSpPr>
+        <p:spPr/>
+        <p:txBody>
+          <a:bodyPr/>
+          <a:lstStyle/>
+          <a:p>
+            <a:r>
+              <a:rPr lang="en-US" altLang="zh-CN" dirty="0">
+                <a:hlinkClick r:id="rId2"/>
+              </a:rPr>
+              <a:t>https://</a:t>
+            </a:r>
+            <a:r>
+              <a:rPr lang="en-US" altLang="zh-CN" dirty="0" smtClean="0">
+                <a:hlinkClick r:id="rId2"/>
+              </a:rPr>
+              <a:t>github.com/alibaba/jstorm/wiki</a:t>
+            </a:r>
+            <a:endParaRPr lang="en-US" altLang="zh-CN" dirty="0" smtClean="0"/>
+          </a:p>
+          <a:p>
+            <a:endParaRPr lang="en-US" altLang="zh-CN" dirty="0"/>
+          </a:p>
+          <a:p>
+            <a:r>
+              <a:rPr lang="zh-CN" altLang="en-US" dirty="0" smtClean="0"/>
+              <a:t>旺旺</a:t>
+            </a:r>
+            <a:r>
+              <a:rPr lang="zh-CN" altLang="en-US" dirty="0"/>
+              <a:t>群</a:t>
+            </a:r>
+            <a:r>
+              <a:rPr lang="zh-CN" altLang="en-US" dirty="0" smtClean="0"/>
+              <a:t>：</a:t>
+            </a:r>
+            <a:r>
+              <a:rPr lang="en-US" altLang="zh-CN" dirty="0" smtClean="0"/>
+              <a:t>Aloha</a:t>
+            </a:r>
+          </a:p>
+          <a:p>
+            <a:r>
+              <a:rPr lang="en-US" altLang="zh-CN" dirty="0" smtClean="0"/>
+              <a:t>QQ</a:t>
+            </a:r>
+            <a:r>
+              <a:rPr lang="zh-CN" altLang="en-US" dirty="0" smtClean="0"/>
+              <a:t>群：</a:t>
+            </a:r>
+            <a:r>
+              <a:rPr lang="en-US" altLang="zh-CN" dirty="0" smtClean="0"/>
+              <a:t>228374502</a:t>
+            </a:r>
+          </a:p>
+          <a:p>
+            <a:r>
+              <a:rPr lang="zh-CN" altLang="en-US" dirty="0" smtClean="0"/>
+              <a:t>来往公众账号</a:t>
+            </a:r>
+            <a:r>
+              <a:rPr lang="en-US" altLang="zh-CN" dirty="0" smtClean="0"/>
+              <a:t>: aloha</a:t>
+            </a:r>
+            <a:endParaRPr lang="zh-CN" altLang="en-US" dirty="0"/>
+          </a:p>
+        </p:txBody>
+      </p:sp>
+      <p:sp>
+        <p:nvSpPr>
+          <p:cNvPr id="4" name="页脚占位符 3"/>
+          <p:cNvSpPr>
+            <a:spLocks noGrp="1"/>
+          </p:cNvSpPr>
+          <p:nvPr>
+            <p:ph type="ftr" sz="quarter" idx="10"/>
+          </p:nvPr>
+        </p:nvSpPr>
+        <p:spPr/>
+        <p:txBody>
+          <a:bodyPr/>
+          <a:lstStyle/>
+          <a:p>
+            <a:r>
+              <a:rPr lang="zh-CN" altLang="en-US" smtClean="0"/>
+              <a:t>封仲淹（</a:t>
+            </a:r>
+            <a:r>
+              <a:rPr lang="en-US" altLang="zh-CN" smtClean="0"/>
+              <a:t>Longda Feng</a:t>
+            </a:r>
+            <a:r>
+              <a:rPr lang="zh-CN" altLang="en-US" smtClean="0"/>
+              <a:t>）</a:t>
+            </a:r>
+            <a:endParaRPr lang="en-US" altLang="zh-CN"/>
+          </a:p>
+        </p:txBody>
+      </p:sp>
+      <p:sp>
+        <p:nvSpPr>
+          <p:cNvPr id="5" name="日期占位符 4"/>
+          <p:cNvSpPr>
+            <a:spLocks noGrp="1"/>
+          </p:cNvSpPr>
+          <p:nvPr>
+            <p:ph type="dt" sz="half" idx="12"/>
+          </p:nvPr>
+        </p:nvSpPr>
+        <p:spPr/>
+        <p:txBody>
+          <a:bodyPr/>
+          <a:lstStyle/>
+          <a:p>
+            <a:r>
+              <a:rPr lang="en-US" altLang="zh-CN" smtClean="0"/>
+              <a:t>Alibaba</a:t>
+            </a:r>
+            <a:endParaRPr lang="en-US" altLang="zh-CN"/>
+          </a:p>
+        </p:txBody>
+      </p:sp>
+    </p:spTree>
+    <p:extLst>
+      <p:ext uri="{BB962C8B-B14F-4D97-AF65-F5344CB8AC3E}">
+        <p14:creationId xmlns:p14="http://schemas.microsoft.com/office/powerpoint/2010/main" val="1142319971"/>
+      </p:ext>
+    </p:extLst>
+  </p:cSld>
+  <p:clrMapOvr>
+    <a:masterClrMapping/>
+  </p:clrMapOvr>
+</p:sld>
+</file>
+
+<file path=ppt/slides/slide37.xml><?xml version="1.0" encoding="utf-8"?>
+<p:sld xmlns:a="http://schemas.openxmlformats.org/drawingml/2006/main" xmlns:r="http://schemas.openxmlformats.org/officeDocument/2006/relationships" xmlns:p="http://schemas.openxmlformats.org/presentationml/2006/main">
+  <p:cSld>
+    <p:spTree>
+      <p:nvGrpSpPr>
+        <p:cNvPr id="1" name=""/>
+        <p:cNvGrpSpPr/>
+        <p:nvPr/>
+      </p:nvGrpSpPr>
+      <p:grpSpPr>
+        <a:xfrm>
+          <a:off x="0" y="0"/>
+          <a:ext cx="0" cy="0"/>
+          <a:chOff x="0" y="0"/>
+          <a:chExt cx="0" cy="0"/>
+        </a:xfrm>
+      </p:grpSpPr>
+      <p:sp>
+        <p:nvSpPr>
+          <p:cNvPr id="88068" name="Text Box 4"/>
+          <p:cNvSpPr txBox="1">
+            <a:spLocks noChangeArrowheads="1"/>
+          </p:cNvSpPr>
+          <p:nvPr/>
+        </p:nvSpPr>
+        <p:spPr bwMode="auto">
+          <a:xfrm>
+            <a:off x="2286000" y="5867400"/>
+            <a:ext cx="4724400" cy="304800"/>
+          </a:xfrm>
+          <a:prstGeom prst="rect">
+            <a:avLst/>
+          </a:prstGeom>
+          <a:noFill/>
+          <a:ln>
+            <a:noFill/>
+          </a:ln>
+          <a:effectLst/>
+          <a:extLst>
+            <a:ext uri="{909E8E84-426E-40DD-AFC4-6F175D3DCCD1}">
+              <a14:hiddenFill xmlns:a14="http://schemas.microsoft.com/office/drawing/2010/main">
+                <a:solidFill>
+                  <a:schemeClr val="accent1"/>
+                </a:solidFill>
+              </a14:hiddenFill>
+            </a:ext>
+            <a:ext uri="{91240B29-F687-4F45-9708-019B960494DF}">
+              <a14:hiddenLine xmlns:a14="http://schemas.microsoft.com/office/drawing/2010/main" w="9525">
+                <a:solidFill>
+                  <a:schemeClr val="tx1"/>
+                </a:solidFill>
+                <a:miter lim="800000"/>
+                <a:headEnd/>
+                <a:tailEnd/>
+              </a14:hiddenLine>
+            </a:ext>
+            <a:ext uri="{AF507438-7753-43E0-B8FC-AC1667EBCBE1}">
+              <a14:hiddenEffects xmlns:a14="http://schemas.microsoft.com/office/drawing/2010/main">
+                <a:effectLst>
+                  <a:outerShdw dist="35921" dir="2700000" algn="ctr" rotWithShape="0">
+                    <a:schemeClr val="bg2"/>
+                  </a:outerShdw>
+                </a:effectLst>
+              </a14:hiddenEffects>
+            </a:ext>
+          </a:extLst>
+        </p:spPr>
+        <p:txBody>
+          <a:bodyPr>
+            <a:spAutoFit/>
+          </a:bodyPr>
+          <a:lstStyle/>
+          <a:p>
+            <a:pPr algn="ctr"/>
+            <a:r>
+              <a:rPr lang="zh-CN" altLang="en-US" sz="1400" b="1" dirty="0" smtClean="0">
+                <a:solidFill>
+                  <a:schemeClr val="tx2"/>
+                </a:solidFill>
+                <a:latin typeface="Verdana" pitchFamily="34" charset="0"/>
                 <a:ea typeface="宋体" charset="-122"/>
               </a:rPr>
-              <a:t>为什么启动</a:t>
-            </a:r>
-            <a:r>
-              <a:rPr lang="en-US" altLang="zh-CN" dirty="0" err="1" smtClean="0">
+              <a:t>纪君祥（</a:t>
+            </a:r>
+            <a:r>
+              <a:rPr lang="en-US" altLang="zh-CN" sz="1400" b="1" dirty="0" smtClean="0">
+                <a:solidFill>
+                  <a:schemeClr val="tx2"/>
+                </a:solidFill>
+                <a:latin typeface="Verdana" pitchFamily="34" charset="0"/>
                 <a:ea typeface="宋体" charset="-122"/>
               </a:rPr>
-              <a:t>Jstorm</a:t>
-            </a:r>
-            <a:r>
-              <a:rPr lang="zh-CN" altLang="en-US" dirty="0" smtClean="0">
+              <a:t>Longda </a:t>
+            </a:r>
+            <a:r>
+              <a:rPr lang="en-US" altLang="zh-CN" sz="1400" b="1" dirty="0" err="1" smtClean="0">
+                <a:solidFill>
+                  <a:schemeClr val="tx2"/>
+                </a:solidFill>
+                <a:latin typeface="Verdana" pitchFamily="34" charset="0"/>
                 <a:ea typeface="宋体" charset="-122"/>
               </a:rPr>
-              <a:t>项目</a:t>
-            </a:r>
-            <a:endParaRPr lang="en-US" altLang="zh-CN" dirty="0">
+              <a:t>Feng</a:t>
+            </a:r>
+            <a:r>
+              <a:rPr lang="zh-CN" altLang="en-US" sz="1400" b="1" dirty="0" smtClean="0">
+                <a:solidFill>
+                  <a:schemeClr val="tx2"/>
+                </a:solidFill>
+                <a:latin typeface="Verdana" pitchFamily="34" charset="0"/>
+                <a:ea typeface="宋体" charset="-122"/>
+              </a:rPr>
+              <a:t>）</a:t>
+            </a:r>
+            <a:endParaRPr lang="en-US" altLang="zh-CN" sz="1400" b="1" dirty="0">
+              <a:solidFill>
+                <a:schemeClr val="tx2"/>
+              </a:solidFill>
+              <a:latin typeface="Verdana" pitchFamily="34" charset="0"/>
               <a:ea typeface="宋体" charset="-122"/>
             </a:endParaRPr>
           </a:p>
@@ -7427,159 +13021,94 @@
       </p:sp>
       <p:sp>
         <p:nvSpPr>
-          <p:cNvPr id="70659" name="Rectangle 3"/>
-          <p:cNvSpPr>
-            <a:spLocks noGrp="1" noChangeArrowheads="1"/>
-          </p:cNvSpPr>
-          <p:nvPr>
-            <p:ph type="body" idx="1"/>
-          </p:nvPr>
-        </p:nvSpPr>
-        <p:spPr>
+          <p:cNvPr id="88069" name="WordArt 5"/>
+          <p:cNvSpPr>
+            <a:spLocks noChangeArrowheads="1" noChangeShapeType="1" noTextEdit="1"/>
+          </p:cNvSpPr>
+          <p:nvPr/>
+        </p:nvSpPr>
+        <p:spPr bwMode="gray">
           <a:xfrm>
-            <a:off x="619125" y="1468438"/>
-            <a:ext cx="7824788" cy="4852987"/>
+            <a:off x="1907704" y="3861048"/>
+            <a:ext cx="5759450" cy="863600"/>
           </a:xfrm>
+          <a:prstGeom prst="rect">
+            <a:avLst/>
+          </a:prstGeom>
         </p:spPr>
         <p:txBody>
-          <a:bodyPr/>
-          <a:lstStyle/>
-          <a:p>
-            <a:pPr>
-              <a:lnSpc>
-                <a:spcPct val="80000"/>
-              </a:lnSpc>
-            </a:pPr>
-            <a:r>
-              <a:rPr lang="en-US" altLang="zh-CN" sz="2900" dirty="0" smtClean="0">
-                <a:ea typeface="宋体" charset="-122"/>
+          <a:bodyPr wrap="none" fromWordArt="1">
+            <a:prstTxWarp prst="textDeflate">
+              <a:avLst>
+                <a:gd name="adj" fmla="val 0"/>
+              </a:avLst>
+            </a:prstTxWarp>
+          </a:bodyPr>
+          <a:lstStyle/>
+          <a:p>
+            <a:pPr algn="ctr"/>
+            <a:r>
+              <a:rPr lang="en-US" altLang="zh-CN" sz="3600" b="1" kern="10" dirty="0" smtClean="0">
+                <a:ln w="19050">
+                  <a:solidFill>
+                    <a:schemeClr val="bg1"/>
+                  </a:solidFill>
+                  <a:round/>
+                  <a:headEnd/>
+                  <a:tailEnd/>
+                </a:ln>
+                <a:gradFill rotWithShape="1">
+                  <a:gsLst>
+                    <a:gs pos="0">
+                      <a:schemeClr val="tx1"/>
+                    </a:gs>
+                    <a:gs pos="100000">
+                      <a:schemeClr val="accent1"/>
+                    </a:gs>
+                  </a:gsLst>
+                  <a:lin ang="0" scaled="1"/>
+                </a:gradFill>
+                <a:effectLst>
+                  <a:outerShdw dist="63500" dir="2212194" algn="ctr" rotWithShape="0">
+                    <a:srgbClr val="868686">
+                      <a:alpha val="50000"/>
+                    </a:srgbClr>
+                  </a:outerShdw>
+                </a:effectLst>
+                <a:latin typeface="Arial"/>
+                <a:cs typeface="Arial"/>
               </a:rPr>
-              <a:t>Ali </a:t>
-            </a:r>
-            <a:r>
-              <a:rPr lang="zh-CN" altLang="en-US" sz="2900" dirty="0" smtClean="0">
-                <a:ea typeface="宋体" charset="-122"/>
-              </a:rPr>
-              <a:t>拥有自己的流式计算引擎</a:t>
-            </a:r>
-            <a:endParaRPr lang="en-US" altLang="zh-CN" sz="2900" dirty="0" smtClean="0">
-              <a:ea typeface="宋体" charset="-122"/>
-            </a:endParaRPr>
-          </a:p>
-          <a:p>
-            <a:pPr lvl="1">
-              <a:lnSpc>
-                <a:spcPct val="80000"/>
-              </a:lnSpc>
-            </a:pPr>
-            <a:r>
-              <a:rPr lang="zh-CN" altLang="en-US" sz="2500" dirty="0" smtClean="0">
-                <a:ea typeface="宋体" charset="-122"/>
-              </a:rPr>
-              <a:t>避免受制于开源</a:t>
-            </a:r>
-            <a:r>
-              <a:rPr lang="en-US" altLang="zh-CN" sz="2500" dirty="0" smtClean="0">
-                <a:ea typeface="宋体" charset="-122"/>
-              </a:rPr>
-              <a:t>storm</a:t>
-            </a:r>
-          </a:p>
-          <a:p>
-            <a:pPr lvl="1">
-              <a:lnSpc>
-                <a:spcPct val="80000"/>
-              </a:lnSpc>
-            </a:pPr>
-            <a:r>
-              <a:rPr lang="zh-CN" altLang="en-US" sz="2500" dirty="0" smtClean="0">
-                <a:ea typeface="宋体" charset="-122"/>
-              </a:rPr>
-              <a:t>降低未来运维成本</a:t>
-            </a:r>
-            <a:endParaRPr lang="en-US" altLang="zh-CN" sz="2500" dirty="0" smtClean="0">
-              <a:ea typeface="宋体" charset="-122"/>
-            </a:endParaRPr>
-          </a:p>
-          <a:p>
-            <a:pPr lvl="1">
-              <a:lnSpc>
-                <a:spcPct val="80000"/>
-              </a:lnSpc>
-            </a:pPr>
-            <a:r>
-              <a:rPr lang="zh-CN" altLang="en-US" sz="2500" dirty="0" smtClean="0">
-                <a:ea typeface="宋体" charset="-122"/>
-              </a:rPr>
-              <a:t>降低开发学习成本</a:t>
-            </a:r>
-            <a:endParaRPr lang="en-US" altLang="zh-CN" sz="2500" dirty="0" smtClean="0">
-              <a:ea typeface="宋体" charset="-122"/>
-            </a:endParaRPr>
-          </a:p>
-          <a:p>
-            <a:pPr>
-              <a:lnSpc>
-                <a:spcPct val="80000"/>
-              </a:lnSpc>
-            </a:pPr>
-            <a:r>
-              <a:rPr lang="zh-CN" altLang="en-US" sz="2900" dirty="0" smtClean="0">
-                <a:ea typeface="宋体" charset="-122"/>
-              </a:rPr>
-              <a:t>解决现有</a:t>
-            </a:r>
-            <a:r>
-              <a:rPr lang="en-US" altLang="zh-CN" sz="2900" dirty="0" smtClean="0">
-                <a:ea typeface="宋体" charset="-122"/>
-              </a:rPr>
-              <a:t>storm</a:t>
-            </a:r>
-            <a:r>
-              <a:rPr lang="zh-CN" altLang="en-US" sz="2900" dirty="0" smtClean="0">
-                <a:ea typeface="宋体" charset="-122"/>
-              </a:rPr>
-              <a:t>存在的一些弊端</a:t>
-            </a:r>
-            <a:endParaRPr lang="en-US" altLang="zh-CN" sz="2900" dirty="0" smtClean="0">
-              <a:ea typeface="宋体" charset="-122"/>
-            </a:endParaRPr>
-          </a:p>
-          <a:p>
-            <a:pPr>
-              <a:lnSpc>
-                <a:spcPct val="80000"/>
-              </a:lnSpc>
-            </a:pPr>
-            <a:r>
-              <a:rPr lang="zh-CN" altLang="en-US" sz="2900" dirty="0" smtClean="0">
-                <a:ea typeface="宋体" charset="-122"/>
-              </a:rPr>
-              <a:t>增加流式计算技术储备</a:t>
-            </a:r>
-            <a:r>
-              <a:rPr lang="en-US" altLang="zh-CN" sz="2900" dirty="0">
-                <a:ea typeface="宋体" charset="-122"/>
-              </a:rPr>
-              <a:t/>
-            </a:r>
-            <a:br>
-              <a:rPr lang="en-US" altLang="zh-CN" sz="2900" dirty="0">
-                <a:ea typeface="宋体" charset="-122"/>
-              </a:rPr>
-            </a:br>
-            <a:endParaRPr lang="en-US" altLang="zh-CN" sz="2900" dirty="0">
-              <a:ea typeface="宋体" charset="-122"/>
-            </a:endParaRPr>
-          </a:p>
-          <a:p>
-            <a:pPr lvl="1">
-              <a:lnSpc>
-                <a:spcPct val="80000"/>
-              </a:lnSpc>
-            </a:pPr>
-            <a:endParaRPr lang="en-US" altLang="zh-CN" sz="2900" dirty="0">
-              <a:ea typeface="宋体" charset="-122"/>
+              <a:t>Q &amp; A</a:t>
+            </a:r>
+            <a:endParaRPr lang="zh-CN" altLang="en-US" sz="3600" b="1" kern="10" dirty="0">
+              <a:ln w="19050">
+                <a:solidFill>
+                  <a:schemeClr val="bg1"/>
+                </a:solidFill>
+                <a:round/>
+                <a:headEnd/>
+                <a:tailEnd/>
+              </a:ln>
+              <a:gradFill rotWithShape="1">
+                <a:gsLst>
+                  <a:gs pos="0">
+                    <a:schemeClr val="tx1"/>
+                  </a:gs>
+                  <a:gs pos="100000">
+                    <a:schemeClr val="accent1"/>
+                  </a:gs>
+                </a:gsLst>
+                <a:lin ang="0" scaled="1"/>
+              </a:gradFill>
+              <a:effectLst>
+                <a:outerShdw dist="63500" dir="2212194" algn="ctr" rotWithShape="0">
+                  <a:srgbClr val="868686">
+                    <a:alpha val="50000"/>
+                  </a:srgbClr>
+                </a:outerShdw>
+              </a:effectLst>
+              <a:latin typeface="Arial"/>
+              <a:cs typeface="Arial"/>
             </a:endParaRPr>
           </a:p>
         </p:txBody>
@@ -7592,9 +13121,137 @@
   <p:timing>
     <p:tnLst>
       <p:par>
-        <p:cTn id="1" dur="indefinite" restart="never" nodeType="tmRoot"/>
+        <p:cTn id="1" dur="indefinite" restart="never" nodeType="tmRoot">
+          <p:childTnLst>
+            <p:seq concurrent="1" nextAc="seek">
+              <p:cTn id="2" dur="indefinite" nodeType="mainSeq">
+                <p:childTnLst>
+                  <p:par>
+                    <p:cTn id="3" fill="hold" nodeType="clickPar">
+                      <p:stCondLst>
+                        <p:cond delay="indefinite"/>
+                        <p:cond evt="onBegin" delay="0">
+                          <p:tn val="2"/>
+                        </p:cond>
+                      </p:stCondLst>
+                      <p:childTnLst>
+                        <p:par>
+                          <p:cTn id="4" fill="hold" nodeType="withGroup">
+                            <p:stCondLst>
+                              <p:cond delay="0"/>
+                            </p:stCondLst>
+                            <p:childTnLst>
+                              <p:par>
+                                <p:cTn id="5" presetID="53" presetClass="entr" presetSubtype="0" fill="hold" grpId="0" nodeType="afterEffect">
+                                  <p:stCondLst>
+                                    <p:cond delay="0"/>
+                                  </p:stCondLst>
+                                  <p:childTnLst>
+                                    <p:set>
+                                      <p:cBhvr>
+                                        <p:cTn id="6" dur="1" fill="hold">
+                                          <p:stCondLst>
+                                            <p:cond delay="0"/>
+                                          </p:stCondLst>
+                                        </p:cTn>
+                                        <p:tgtEl>
+                                          <p:spTgt spid="88069"/>
+                                        </p:tgtEl>
+                                        <p:attrNameLst>
+                                          <p:attrName>style.visibility</p:attrName>
+                                        </p:attrNameLst>
+                                      </p:cBhvr>
+                                      <p:to>
+                                        <p:strVal val="visible"/>
+                                      </p:to>
+                                    </p:set>
+                                    <p:anim calcmode="lin" valueType="num">
+                                      <p:cBhvr>
+                                        <p:cTn id="7" dur="500" fill="hold"/>
+                                        <p:tgtEl>
+                                          <p:spTgt spid="88069"/>
+                                        </p:tgtEl>
+                                        <p:attrNameLst>
+                                          <p:attrName>ppt_w</p:attrName>
+                                        </p:attrNameLst>
+                                      </p:cBhvr>
+                                      <p:tavLst>
+                                        <p:tav tm="0">
+                                          <p:val>
+                                            <p:fltVal val="0"/>
+                                          </p:val>
+                                        </p:tav>
+                                        <p:tav tm="100000">
+                                          <p:val>
+                                            <p:strVal val="#ppt_w"/>
+                                          </p:val>
+                                        </p:tav>
+                                      </p:tavLst>
+                                    </p:anim>
+                                    <p:anim calcmode="lin" valueType="num">
+                                      <p:cBhvr>
+                                        <p:cTn id="8" dur="500" fill="hold"/>
+                                        <p:tgtEl>
+                                          <p:spTgt spid="88069"/>
+                                        </p:tgtEl>
+                                        <p:attrNameLst>
+                                          <p:attrName>ppt_h</p:attrName>
+                                        </p:attrNameLst>
+                                      </p:cBhvr>
+                                      <p:tavLst>
+                                        <p:tav tm="0">
+                                          <p:val>
+                                            <p:fltVal val="0"/>
+                                          </p:val>
+                                        </p:tav>
+                                        <p:tav tm="100000">
+                                          <p:val>
+                                            <p:strVal val="#ppt_h"/>
+                                          </p:val>
+                                        </p:tav>
+                                      </p:tavLst>
+                                    </p:anim>
+                                    <p:animEffect transition="in" filter="fade">
+                                      <p:cBhvr>
+                                        <p:cTn id="9" dur="500"/>
+                                        <p:tgtEl>
+                                          <p:spTgt spid="88069"/>
+                                        </p:tgtEl>
+                                      </p:cBhvr>
+                                    </p:animEffect>
+                                  </p:childTnLst>
+                                </p:cTn>
+                              </p:par>
+                            </p:childTnLst>
+                          </p:cTn>
+                        </p:par>
+                      </p:childTnLst>
+                    </p:cTn>
+                  </p:par>
+                </p:childTnLst>
+              </p:cTn>
+              <p:prevCondLst>
+                <p:cond evt="onPrev" delay="0">
+                  <p:tgtEl>
+                    <p:sldTgt/>
+                  </p:tgtEl>
+                </p:cond>
+              </p:prevCondLst>
+              <p:nextCondLst>
+                <p:cond evt="onNext" delay="0">
+                  <p:tgtEl>
+                    <p:sldTgt/>
+                  </p:tgtEl>
+                </p:cond>
+              </p:nextCondLst>
+            </p:seq>
+          </p:childTnLst>
+        </p:cTn>
       </p:par>
     </p:tnLst>
+    <p:bldLst>
+      <p:bldP spid="88069" grpId="0" animBg="1"/>
+    </p:bldLst>
   </p:timing>
 </p:sld>
 </file>
@@ -7632,16 +13289,8 @@
           <a:lstStyle/>
           <a:p>
             <a:r>
-              <a:rPr lang="en-US" altLang="zh-CN" dirty="0" err="1" smtClean="0"/>
-              <a:t>Jstorm</a:t>
-            </a:r>
-            <a:r>
-              <a:rPr lang="en-US" altLang="zh-CN" dirty="0" smtClean="0"/>
-              <a:t> </a:t>
-            </a:r>
-            <a:r>
-              <a:rPr lang="zh-CN" altLang="en-US" dirty="0" smtClean="0"/>
-              <a:t>概叙</a:t>
+              <a:rPr lang="zh-CN" altLang="en-US" dirty="0" smtClean="0"/>
+              <a:t>处理数据特点</a:t>
             </a:r>
             <a:endParaRPr lang="zh-CN" altLang="en-US" dirty="0"/>
           </a:p>
@@ -7663,79 +13312,8 @@
           <a:lstStyle/>
           <a:p>
             <a:r>
-              <a:rPr lang="en-US" altLang="zh-CN" dirty="0" err="1" smtClean="0"/>
-              <a:t>Jstorm</a:t>
-            </a:r>
-            <a:r>
-              <a:rPr lang="en-US" altLang="zh-CN" dirty="0" smtClean="0"/>
-              <a:t> </a:t>
-            </a:r>
-            <a:r>
-              <a:rPr lang="zh-CN" altLang="en-US" dirty="0" smtClean="0"/>
-              <a:t>就是用</a:t>
-            </a:r>
-            <a:r>
-              <a:rPr lang="en-US" altLang="zh-CN" dirty="0" smtClean="0"/>
-              <a:t>java </a:t>
-            </a:r>
-            <a:r>
-              <a:rPr lang="zh-CN" altLang="en-US" dirty="0" smtClean="0"/>
-              <a:t>实现</a:t>
-            </a:r>
-            <a:r>
-              <a:rPr lang="en-US" altLang="zh-CN" dirty="0" smtClean="0"/>
-              <a:t>storm</a:t>
-            </a:r>
-            <a:r>
-              <a:rPr lang="zh-CN" altLang="en-US" dirty="0" smtClean="0"/>
-              <a:t>， 开源</a:t>
-            </a:r>
-            <a:r>
-              <a:rPr lang="en-US" altLang="zh-CN" dirty="0" smtClean="0"/>
-              <a:t>storm</a:t>
-            </a:r>
-            <a:r>
-              <a:rPr lang="zh-CN" altLang="en-US" dirty="0" smtClean="0"/>
-              <a:t>核心代码均为</a:t>
-            </a:r>
-            <a:r>
-              <a:rPr lang="en-US" altLang="zh-CN" dirty="0" err="1" smtClean="0"/>
-              <a:t>clojure</a:t>
-            </a:r>
-            <a:r>
-              <a:rPr lang="zh-CN" altLang="en-US" dirty="0" smtClean="0"/>
-              <a:t>编写</a:t>
-            </a:r>
-            <a:endParaRPr lang="en-US" altLang="zh-CN" dirty="0" smtClean="0"/>
-          </a:p>
-          <a:p>
-            <a:r>
-              <a:rPr lang="zh-CN" altLang="en-US" dirty="0" smtClean="0"/>
-              <a:t>运行在</a:t>
-            </a:r>
-            <a:r>
-              <a:rPr lang="en-US" altLang="zh-CN" dirty="0" smtClean="0"/>
-              <a:t>storm</a:t>
-            </a:r>
-            <a:r>
-              <a:rPr lang="zh-CN" altLang="en-US" dirty="0" smtClean="0"/>
-              <a:t>上的</a:t>
-            </a:r>
-            <a:r>
-              <a:rPr lang="en-US" altLang="zh-CN" dirty="0" smtClean="0"/>
-              <a:t>topology </a:t>
-            </a:r>
-            <a:r>
-              <a:rPr lang="zh-CN" altLang="en-US" dirty="0" smtClean="0"/>
-              <a:t>直接可以运行在</a:t>
-            </a:r>
-            <a:r>
-              <a:rPr lang="en-US" altLang="zh-CN" dirty="0" err="1" smtClean="0"/>
-              <a:t>jstorm</a:t>
-            </a:r>
-            <a:r>
-              <a:rPr lang="zh-CN" altLang="en-US" dirty="0" smtClean="0"/>
-              <a:t>上，接口完全兼容</a:t>
+              <a:rPr lang="zh-CN" altLang="en-US" dirty="0" smtClean="0"/>
+              <a:t>基于消息的流水线处理系统</a:t>
             </a:r>
             <a:endParaRPr lang="zh-CN" altLang="en-US" dirty="0"/>
           </a:p>
@@ -7789,29 +13367,63 @@
           <a:p>
             <a:r>
               <a:rPr lang="en-US" altLang="zh-CN" smtClean="0"/>
-              <a:t>Alipay</a:t>
+              <a:t>Alibaba</a:t>
             </a:r>
             <a:endParaRPr lang="en-US" altLang="zh-CN"/>
           </a:p>
         </p:txBody>
       </p:sp>
+      <p:pic>
+        <p:nvPicPr>
+          <p:cNvPr id="2050" name="Picture 2" descr="topology"/>
+          <p:cNvPicPr>
+            <a:picLocks noChangeAspect="1" noChangeArrowheads="1"/>
+          </p:cNvPicPr>
+          <p:nvPr/>
+        </p:nvPicPr>
+        <p:blipFill>
+          <a:blip r:embed="rId2">
+            <a:extLst>
+              <a:ext uri="{28A0092B-C50C-407E-A947-70E740481C1C}">
+                <a14:useLocalDpi xmlns:a14="http://schemas.microsoft.com/office/drawing/2010/main" val="0"/>
+              </a:ext>
+            </a:extLst>
+          </a:blip>
+          <a:srcRect/>
+          <a:stretch>
+            <a:fillRect/>
+          </a:stretch>
+        </p:blipFill>
+        <p:spPr bwMode="auto">
+          <a:xfrm>
+            <a:off x="1547664" y="2132856"/>
+            <a:ext cx="4924425" cy="3152775"/>
+          </a:xfrm>
+          <a:prstGeom prst="rect">
+            <a:avLst/>
+          </a:prstGeom>
+          <a:noFill/>
+          <a:extLst>
+            <a:ext uri="{909E8E84-426E-40DD-AFC4-6F175D3DCCD1}">
+              <a14:hiddenFill xmlns:a14="http://schemas.microsoft.com/office/drawing/2010/main">
+                <a:solidFill>
+                  <a:srgbClr val="FFFFFF"/>
+                </a:solidFill>
+              </a14:hiddenFill>
+            </a:ext>
+          </a:extLst>
+        </p:spPr>
+      </p:pic>
     </p:spTree>
     <p:extLst>
       <p:ext uri="{BB962C8B-B14F-4D97-AF65-F5344CB8AC3E}">
-        <p14:creationId xmlns:p14="http://schemas.microsoft.com/office/powerpoint/2010/main" val="4124532790"/>
+        <p14:creationId xmlns:p14="http://schemas.microsoft.com/office/powerpoint/2010/main" val="3593230425"/>
       </p:ext>
     </p:extLst>
   </p:cSld>
   <p:clrMapOvr>
     <a:masterClrMapping/>
   </p:clrMapOvr>
-  <p:timing>
-    <p:tnLst>
-      <p:par>
-        <p:cTn id="1" dur="indefinite" restart="never" nodeType="tmRoot"/>
-      </p:par>
-    </p:tnLst>
-  </p:timing>
 </p:sld>
 </file>
 
@@ -7849,19 +13461,11 @@
           <a:p>
             <a:r>
               <a:rPr lang="zh-CN" altLang="en-US" dirty="0" smtClean="0"/>
-              <a:t>修改</a:t>
-            </a:r>
-            <a:r>
-              <a:rPr lang="en-US" altLang="zh-CN" dirty="0" smtClean="0"/>
-              <a:t>1 – </a:t>
-            </a:r>
-            <a:r>
-              <a:rPr lang="en-US" altLang="zh-CN" dirty="0" err="1" smtClean="0"/>
-              <a:t>zeromq</a:t>
-            </a:r>
-            <a:r>
-              <a:rPr lang="zh-CN" altLang="en-US" dirty="0" smtClean="0"/>
-              <a:t>雪崩</a:t>
+              <a:t>优点</a:t>
+            </a:r>
+            <a:r>
+              <a:rPr lang="en-US" altLang="zh-CN" dirty="0"/>
+              <a:t>1</a:t>
             </a:r>
             <a:endParaRPr lang="zh-CN" altLang="en-US" dirty="0"/>
           </a:p>
@@ -7883,8 +13487,20 @@
           <a:lstStyle/>
           <a:p>
             <a:r>
-              <a:rPr lang="zh-CN" altLang="en-US" dirty="0" smtClean="0"/>
-              <a:t>原因：</a:t>
+              <a:rPr lang="zh-CN" altLang="en-US" dirty="0"/>
+              <a:t>开发非常迅速， </a:t>
+            </a:r>
+            <a:r>
+              <a:rPr lang="zh-CN" altLang="en-US" dirty="0" smtClean="0"/>
+              <a:t>容易</a:t>
+            </a:r>
+            <a:r>
+              <a:rPr lang="zh-CN" altLang="en-US" dirty="0"/>
+              <a:t>上手</a:t>
+            </a:r>
+            <a:r>
+              <a:rPr lang="zh-CN" altLang="en-US" dirty="0" smtClean="0"/>
+              <a:t>，</a:t>
             </a:r>
             <a:endParaRPr lang="en-US" altLang="zh-CN" dirty="0" smtClean="0"/>
           </a:p>
@@ -7892,61 +13508,62 @@
             <a:pPr lvl="1"/>
             <a:r>
               <a:rPr lang="zh-CN" altLang="en-US" dirty="0" smtClean="0"/>
-              <a:t>发送的速度大于接受的速度，导致</a:t>
-            </a:r>
-            <a:r>
-              <a:rPr lang="en-US" altLang="zh-CN" dirty="0" err="1" smtClean="0"/>
-              <a:t>zeromq</a:t>
-            </a:r>
-            <a:r>
-              <a:rPr lang="zh-CN" altLang="en-US" dirty="0" smtClean="0"/>
-              <a:t>不断消耗内存，最终系统崩溃，并引起数据链上多节点</a:t>
-            </a:r>
-            <a:r>
-              <a:rPr lang="en-US" altLang="zh-CN" dirty="0" smtClean="0"/>
-              <a:t>down</a:t>
-            </a:r>
-          </a:p>
-          <a:p>
-            <a:r>
-              <a:rPr lang="zh-CN" altLang="en-US" dirty="0" smtClean="0"/>
-              <a:t>解决办法：</a:t>
-            </a:r>
-            <a:endParaRPr lang="en-US" altLang="zh-CN" dirty="0" smtClean="0"/>
-          </a:p>
-          <a:p>
-            <a:pPr lvl="1"/>
-            <a:r>
-              <a:rPr lang="zh-CN" altLang="en-US" dirty="0" smtClean="0"/>
-              <a:t>修改底层</a:t>
-            </a:r>
-            <a:r>
-              <a:rPr lang="en-US" altLang="zh-CN" dirty="0" err="1" smtClean="0"/>
-              <a:t>zeromq</a:t>
-            </a:r>
-            <a:r>
-              <a:rPr lang="zh-CN" altLang="en-US" dirty="0" smtClean="0"/>
-              <a:t>属性</a:t>
-            </a:r>
-            <a:r>
-              <a:rPr lang="en-US" altLang="zh-CN" dirty="0" smtClean="0"/>
-              <a:t>MAX_QUEUE_MSG</a:t>
-            </a:r>
-          </a:p>
-          <a:p>
-            <a:pPr lvl="1"/>
-            <a:r>
-              <a:rPr lang="zh-CN" altLang="en-US" dirty="0" smtClean="0"/>
-              <a:t>增加收包线程，从而发送和接受线程独立</a:t>
-            </a:r>
-            <a:endParaRPr lang="en-US" altLang="zh-CN" dirty="0" smtClean="0"/>
-          </a:p>
-          <a:p>
-            <a:pPr lvl="1"/>
-            <a:endParaRPr lang="en-US" altLang="zh-CN" dirty="0" smtClean="0"/>
-          </a:p>
-          <a:p>
-            <a:pPr lvl="1"/>
+              <a:t>只要</a:t>
+            </a:r>
+            <a:r>
+              <a:rPr lang="zh-CN" altLang="en-US" dirty="0"/>
+              <a:t>遵守</a:t>
+            </a:r>
+            <a:r>
+              <a:rPr lang="en-US" altLang="zh-CN" dirty="0"/>
+              <a:t>Topology</a:t>
+            </a:r>
+            <a:r>
+              <a:rPr lang="zh-CN" altLang="en-US" dirty="0"/>
+              <a:t>，</a:t>
+            </a:r>
+            <a:r>
+              <a:rPr lang="en-US" altLang="zh-CN" dirty="0"/>
+              <a:t>Spout</a:t>
+            </a:r>
+            <a:r>
+              <a:rPr lang="zh-CN" altLang="en-US" dirty="0"/>
+              <a:t>， </a:t>
+            </a:r>
+            <a:r>
+              <a:rPr lang="en-US" altLang="zh-CN" dirty="0"/>
+              <a:t>Bolt</a:t>
+            </a:r>
+            <a:r>
+              <a:rPr lang="zh-CN" altLang="en-US" dirty="0"/>
+              <a:t>的编程规范即可开发出一个扩展性极好的应用，底层</a:t>
+            </a:r>
+            <a:r>
+              <a:rPr lang="en-US" altLang="zh-CN" dirty="0" err="1"/>
+              <a:t>rpc</a:t>
+            </a:r>
+            <a:r>
+              <a:rPr lang="zh-CN" altLang="en-US" dirty="0"/>
+              <a:t>，</a:t>
+            </a:r>
+            <a:r>
+              <a:rPr lang="en-US" altLang="zh-CN" dirty="0"/>
+              <a:t>worker</a:t>
+            </a:r>
+            <a:r>
+              <a:rPr lang="zh-CN" altLang="en-US" dirty="0"/>
+              <a:t>之间冗余，数据分流之类</a:t>
+            </a:r>
+            <a:r>
+              <a:rPr lang="zh-CN" altLang="en-US" dirty="0" smtClean="0"/>
+              <a:t>的操作，开发者完全</a:t>
+            </a:r>
+            <a:r>
+              <a:rPr lang="zh-CN" altLang="en-US" dirty="0"/>
+              <a:t>不用考虑。</a:t>
+            </a:r>
+          </a:p>
+          <a:p>
             <a:endParaRPr lang="zh-CN" altLang="en-US" dirty="0"/>
           </a:p>
         </p:txBody>
@@ -7967,26 +13584,18 @@
           <a:lstStyle/>
           <a:p>
             <a:r>
-              <a:rPr lang="zh-CN" altLang="en-US" dirty="0"/>
-              <a:t>封仲淹</a:t>
-            </a:r>
-            <a:r>
-              <a:rPr lang="zh-CN" altLang="en-US" dirty="0" smtClean="0"/>
-              <a:t>（</a:t>
-            </a:r>
-            <a:r>
-              <a:rPr lang="en-US" altLang="zh-CN" dirty="0" smtClean="0"/>
-              <a:t>Longda </a:t>
-            </a:r>
-            <a:r>
-              <a:rPr lang="en-US" altLang="zh-CN" dirty="0" err="1" smtClean="0"/>
-              <a:t>Feng</a:t>
-            </a:r>
-            <a:r>
-              <a:rPr lang="zh-CN" altLang="en-US" dirty="0" smtClean="0"/>
+              <a:rPr lang="zh-CN" altLang="en-US" smtClean="0"/>
+              <a:t>封仲淹（</a:t>
+            </a:r>
+            <a:r>
+              <a:rPr lang="en-US" altLang="zh-CN" smtClean="0"/>
+              <a:t>Longda Feng</a:t>
+            </a:r>
+            <a:r>
+              <a:rPr lang="zh-CN" altLang="en-US" smtClean="0"/>
               <a:t>）</a:t>
             </a:r>
-            <a:endParaRPr lang="en-US" altLang="zh-CN" dirty="0"/>
+            <a:endParaRPr lang="en-US" altLang="zh-CN"/>
           </a:p>
         </p:txBody>
       </p:sp>
@@ -8007,7 +13616,7 @@
           <a:p>
             <a:r>
               <a:rPr lang="en-US" altLang="zh-CN" smtClean="0"/>
-              <a:t>Alipay</a:t>
+              <a:t>Alibaba</a:t>
             </a:r>
             <a:endParaRPr lang="en-US" altLang="zh-CN"/>
           </a:p>
@@ -8016,20 +13625,13 @@
     </p:spTree>
     <p:extLst>
       <p:ext uri="{BB962C8B-B14F-4D97-AF65-F5344CB8AC3E}">
-        <p14:creationId xmlns:p14="http://schemas.microsoft.com/office/powerpoint/2010/main" val="3764795685"/>
+        <p14:creationId xmlns:p14="http://schemas.microsoft.com/office/powerpoint/2010/main" val="2196299049"/>
       </p:ext>
     </p:extLst>
   </p:cSld>
   <p:clrMapOvr>
     <a:masterClrMapping/>
   </p:clrMapOvr>
-  <p:timing>
-    <p:tnLst>
-      <p:par>
-        <p:cTn id="1" dur="indefinite" restart="never" nodeType="tmRoot"/>
-      </p:par>
-    </p:tnLst>
-  </p:timing>
 </p:sld>
 </file>
 
@@ -8067,15 +13669,11 @@
           <a:p>
             <a:r>
               <a:rPr lang="zh-CN" altLang="en-US" dirty="0" smtClean="0"/>
-              <a:t>修改</a:t>
+              <a:t>优点</a:t>
             </a:r>
             <a:r>
               <a:rPr lang="en-US" altLang="zh-CN" dirty="0" smtClean="0"/>
-              <a:t>2 – zookeeper</a:t>
-            </a:r>
-            <a:r>
-              <a:rPr lang="zh-CN" altLang="en-US" dirty="0" smtClean="0"/>
-              <a:t>优化</a:t>
+              <a:t>2</a:t>
             </a:r>
             <a:endParaRPr lang="zh-CN" altLang="en-US" dirty="0"/>
           </a:p>
@@ -8097,190 +13695,24 @@
           <a:lstStyle/>
           <a:p>
             <a:r>
-              <a:rPr lang="en-US" altLang="zh-CN" sz="2400" dirty="0" smtClean="0"/>
-              <a:t>Nimbus</a:t>
-            </a:r>
-            <a:endParaRPr lang="en-US" altLang="zh-CN" sz="2400" dirty="0"/>
+              <a:rPr lang="zh-CN" altLang="en-US" dirty="0"/>
+              <a:t>扩展性极</a:t>
+            </a:r>
+            <a:r>
+              <a:rPr lang="zh-CN" altLang="en-US" dirty="0" smtClean="0"/>
+              <a:t>好 </a:t>
+            </a:r>
+            <a:endParaRPr lang="en-US" altLang="zh-CN" dirty="0" smtClean="0"/>
           </a:p>
           <a:p>
             <a:pPr lvl="1"/>
             <a:r>
-              <a:rPr lang="zh-CN" altLang="en-US" sz="2400" dirty="0" smtClean="0"/>
-              <a:t>原每</a:t>
-            </a:r>
-            <a:r>
-              <a:rPr lang="en-US" altLang="zh-CN" sz="2400" dirty="0" smtClean="0"/>
-              <a:t>10</a:t>
-            </a:r>
-            <a:r>
-              <a:rPr lang="zh-CN" altLang="en-US" sz="2400" dirty="0" smtClean="0"/>
-              <a:t>秒扫描</a:t>
-            </a:r>
-            <a:r>
-              <a:rPr lang="en-US" altLang="zh-CN" sz="2400" dirty="0" err="1" smtClean="0"/>
-              <a:t>zk</a:t>
-            </a:r>
-            <a:r>
-              <a:rPr lang="en-US" altLang="zh-CN" sz="2400" dirty="0" smtClean="0"/>
-              <a:t> /storm</a:t>
-            </a:r>
-            <a:r>
-              <a:rPr lang="zh-CN" altLang="en-US" sz="2400" dirty="0" smtClean="0"/>
-              <a:t>下所有节点，改为每</a:t>
-            </a:r>
-            <a:r>
-              <a:rPr lang="en-US" altLang="zh-CN" sz="2400" dirty="0" smtClean="0"/>
-              <a:t>10</a:t>
-            </a:r>
-            <a:r>
-              <a:rPr lang="zh-CN" altLang="en-US" sz="2400" dirty="0" smtClean="0"/>
-              <a:t>秒仅扫描</a:t>
-            </a:r>
-            <a:r>
-              <a:rPr lang="en-US" altLang="zh-CN" sz="2400" dirty="0" smtClean="0"/>
-              <a:t>task </a:t>
-            </a:r>
-            <a:r>
-              <a:rPr lang="zh-CN" altLang="en-US" sz="2400" dirty="0" smtClean="0"/>
-              <a:t>心跳节点</a:t>
-            </a:r>
-            <a:endParaRPr lang="en-US" altLang="zh-CN" sz="2400" dirty="0" smtClean="0"/>
-          </a:p>
-          <a:p>
-            <a:pPr lvl="1"/>
-            <a:r>
-              <a:rPr lang="zh-CN" altLang="en-US" sz="2400" dirty="0" smtClean="0"/>
-              <a:t>取消对</a:t>
-            </a:r>
-            <a:r>
-              <a:rPr lang="en-US" altLang="zh-CN" sz="2400" dirty="0" smtClean="0"/>
-              <a:t>supervisor</a:t>
-            </a:r>
-            <a:r>
-              <a:rPr lang="zh-CN" altLang="en-US" sz="2400" dirty="0" smtClean="0"/>
-              <a:t>节点监听</a:t>
-            </a:r>
-            <a:endParaRPr lang="en-US" altLang="zh-CN" sz="2400" dirty="0" smtClean="0"/>
-          </a:p>
-          <a:p>
-            <a:r>
-              <a:rPr lang="en-US" altLang="zh-CN" sz="2400" dirty="0" smtClean="0"/>
-              <a:t>Supervisor</a:t>
-            </a:r>
-          </a:p>
-          <a:p>
-            <a:pPr lvl="1"/>
-            <a:r>
-              <a:rPr lang="zh-CN" altLang="en-US" sz="2400" dirty="0" smtClean="0"/>
-              <a:t>心跳周期由</a:t>
-            </a:r>
-            <a:r>
-              <a:rPr lang="en-US" altLang="zh-CN" sz="2400" dirty="0" smtClean="0"/>
-              <a:t>5</a:t>
-            </a:r>
-            <a:r>
-              <a:rPr lang="zh-CN" altLang="en-US" sz="2400" dirty="0" smtClean="0"/>
-              <a:t>秒改为</a:t>
-            </a:r>
-            <a:r>
-              <a:rPr lang="en-US" altLang="zh-CN" sz="2400" dirty="0" smtClean="0"/>
-              <a:t>10</a:t>
-            </a:r>
-            <a:r>
-              <a:rPr lang="zh-CN" altLang="en-US" sz="2400" dirty="0" smtClean="0"/>
-              <a:t>秒</a:t>
-            </a:r>
-            <a:endParaRPr lang="en-US" altLang="zh-CN" sz="2400" dirty="0" smtClean="0"/>
-          </a:p>
-          <a:p>
-            <a:pPr lvl="1"/>
-            <a:r>
-              <a:rPr lang="en-US" altLang="zh-CN" sz="2400" dirty="0" smtClean="0"/>
-              <a:t>Monitor</a:t>
-            </a:r>
-            <a:r>
-              <a:rPr lang="zh-CN" altLang="en-US" sz="2400" dirty="0" smtClean="0"/>
-              <a:t>周期由</a:t>
-            </a:r>
-            <a:r>
-              <a:rPr lang="en-US" altLang="zh-CN" sz="2400" dirty="0" smtClean="0"/>
-              <a:t>3</a:t>
-            </a:r>
-            <a:r>
-              <a:rPr lang="zh-CN" altLang="en-US" sz="2400" dirty="0" smtClean="0"/>
-              <a:t>秒改为</a:t>
-            </a:r>
-            <a:r>
-              <a:rPr lang="en-US" altLang="zh-CN" sz="2400" dirty="0" smtClean="0"/>
-              <a:t>10</a:t>
-            </a:r>
-            <a:r>
-              <a:rPr lang="zh-CN" altLang="en-US" sz="2400" dirty="0" smtClean="0"/>
-              <a:t>秒</a:t>
-            </a:r>
-            <a:r>
-              <a:rPr lang="en-US" altLang="zh-CN" sz="2400" dirty="0" smtClean="0"/>
-              <a:t>, </a:t>
-            </a:r>
-            <a:r>
-              <a:rPr lang="zh-CN" altLang="en-US" sz="2400" dirty="0" smtClean="0"/>
-              <a:t>并减少扫描一次</a:t>
-            </a:r>
-            <a:r>
-              <a:rPr lang="en-US" altLang="zh-CN" sz="2400" dirty="0" smtClean="0"/>
-              <a:t>assignment</a:t>
-            </a:r>
-          </a:p>
-          <a:p>
-            <a:r>
-              <a:rPr lang="en-US" altLang="zh-CN" sz="2400" dirty="0" smtClean="0"/>
-              <a:t>Task/worker</a:t>
-            </a:r>
-          </a:p>
-          <a:p>
-            <a:pPr lvl="1"/>
-            <a:r>
-              <a:rPr lang="zh-CN" altLang="en-US" sz="2400" dirty="0" smtClean="0"/>
-              <a:t>心跳周期由</a:t>
-            </a:r>
-            <a:r>
-              <a:rPr lang="en-US" altLang="zh-CN" sz="2400" dirty="0" smtClean="0"/>
-              <a:t>3</a:t>
-            </a:r>
-            <a:r>
-              <a:rPr lang="zh-CN" altLang="en-US" sz="2400" dirty="0" smtClean="0"/>
-              <a:t>秒改为</a:t>
-            </a:r>
-            <a:r>
-              <a:rPr lang="en-US" altLang="zh-CN" sz="2400" dirty="0" smtClean="0"/>
-              <a:t>10</a:t>
-            </a:r>
-            <a:r>
-              <a:rPr lang="zh-CN" altLang="en-US" sz="2400" dirty="0" smtClean="0"/>
-              <a:t>秒</a:t>
-            </a:r>
-            <a:endParaRPr lang="en-US" altLang="zh-CN" sz="2400" dirty="0" smtClean="0"/>
-          </a:p>
-          <a:p>
-            <a:r>
-              <a:rPr lang="zh-CN" altLang="en-US" sz="2400" dirty="0" smtClean="0"/>
-              <a:t>所有</a:t>
-            </a:r>
-            <a:r>
-              <a:rPr lang="en-US" altLang="zh-CN" sz="2400" dirty="0" err="1" smtClean="0"/>
-              <a:t>zk</a:t>
-            </a:r>
-            <a:r>
-              <a:rPr lang="en-US" altLang="zh-CN" sz="2400" dirty="0" smtClean="0"/>
-              <a:t> operation</a:t>
-            </a:r>
-            <a:r>
-              <a:rPr lang="zh-CN" altLang="en-US" sz="2400" dirty="0" smtClean="0"/>
-              <a:t>增加</a:t>
-            </a:r>
-            <a:r>
-              <a:rPr lang="en-US" altLang="zh-CN" sz="2400" dirty="0" smtClean="0"/>
-              <a:t>catch exception</a:t>
+              <a:rPr lang="zh-CN" altLang="en-US" dirty="0" smtClean="0"/>
+              <a:t>当</a:t>
+            </a:r>
+            <a:r>
+              <a:rPr lang="zh-CN" altLang="en-US" dirty="0"/>
+              <a:t>一级处理单元速度，直接配置一下并发数，即可线性扩展性能</a:t>
             </a:r>
           </a:p>
         </p:txBody>
@@ -8312,7 +13744,7 @@
               <a:rPr lang="zh-CN" altLang="en-US" smtClean="0"/>
               <a:t>）</a:t>
             </a:r>
-            <a:endParaRPr lang="en-US" altLang="zh-CN" dirty="0"/>
+            <a:endParaRPr lang="en-US" altLang="zh-CN"/>
           </a:p>
         </p:txBody>
       </p:sp>
@@ -8333,29 +13765,63 @@
           <a:p>
             <a:r>
               <a:rPr lang="en-US" altLang="zh-CN" smtClean="0"/>
-              <a:t>Alipay</a:t>
+              <a:t>Alibaba</a:t>
             </a:r>
             <a:endParaRPr lang="en-US" altLang="zh-CN"/>
           </a:p>
         </p:txBody>
       </p:sp>
+      <p:pic>
+        <p:nvPicPr>
+          <p:cNvPr id="3074" name="Picture 2" descr="spoutbolt"/>
+          <p:cNvPicPr>
+            <a:picLocks noChangeAspect="1" noChangeArrowheads="1"/>
+          </p:cNvPicPr>
+          <p:nvPr/>
+        </p:nvPicPr>
+        <p:blipFill>
+          <a:blip r:embed="rId2">
+            <a:extLst>
+              <a:ext uri="{28A0092B-C50C-407E-A947-70E740481C1C}">
+                <a14:useLocalDpi xmlns:a14="http://schemas.microsoft.com/office/drawing/2010/main" val="0"/>
+              </a:ext>
+            </a:extLst>
+          </a:blip>
+          <a:srcRect/>
+          <a:stretch>
+            <a:fillRect/>
+          </a:stretch>
+        </p:blipFill>
+        <p:spPr bwMode="auto">
+          <a:xfrm>
+            <a:off x="899592" y="3429000"/>
+            <a:ext cx="7038975" cy="2171701"/>
+          </a:xfrm>
+          <a:prstGeom prst="rect">
+            <a:avLst/>
+          </a:prstGeom>
+          <a:noFill/>
+          <a:extLst>
+            <a:ext uri="{909E8E84-426E-40DD-AFC4-6F175D3DCCD1}">
+              <a14:hiddenFill xmlns:a14="http://schemas.microsoft.com/office/drawing/2010/main">
+                <a:solidFill>
+                  <a:srgbClr val="FFFFFF"/>
+                </a:solidFill>
+              </a14:hiddenFill>
+            </a:ext>
+          </a:extLst>
+        </p:spPr>
+      </p:pic>
     </p:spTree>
     <p:extLst>
       <p:ext uri="{BB962C8B-B14F-4D97-AF65-F5344CB8AC3E}">
-        <p14:creationId xmlns:p14="http://schemas.microsoft.com/office/powerpoint/2010/main" val="1550149149"/>
+        <p14:creationId xmlns:p14="http://schemas.microsoft.com/office/powerpoint/2010/main" val="1082897923"/>
       </p:ext>
     </p:extLst>
   </p:cSld>
   <p:clrMapOvr>
     <a:masterClrMapping/>
   </p:clrMapOvr>
-  <p:timing>
-    <p:tnLst>
-      <p:par>
-        <p:cTn id="1" dur="indefinite" restart="never" nodeType="tmRoot"/>
-      </p:par>
-    </p:tnLst>
-  </p:timing>
 </p:sld>
 </file>
 
@@ -8393,15 +13859,11 @@
           <a:p>
             <a:r>
               <a:rPr lang="zh-CN" altLang="en-US" dirty="0" smtClean="0"/>
-              <a:t>修改</a:t>
+              <a:t>优点</a:t>
             </a:r>
             <a:r>
               <a:rPr lang="en-US" altLang="zh-CN" dirty="0" smtClean="0"/>
-              <a:t>3 </a:t>
-            </a:r>
-            <a:r>
-              <a:rPr lang="zh-CN" altLang="en-US" dirty="0" smtClean="0"/>
-              <a:t>性能优化</a:t>
+              <a:t>3</a:t>
             </a:r>
             <a:endParaRPr lang="zh-CN" altLang="en-US" dirty="0"/>
           </a:p>
@@ -8423,160 +13885,52 @@
           <a:lstStyle/>
           <a:p>
             <a:r>
-              <a:rPr lang="zh-CN" altLang="en-US" sz="2800" dirty="0"/>
-              <a:t>从</a:t>
-            </a:r>
-            <a:r>
-              <a:rPr lang="en-US" altLang="zh-CN" sz="2800" dirty="0" err="1"/>
-              <a:t>ZeroMq</a:t>
-            </a:r>
-            <a:r>
-              <a:rPr lang="zh-CN" altLang="en-US" sz="2800" dirty="0"/>
-              <a:t>到</a:t>
-            </a:r>
-            <a:r>
-              <a:rPr lang="en-US" altLang="zh-CN" sz="2800" dirty="0"/>
-              <a:t>Execute</a:t>
-            </a:r>
-            <a:r>
-              <a:rPr lang="zh-CN" altLang="en-US" sz="2800" dirty="0"/>
-              <a:t>线程，减少一次内存拷贝</a:t>
-            </a:r>
-            <a:endParaRPr lang="en-US" altLang="zh-CN" sz="2800" dirty="0"/>
-          </a:p>
-          <a:p>
-            <a:r>
-              <a:rPr lang="zh-CN" altLang="en-US" sz="2800" dirty="0"/>
-              <a:t>采样优化，由</a:t>
-            </a:r>
-            <a:r>
-              <a:rPr lang="en-US" altLang="zh-CN" sz="2800" dirty="0"/>
-              <a:t>20tuple</a:t>
-            </a:r>
-            <a:r>
-              <a:rPr lang="zh-CN" altLang="en-US" sz="2800" dirty="0"/>
-              <a:t>一次改为</a:t>
-            </a:r>
-            <a:r>
-              <a:rPr lang="en-US" altLang="zh-CN" sz="2800" dirty="0"/>
-              <a:t>5</a:t>
-            </a:r>
-            <a:r>
-              <a:rPr lang="zh-CN" altLang="en-US" sz="2800" dirty="0"/>
-              <a:t>秒进行一次采样计算</a:t>
-            </a:r>
-            <a:r>
-              <a:rPr lang="en-US" altLang="zh-CN" sz="2800" dirty="0"/>
-              <a:t>, </a:t>
-            </a:r>
-            <a:r>
-              <a:rPr lang="zh-CN" altLang="en-US" sz="2800" dirty="0"/>
-              <a:t>可以提高</a:t>
-            </a:r>
-            <a:r>
-              <a:rPr lang="en-US" altLang="zh-CN" sz="2800" dirty="0"/>
-              <a:t>1K QPS</a:t>
-            </a:r>
-          </a:p>
-          <a:p>
-            <a:r>
-              <a:rPr lang="zh-CN" altLang="en-US" sz="2800" dirty="0" smtClean="0"/>
-              <a:t>接收</a:t>
-            </a:r>
-            <a:r>
-              <a:rPr lang="en-US" altLang="zh-CN" sz="2800" dirty="0" smtClean="0"/>
-              <a:t>/</a:t>
-            </a:r>
-            <a:r>
-              <a:rPr lang="zh-CN" altLang="en-US" sz="2800" dirty="0" smtClean="0"/>
-              <a:t>发送线程独立</a:t>
-            </a:r>
-            <a:endParaRPr lang="en-US" altLang="zh-CN" sz="2800" dirty="0" smtClean="0"/>
-          </a:p>
-          <a:p>
-            <a:r>
-              <a:rPr lang="en-US" altLang="zh-CN" sz="2800" dirty="0" smtClean="0"/>
-              <a:t>Acker</a:t>
-            </a:r>
-            <a:r>
-              <a:rPr lang="zh-CN" altLang="en-US" sz="2800" dirty="0" smtClean="0"/>
-              <a:t>优化， 精简</a:t>
-            </a:r>
-            <a:r>
-              <a:rPr lang="en-US" altLang="zh-CN" sz="2800" dirty="0" smtClean="0"/>
-              <a:t>acker</a:t>
-            </a:r>
-            <a:r>
-              <a:rPr lang="zh-CN" altLang="en-US" sz="2800" dirty="0" smtClean="0"/>
-              <a:t>操作</a:t>
-            </a:r>
-            <a:endParaRPr lang="en-US" altLang="zh-CN" sz="2800" dirty="0" smtClean="0"/>
-          </a:p>
-          <a:p>
-            <a:r>
-              <a:rPr lang="en-US" altLang="zh-CN" sz="2800" dirty="0" smtClean="0"/>
-              <a:t>Worker</a:t>
-            </a:r>
-            <a:r>
-              <a:rPr lang="zh-CN" altLang="en-US" sz="2800" dirty="0"/>
-              <a:t> </a:t>
-            </a:r>
-            <a:r>
-              <a:rPr lang="zh-CN" altLang="en-US" sz="2800" dirty="0"/>
-              <a:t>内</a:t>
-            </a:r>
-            <a:r>
-              <a:rPr lang="en-US" altLang="zh-CN" sz="2800" dirty="0" smtClean="0"/>
-              <a:t>task </a:t>
-            </a:r>
-            <a:r>
-              <a:rPr lang="zh-CN" altLang="en-US" sz="2800" dirty="0" smtClean="0"/>
-              <a:t>通讯 不走</a:t>
-            </a:r>
-            <a:r>
-              <a:rPr lang="en-US" altLang="zh-CN" sz="2800" dirty="0" err="1" smtClean="0"/>
-              <a:t>zeromq</a:t>
-            </a:r>
-            <a:r>
-              <a:rPr lang="zh-CN" altLang="en-US" sz="2800" dirty="0" smtClean="0"/>
-              <a:t>，直接内存通讯</a:t>
-            </a:r>
-            <a:endParaRPr lang="en-US" altLang="zh-CN" sz="2800" dirty="0" smtClean="0"/>
-          </a:p>
-          <a:p>
-            <a:r>
-              <a:rPr lang="en-US" altLang="zh-CN" sz="2800" dirty="0"/>
-              <a:t>Java </a:t>
-            </a:r>
-            <a:r>
-              <a:rPr lang="zh-CN" altLang="en-US" sz="2800" dirty="0"/>
-              <a:t>比</a:t>
-            </a:r>
-            <a:r>
-              <a:rPr lang="en-US" altLang="zh-CN" sz="2800" dirty="0" err="1"/>
-              <a:t>clojure</a:t>
-            </a:r>
-            <a:r>
-              <a:rPr lang="zh-CN" altLang="en-US" sz="2800" dirty="0"/>
-              <a:t>性能更好</a:t>
-            </a:r>
-            <a:endParaRPr lang="en-US" altLang="zh-CN" sz="2800" dirty="0"/>
-          </a:p>
-          <a:p>
-            <a:endParaRPr lang="en-US" altLang="zh-CN" sz="2800" dirty="0" smtClean="0"/>
-          </a:p>
-          <a:p>
-            <a:r>
-              <a:rPr lang="zh-CN" altLang="en-US" sz="2800" dirty="0" smtClean="0"/>
-              <a:t>。</a:t>
-            </a:r>
-            <a:r>
-              <a:rPr lang="zh-CN" altLang="en-US" sz="2800" dirty="0" smtClean="0"/>
-              <a:t>。。</a:t>
-            </a:r>
-            <a:endParaRPr lang="en-US" altLang="zh-CN" sz="2800" dirty="0" smtClean="0"/>
-          </a:p>
-          <a:p>
+              <a:rPr lang="zh-CN" altLang="en-US" dirty="0" smtClean="0"/>
+              <a:t>健壮</a:t>
+            </a:r>
+            <a:endParaRPr lang="en-US" altLang="zh-CN" dirty="0"/>
+          </a:p>
+          <a:p>
+            <a:pPr lvl="1"/>
+            <a:r>
+              <a:rPr lang="zh-CN" altLang="en-US" dirty="0" smtClean="0"/>
+              <a:t>当</a:t>
+            </a:r>
+            <a:r>
+              <a:rPr lang="en-US" altLang="zh-CN" dirty="0"/>
+              <a:t>worker</a:t>
+            </a:r>
+            <a:r>
+              <a:rPr lang="zh-CN" altLang="en-US" dirty="0"/>
+              <a:t>失效或机器出现故障时， 自动分配新的</a:t>
+            </a:r>
+            <a:r>
+              <a:rPr lang="en-US" altLang="zh-CN" dirty="0"/>
+              <a:t>worker</a:t>
+            </a:r>
+            <a:r>
+              <a:rPr lang="zh-CN" altLang="en-US" dirty="0"/>
+              <a:t>替换失效</a:t>
+            </a:r>
+            <a:r>
+              <a:rPr lang="en-US" altLang="zh-CN" dirty="0" smtClean="0"/>
+              <a:t>worker</a:t>
+            </a:r>
+          </a:p>
+          <a:p>
+            <a:pPr lvl="1"/>
+            <a:r>
+              <a:rPr lang="zh-CN" altLang="en-US" dirty="0" smtClean="0"/>
+              <a:t>调度器</a:t>
+            </a:r>
+            <a:r>
+              <a:rPr lang="en-US" altLang="zh-CN" dirty="0" smtClean="0"/>
+              <a:t>Nimbus </a:t>
+            </a:r>
+            <a:r>
+              <a:rPr lang="zh-CN" altLang="en-US" dirty="0" smtClean="0"/>
+              <a:t>采用主从备份，支持热切</a:t>
+            </a:r>
             <a:endParaRPr lang="zh-CN" altLang="en-US" dirty="0"/>
           </a:p>
         </p:txBody>
@@ -8629,7 +13983,7 @@
           <a:p>
             <a:r>
               <a:rPr lang="en-US" altLang="zh-CN" smtClean="0"/>
-              <a:t>Alipay</a:t>
+              <a:t>Alibaba</a:t>
             </a:r>
             <a:endParaRPr lang="en-US" altLang="zh-CN"/>
           </a:p>
@@ -8638,20 +13992,13 @@
     </p:spTree>
     <p:extLst>
       <p:ext uri="{BB962C8B-B14F-4D97-AF65-F5344CB8AC3E}">
-        <p14:creationId xmlns:p14="http://schemas.microsoft.com/office/powerpoint/2010/main" val="2801417428"/>
+        <p14:creationId xmlns:p14="http://schemas.microsoft.com/office/powerpoint/2010/main" val="727311717"/>
       </p:ext>
     </p:extLst>
   </p:cSld>
   <p:clrMapOvr>
     <a:masterClrMapping/>
   </p:clrMapOvr>
-  <p:timing>
-    <p:tnLst>
-      <p:par>
-        <p:cTn id="1" dur="indefinite" restart="never" nodeType="tmRoot"/>
-      </p:par>
-    </p:tnLst>
-  </p:timing>
 </p:sld>
 </file>
 
@@ -8689,15 +14036,11 @@
           <a:p>
             <a:r>
               <a:rPr lang="zh-CN" altLang="en-US" dirty="0" smtClean="0"/>
-              <a:t>修改</a:t>
+              <a:t>优点</a:t>
             </a:r>
             <a:r>
               <a:rPr lang="en-US" altLang="zh-CN" dirty="0" smtClean="0"/>
-              <a:t>4 </a:t>
-            </a:r>
-            <a:r>
-              <a:rPr lang="zh-CN" altLang="en-US" dirty="0" smtClean="0"/>
-              <a:t>稳定性提高</a:t>
+              <a:t>4</a:t>
             </a:r>
             <a:endParaRPr lang="zh-CN" altLang="en-US" dirty="0"/>
           </a:p>
@@ -8719,96 +14062,36 @@
           <a:lstStyle/>
           <a:p>
             <a:r>
-              <a:rPr lang="en-US" altLang="zh-CN" dirty="0" smtClean="0"/>
-              <a:t>Supervisor</a:t>
-            </a:r>
-            <a:r>
-              <a:rPr lang="zh-CN" altLang="en-US" dirty="0" smtClean="0"/>
-              <a:t>主线程中增加</a:t>
-            </a:r>
-            <a:r>
-              <a:rPr lang="en-US" altLang="zh-CN" dirty="0" smtClean="0"/>
-              <a:t>error handing</a:t>
-            </a:r>
-          </a:p>
-          <a:p>
-            <a:r>
-              <a:rPr lang="en-US" altLang="zh-CN" dirty="0" smtClean="0"/>
-              <a:t>Spout/Bolt </a:t>
-            </a:r>
-            <a:r>
-              <a:rPr lang="zh-CN" altLang="en-US" dirty="0" smtClean="0"/>
-              <a:t>的</a:t>
-            </a:r>
-            <a:r>
-              <a:rPr lang="en-US" altLang="zh-CN" dirty="0" smtClean="0"/>
-              <a:t>open/prepare </a:t>
-            </a:r>
-            <a:r>
-              <a:rPr lang="zh-CN" altLang="en-US" dirty="0" smtClean="0"/>
-              <a:t>增加</a:t>
-            </a:r>
-            <a:r>
-              <a:rPr lang="en-US" altLang="zh-CN" dirty="0" smtClean="0"/>
-              <a:t>error handling</a:t>
-            </a:r>
-          </a:p>
-          <a:p>
-            <a:r>
-              <a:rPr lang="zh-CN" altLang="en-US" dirty="0" smtClean="0"/>
-              <a:t>所有文件</a:t>
-            </a:r>
-            <a:r>
-              <a:rPr lang="en-US" altLang="zh-CN" dirty="0" err="1" smtClean="0"/>
-              <a:t>io</a:t>
-            </a:r>
-            <a:r>
-              <a:rPr lang="zh-CN" altLang="en-US" dirty="0" smtClean="0"/>
-              <a:t>，序列化，反序列化增加</a:t>
-            </a:r>
-            <a:r>
-              <a:rPr lang="en-US" altLang="zh-CN" dirty="0" smtClean="0"/>
-              <a:t>error handing</a:t>
-            </a:r>
-          </a:p>
-          <a:p>
-            <a:r>
-              <a:rPr lang="zh-CN" altLang="en-US" dirty="0" smtClean="0"/>
-              <a:t>所有</a:t>
-            </a:r>
-            <a:r>
-              <a:rPr lang="en-US" altLang="zh-CN" dirty="0" smtClean="0"/>
-              <a:t>ZK operation</a:t>
-            </a:r>
-            <a:r>
-              <a:rPr lang="zh-CN" altLang="en-US" dirty="0" smtClean="0"/>
-              <a:t>增加 </a:t>
-            </a:r>
-            <a:r>
-              <a:rPr lang="en-US" altLang="zh-CN" dirty="0" smtClean="0"/>
-              <a:t>error handing</a:t>
-            </a:r>
-          </a:p>
-          <a:p>
-            <a:r>
-              <a:rPr lang="en-US" altLang="zh-CN" dirty="0" err="1" smtClean="0"/>
-              <a:t>Nimubs</a:t>
-            </a:r>
-            <a:r>
-              <a:rPr lang="en-US" altLang="zh-CN" dirty="0" smtClean="0"/>
-              <a:t> </a:t>
-            </a:r>
-            <a:r>
-              <a:rPr lang="zh-CN" altLang="en-US" dirty="0" smtClean="0"/>
-              <a:t>中，所有</a:t>
-            </a:r>
-            <a:r>
-              <a:rPr lang="en-US" altLang="zh-CN" dirty="0" smtClean="0"/>
-              <a:t>assign/reassign topology </a:t>
-            </a:r>
-            <a:r>
-              <a:rPr lang="zh-CN" altLang="en-US" dirty="0" smtClean="0"/>
-              <a:t>操作，进行单线程序列化处理</a:t>
+              <a:rPr lang="zh-CN" altLang="en-US" dirty="0" smtClean="0"/>
+              <a:t>准确</a:t>
+            </a:r>
+            <a:endParaRPr lang="en-US" altLang="zh-CN" dirty="0" smtClean="0"/>
+          </a:p>
+          <a:p>
+            <a:pPr lvl="1"/>
+            <a:r>
+              <a:rPr lang="zh-CN" altLang="en-US" dirty="0"/>
+              <a:t>采用</a:t>
+            </a:r>
+            <a:r>
+              <a:rPr lang="en-US" altLang="zh-CN" dirty="0"/>
+              <a:t>Acker</a:t>
+            </a:r>
+            <a:r>
+              <a:rPr lang="zh-CN" altLang="en-US" dirty="0"/>
+              <a:t>机制，保证数据不</a:t>
+            </a:r>
+            <a:r>
+              <a:rPr lang="zh-CN" altLang="en-US" dirty="0" smtClean="0"/>
+              <a:t>丢失。</a:t>
+            </a:r>
+            <a:endParaRPr lang="en-US" altLang="zh-CN" dirty="0" smtClean="0"/>
+          </a:p>
+          <a:p>
+            <a:pPr lvl="1"/>
+            <a:r>
+              <a:rPr lang="zh-CN" altLang="en-US" dirty="0" smtClean="0"/>
+              <a:t>采用事务机制，保证数据准确性</a:t>
             </a:r>
             <a:endParaRPr lang="zh-CN" altLang="en-US" dirty="0"/>
           </a:p>
@@ -8862,7 +14145,7 @@
           <a:p>
             <a:r>
               <a:rPr lang="en-US" altLang="zh-CN" smtClean="0"/>
-              <a:t>Alipay</a:t>
+              <a:t>Alibaba</a:t>
             </a:r>
             <a:endParaRPr lang="en-US" altLang="zh-CN"/>
           </a:p>
@@ -8871,20 +14154,13 @@
     </p:spTree>
     <p:extLst>
       <p:ext uri="{BB962C8B-B14F-4D97-AF65-F5344CB8AC3E}">
-        <p14:creationId xmlns:p14="http://schemas.microsoft.com/office/powerpoint/2010/main" val="2701835778"/>
+        <p14:creationId xmlns:p14="http://schemas.microsoft.com/office/powerpoint/2010/main" val="1479518622"/>
       </p:ext>
     </p:extLst>
   </p:cSld>
   <p:clrMapOvr>
     <a:masterClrMapping/>
   </p:clrMapOvr>
-  <p:timing>
-    <p:tnLst>
-      <p:par>
-        <p:cTn id="1" dur="indefinite" restart="never" nodeType="tmRoot"/>
-      </p:par>
-    </p:tnLst>
-  </p:timing>
 </p:sld>
 </file>
 
@@ -8921,196 +14197,99 @@
           <a:lstStyle/>
           <a:p>
             <a:r>
-              <a:rPr lang="zh-CN" altLang="en-US" dirty="0" smtClean="0"/>
-              <a:t>修改</a:t>
+              <a:rPr lang="zh-CN" altLang="en-US" dirty="0"/>
+              <a:t>适用</a:t>
+            </a:r>
+            <a:r>
+              <a:rPr lang="zh-CN" altLang="en-US" dirty="0" smtClean="0"/>
+              <a:t>场景</a:t>
+            </a:r>
+            <a:endParaRPr lang="zh-CN" altLang="en-US" dirty="0"/>
+          </a:p>
+        </p:txBody>
+      </p:sp>
+      <p:sp>
+        <p:nvSpPr>
+          <p:cNvPr id="3" name="内容占位符 2"/>
+          <p:cNvSpPr>
+            <a:spLocks noGrp="1"/>
+          </p:cNvSpPr>
+          <p:nvPr>
+            <p:ph idx="1"/>
+          </p:nvPr>
+        </p:nvSpPr>
+        <p:spPr/>
+        <p:txBody>
+          <a:bodyPr/>
+          <a:lstStyle/>
+          <a:p>
+            <a:r>
+              <a:rPr lang="zh-CN" altLang="en-US" b="1" dirty="0"/>
+              <a:t>适合无状态</a:t>
+            </a:r>
+            <a:r>
+              <a:rPr lang="zh-CN" altLang="en-US" b="1" dirty="0" smtClean="0"/>
+              <a:t>计算</a:t>
+            </a:r>
+            <a:endParaRPr lang="en-US" altLang="zh-CN" b="1" dirty="0" smtClean="0"/>
+          </a:p>
+          <a:p>
+            <a:pPr lvl="1"/>
+            <a:r>
+              <a:rPr lang="zh-CN" altLang="en-US" dirty="0" smtClean="0"/>
+              <a:t>处理单元处理的数据均来自</a:t>
             </a:r>
             <a:r>
               <a:rPr lang="en-US" altLang="zh-CN" dirty="0" smtClean="0"/>
-              <a:t>5 enhancement</a:t>
-            </a:r>
-            <a:endParaRPr lang="zh-CN" altLang="en-US" dirty="0"/>
-          </a:p>
-        </p:txBody>
-      </p:sp>
-      <p:sp>
-        <p:nvSpPr>
-          <p:cNvPr id="3" name="内容占位符 2"/>
-          <p:cNvSpPr>
-            <a:spLocks noGrp="1"/>
-          </p:cNvSpPr>
-          <p:nvPr>
-            <p:ph idx="1"/>
-          </p:nvPr>
-        </p:nvSpPr>
-        <p:spPr/>
-        <p:txBody>
-          <a:bodyPr/>
-          <a:lstStyle/>
-          <a:p>
-            <a:r>
-              <a:rPr lang="zh-CN" altLang="en-US" sz="2800" dirty="0" smtClean="0"/>
-              <a:t>重写采样代码， 增加</a:t>
-            </a:r>
-            <a:r>
-              <a:rPr lang="en-US" altLang="zh-CN" sz="2800" dirty="0" smtClean="0"/>
-              <a:t>send/</a:t>
-            </a:r>
-            <a:r>
-              <a:rPr lang="en-US" altLang="zh-CN" sz="2800" dirty="0" err="1" smtClean="0"/>
-              <a:t>recv</a:t>
-            </a:r>
-            <a:r>
-              <a:rPr lang="en-US" altLang="zh-CN" sz="2800" dirty="0" smtClean="0"/>
-              <a:t> </a:t>
-            </a:r>
-            <a:r>
-              <a:rPr lang="en-US" altLang="zh-CN" sz="2800" dirty="0" err="1" smtClean="0"/>
-              <a:t>tps</a:t>
-            </a:r>
-            <a:r>
-              <a:rPr lang="zh-CN" altLang="en-US" sz="2800" dirty="0" smtClean="0"/>
-              <a:t>采样</a:t>
-            </a:r>
-            <a:endParaRPr lang="en-US" altLang="zh-CN" sz="2800" dirty="0" smtClean="0"/>
-          </a:p>
-          <a:p>
-            <a:r>
-              <a:rPr lang="zh-CN" altLang="en-US" sz="2800" dirty="0" smtClean="0"/>
-              <a:t>增加处理</a:t>
-            </a:r>
-            <a:r>
-              <a:rPr lang="en-US" altLang="zh-CN" sz="2800" dirty="0" smtClean="0"/>
-              <a:t>supervisor down</a:t>
-            </a:r>
-            <a:r>
-              <a:rPr lang="zh-CN" altLang="en-US" sz="2800" dirty="0" smtClean="0"/>
-              <a:t>时，</a:t>
-            </a:r>
-            <a:r>
-              <a:rPr lang="en-US" altLang="zh-CN" sz="2800" dirty="0" smtClean="0"/>
-              <a:t>assignment/reassignment </a:t>
-            </a:r>
-            <a:r>
-              <a:rPr lang="zh-CN" altLang="en-US" sz="2800" dirty="0" smtClean="0"/>
-              <a:t>处理逻辑</a:t>
-            </a:r>
-            <a:endParaRPr lang="en-US" altLang="zh-CN" sz="2800" dirty="0" smtClean="0"/>
-          </a:p>
-          <a:p>
-            <a:r>
-              <a:rPr lang="en-US" altLang="zh-CN" sz="2800" dirty="0" smtClean="0"/>
-              <a:t>Spout finish open</a:t>
-            </a:r>
-            <a:r>
-              <a:rPr lang="zh-CN" altLang="en-US" sz="2800" dirty="0" smtClean="0"/>
-              <a:t>后，会等待一个时间后（默认</a:t>
-            </a:r>
-            <a:r>
-              <a:rPr lang="en-US" altLang="zh-CN" sz="2800" dirty="0" smtClean="0"/>
-              <a:t>1</a:t>
-            </a:r>
-            <a:r>
-              <a:rPr lang="zh-CN" altLang="en-US" sz="2800" dirty="0" smtClean="0"/>
-              <a:t>分钟）才真正开始执行</a:t>
-            </a:r>
-            <a:r>
-              <a:rPr lang="en-US" altLang="zh-CN" sz="2800" dirty="0" err="1" smtClean="0"/>
-              <a:t>nextTuple</a:t>
-            </a:r>
-            <a:endParaRPr lang="en-US" altLang="zh-CN" sz="2800" dirty="0" smtClean="0"/>
-          </a:p>
-          <a:p>
-            <a:r>
-              <a:rPr lang="en-US" altLang="zh-CN" sz="2800" dirty="0" smtClean="0"/>
-              <a:t>Kill/rebalance topology</a:t>
-            </a:r>
-            <a:r>
-              <a:rPr lang="zh-CN" altLang="en-US" sz="2800" dirty="0" smtClean="0"/>
-              <a:t>，自动触发</a:t>
-            </a:r>
-            <a:r>
-              <a:rPr lang="en-US" altLang="zh-CN" sz="2800" dirty="0" smtClean="0"/>
-              <a:t>deactivate</a:t>
-            </a:r>
-            <a:r>
-              <a:rPr lang="zh-CN" altLang="en-US" sz="2800" dirty="0" smtClean="0"/>
-              <a:t>操作并等待</a:t>
-            </a:r>
-            <a:r>
-              <a:rPr lang="en-US" altLang="zh-CN" sz="2800" dirty="0" smtClean="0"/>
-              <a:t>2 </a:t>
-            </a:r>
-            <a:r>
-              <a:rPr lang="zh-CN" altLang="en-US" sz="2800" dirty="0" smtClean="0"/>
-              <a:t>* </a:t>
-            </a:r>
-            <a:r>
-              <a:rPr lang="en-US" altLang="zh-CN" sz="2800" dirty="0" err="1" smtClean="0"/>
-              <a:t>msg_timeout</a:t>
-            </a:r>
-            <a:r>
-              <a:rPr lang="en-US" altLang="zh-CN" sz="2800" dirty="0" smtClean="0"/>
-              <a:t> </a:t>
-            </a:r>
-            <a:r>
-              <a:rPr lang="zh-CN" altLang="en-US" sz="2800" dirty="0" smtClean="0"/>
-              <a:t>时间</a:t>
-            </a:r>
-            <a:endParaRPr lang="en-US" altLang="zh-CN" sz="2800" dirty="0" smtClean="0"/>
-          </a:p>
-          <a:p>
-            <a:r>
-              <a:rPr lang="zh-CN" altLang="en-US" sz="2800" dirty="0" smtClean="0"/>
-              <a:t>增加</a:t>
-            </a:r>
-            <a:r>
-              <a:rPr lang="en-US" altLang="zh-CN" sz="2800" dirty="0" smtClean="0"/>
-              <a:t>hook </a:t>
-            </a:r>
-            <a:r>
-              <a:rPr lang="zh-CN" altLang="en-US" sz="2800" dirty="0" smtClean="0"/>
-              <a:t>调用</a:t>
-            </a:r>
-            <a:r>
-              <a:rPr lang="en-US" altLang="zh-CN" sz="2800" dirty="0" smtClean="0"/>
-              <a:t>spout/bolt cleanup</a:t>
-            </a:r>
-          </a:p>
-          <a:p>
-            <a:r>
-              <a:rPr lang="en-US" altLang="zh-CN" sz="2800" dirty="0" smtClean="0"/>
-              <a:t>Assign topology </a:t>
-            </a:r>
-            <a:r>
-              <a:rPr lang="zh-CN" altLang="en-US" sz="2800" dirty="0" smtClean="0"/>
-              <a:t>时，按</a:t>
-            </a:r>
-            <a:r>
-              <a:rPr lang="en-US" altLang="zh-CN" sz="2800" dirty="0" smtClean="0"/>
-              <a:t>slot</a:t>
-            </a:r>
-            <a:r>
-              <a:rPr lang="zh-CN" altLang="en-US" sz="2800" dirty="0" smtClean="0"/>
-              <a:t>数对</a:t>
-            </a:r>
-            <a:r>
-              <a:rPr lang="en-US" altLang="zh-CN" sz="2800" dirty="0" smtClean="0"/>
-              <a:t>supervisor</a:t>
-            </a:r>
-            <a:r>
-              <a:rPr lang="zh-CN" altLang="en-US" sz="2800" dirty="0" smtClean="0"/>
-              <a:t>进行排序</a:t>
-            </a:r>
-            <a:endParaRPr lang="en-US" altLang="zh-CN" sz="2800" dirty="0" smtClean="0"/>
-          </a:p>
-          <a:p>
-            <a:r>
-              <a:rPr lang="zh-CN" altLang="en-US" sz="2800" dirty="0" smtClean="0"/>
-              <a:t>。。。</a:t>
-            </a:r>
-            <a:endParaRPr lang="en-US" altLang="zh-CN" sz="2800" dirty="0" smtClean="0"/>
-          </a:p>
-          <a:p>
+              <a:t>input Tuple</a:t>
+            </a:r>
+            <a:r>
+              <a:rPr lang="zh-CN" altLang="en-US" dirty="0" smtClean="0"/>
+              <a:t>，不含有额外依赖数据。</a:t>
+            </a:r>
+            <a:endParaRPr lang="en-US" altLang="zh-CN" dirty="0" smtClean="0"/>
+          </a:p>
+          <a:p>
+            <a:r>
+              <a:rPr lang="zh-CN" altLang="en-US" dirty="0" smtClean="0"/>
+              <a:t>场景：</a:t>
+            </a:r>
+            <a:endParaRPr lang="en-US" altLang="zh-CN" dirty="0" smtClean="0"/>
+          </a:p>
+          <a:p>
+            <a:pPr lvl="1"/>
+            <a:r>
+              <a:rPr lang="zh-CN" altLang="en-US" dirty="0"/>
+              <a:t>日志</a:t>
+            </a:r>
+            <a:r>
+              <a:rPr lang="zh-CN" altLang="en-US" dirty="0" smtClean="0"/>
+              <a:t>分析</a:t>
+            </a:r>
+            <a:endParaRPr lang="en-US" altLang="zh-CN" dirty="0" smtClean="0"/>
+          </a:p>
+          <a:p>
+            <a:pPr lvl="1"/>
+            <a:r>
+              <a:rPr lang="zh-CN" altLang="en-US" dirty="0" smtClean="0"/>
+              <a:t>管道系统</a:t>
+            </a:r>
+            <a:endParaRPr lang="en-US" altLang="zh-CN" dirty="0" smtClean="0"/>
+          </a:p>
+          <a:p>
+            <a:pPr lvl="1"/>
+            <a:r>
+              <a:rPr lang="zh-CN" altLang="en-US" dirty="0" smtClean="0"/>
+              <a:t>消息转化器</a:t>
+            </a:r>
+            <a:endParaRPr lang="en-US" altLang="zh-CN" dirty="0" smtClean="0"/>
+          </a:p>
+          <a:p>
+            <a:pPr lvl="1"/>
+            <a:r>
+              <a:rPr lang="zh-CN" altLang="en-US" dirty="0" smtClean="0"/>
+              <a:t>统计分析器</a:t>
+            </a:r>
             <a:endParaRPr lang="zh-CN" altLang="en-US" dirty="0"/>
           </a:p>
         </p:txBody>
@@ -9163,7 +14342,7 @@
           <a:p>
             <a:r>
               <a:rPr lang="en-US" altLang="zh-CN" smtClean="0"/>
-              <a:t>Alipay</a:t>
+              <a:t>Alibaba</a:t>
             </a:r>
             <a:endParaRPr lang="en-US" altLang="zh-CN"/>
           </a:p>
@@ -9172,20 +14351,13 @@
     </p:spTree>
     <p:extLst>
       <p:ext uri="{BB962C8B-B14F-4D97-AF65-F5344CB8AC3E}">
-        <p14:creationId xmlns:p14="http://schemas.microsoft.com/office/powerpoint/2010/main" val="2668832134"/>
+        <p14:creationId xmlns:p14="http://schemas.microsoft.com/office/powerpoint/2010/main" val="1725641931"/>
       </p:ext>
     </p:extLst>
   </p:cSld>
   <p:clrMapOvr>
     <a:masterClrMapping/>
   </p:clrMapOvr>
-  <p:timing>
-    <p:tnLst>
-      <p:par>
-        <p:cTn id="1" dur="indefinite" restart="never" nodeType="tmRoot"/>
-      </p:par>
-    </p:tnLst>
-  </p:timing>
 </p:sld>
 </file>
 
